--- a/IZDELAVA IGER - SUDOKU.pptx
+++ b/IZDELAVA IGER - SUDOKU.pptx
@@ -5,19 +5,28 @@
     <p:sldMasterId id="2147483648" r:id="rId1"/>
   </p:sldMasterIdLst>
   <p:notesMasterIdLst>
-    <p:notesMasterId r:id="rId9"/>
+    <p:notesMasterId r:id="rId18"/>
   </p:notesMasterIdLst>
   <p:handoutMasterIdLst>
-    <p:handoutMasterId r:id="rId10"/>
+    <p:handoutMasterId r:id="rId19"/>
   </p:handoutMasterIdLst>
   <p:sldIdLst>
     <p:sldId id="256" r:id="rId2"/>
     <p:sldId id="257" r:id="rId3"/>
-    <p:sldId id="258" r:id="rId4"/>
-    <p:sldId id="259" r:id="rId5"/>
-    <p:sldId id="260" r:id="rId6"/>
-    <p:sldId id="261" r:id="rId7"/>
-    <p:sldId id="262" r:id="rId8"/>
+    <p:sldId id="264" r:id="rId4"/>
+    <p:sldId id="258" r:id="rId5"/>
+    <p:sldId id="271" r:id="rId6"/>
+    <p:sldId id="270" r:id="rId7"/>
+    <p:sldId id="272" r:id="rId8"/>
+    <p:sldId id="259" r:id="rId9"/>
+    <p:sldId id="273" r:id="rId10"/>
+    <p:sldId id="276" r:id="rId11"/>
+    <p:sldId id="277" r:id="rId12"/>
+    <p:sldId id="268" r:id="rId13"/>
+    <p:sldId id="260" r:id="rId14"/>
+    <p:sldId id="261" r:id="rId15"/>
+    <p:sldId id="262" r:id="rId16"/>
+    <p:sldId id="263" r:id="rId17"/>
   </p:sldIdLst>
   <p:sldSz cx="12192000" cy="6858000"/>
   <p:notesSz cx="6858000" cy="9144000"/>
@@ -116,7 +125,16 @@
       </a:defRPr>
     </a:lvl9pPr>
   </p:defaultTextStyle>
+  <p:extLst>
+    <p:ext uri="{EFAFB233-063F-42B5-8137-9DF3F51BA10A}">
+      <p15:sldGuideLst xmlns:p15="http://schemas.microsoft.com/office/powerpoint/2012/main"/>
+    </p:ext>
+  </p:extLst>
 </p:presentation>
+</file>
+
+<file path=ppt/revisionInfo.xml><?xml version="1.0" encoding="utf-8"?>
+<p1510:revInfo xmlns:a="http://schemas.openxmlformats.org/drawingml/2006/main" xmlns:r="http://schemas.openxmlformats.org/officeDocument/2006/relationships" xmlns:p1510="http://schemas.microsoft.com/office/powerpoint/2015/10/main"/>
 </file>
 
 <file path=ppt/handoutMasters/handoutMaster1.xml><?xml version="1.0" encoding="utf-8"?>
@@ -659,8 +677,28 @@
 </file>
 
 <file path=ppt/slideLayouts/slideLayout1.xml><?xml version="1.0" encoding="utf-8"?>
-<p:sldLayout xmlns:a="http://schemas.openxmlformats.org/drawingml/2006/main" xmlns:r="http://schemas.openxmlformats.org/officeDocument/2006/relationships" xmlns:p="http://schemas.openxmlformats.org/presentationml/2006/main" type="title" preserve="1">
+<p:sldLayout xmlns:a="http://schemas.openxmlformats.org/drawingml/2006/main" xmlns:r="http://schemas.openxmlformats.org/officeDocument/2006/relationships" xmlns:p="http://schemas.openxmlformats.org/presentationml/2006/main" showMasterSp="0" type="title" preserve="1">
   <p:cSld name="Naslovni diapozitiv">
+    <p:bg>
+      <p:bgPr>
+        <a:gradFill>
+          <a:gsLst>
+            <a:gs pos="0">
+              <a:schemeClr val="bg2">
+                <a:lumMod val="25000"/>
+              </a:schemeClr>
+            </a:gs>
+            <a:gs pos="100000">
+              <a:schemeClr val="bg2">
+                <a:lumMod val="10000"/>
+              </a:schemeClr>
+            </a:gs>
+          </a:gsLst>
+          <a:lin ang="5400000" scaled="1"/>
+        </a:gradFill>
+        <a:effectLst/>
+      </p:bgPr>
+    </p:bg>
     <p:spTree>
       <p:nvGrpSpPr>
         <p:cNvPr id="1" name=""/>
@@ -677,6 +715,55 @@
       </p:grpSpPr>
       <p:sp>
         <p:nvSpPr>
+          <p:cNvPr id="7" name="Pravokotnik 6">
+            <a:extLst>
+              <a:ext uri="{FF2B5EF4-FFF2-40B4-BE49-F238E27FC236}">
+                <a16:creationId xmlns:a16="http://schemas.microsoft.com/office/drawing/2014/main" id="{C875F854-45BB-46E5-B01E-32C0E59EE663}"/>
+              </a:ext>
+            </a:extLst>
+          </p:cNvPr>
+          <p:cNvSpPr/>
+          <p:nvPr userDrawn="1"/>
+        </p:nvSpPr>
+        <p:spPr>
+          <a:xfrm>
+            <a:off x="1" y="1106905"/>
+            <a:ext cx="12192000" cy="2425567"/>
+          </a:xfrm>
+          <a:prstGeom prst="rect">
+            <a:avLst/>
+          </a:prstGeom>
+          <a:solidFill>
+            <a:schemeClr val="bg1">
+              <a:alpha val="12000"/>
+            </a:schemeClr>
+          </a:solidFill>
+        </p:spPr>
+        <p:style>
+          <a:lnRef idx="0">
+            <a:schemeClr val="accent2"/>
+          </a:lnRef>
+          <a:fillRef idx="3">
+            <a:schemeClr val="accent2"/>
+          </a:fillRef>
+          <a:effectRef idx="3">
+            <a:schemeClr val="accent2"/>
+          </a:effectRef>
+          <a:fontRef idx="minor">
+            <a:schemeClr val="lt1"/>
+          </a:fontRef>
+        </p:style>
+        <p:txBody>
+          <a:bodyPr rtlCol="0" anchor="ctr"/>
+          <a:lstStyle/>
+          <a:p>
+            <a:pPr algn="ctr"/>
+            <a:endParaRPr lang="en-GB"/>
+          </a:p>
+        </p:txBody>
+      </p:sp>
+      <p:sp>
+        <p:nvSpPr>
           <p:cNvPr id="2" name="Naslov 1">
             <a:extLst>
               <a:ext uri="{FF2B5EF4-FFF2-40B4-BE49-F238E27FC236}">
@@ -688,7 +775,7 @@
             <a:spLocks noGrp="1"/>
           </p:cNvSpPr>
           <p:nvPr>
-            <p:ph type="ctrTitle"/>
+            <p:ph type="ctrTitle" hasCustomPrompt="1"/>
           </p:nvPr>
         </p:nvSpPr>
         <p:spPr>
@@ -698,18 +785,43 @@
           </a:xfrm>
         </p:spPr>
         <p:txBody>
-          <a:bodyPr anchor="b"/>
+          <a:bodyPr anchor="ctr" anchorCtr="0"/>
           <a:lstStyle>
             <a:lvl1pPr algn="ctr">
-              <a:defRPr sz="6000"/>
+              <a:defRPr sz="6000" b="1">
+                <a:solidFill>
+                  <a:schemeClr val="bg1"/>
+                </a:solidFill>
+                <a:effectLst>
+                  <a:glow rad="50800">
+                    <a:schemeClr val="tx1">
+                      <a:alpha val="32000"/>
+                    </a:schemeClr>
+                  </a:glow>
+                  <a:outerShdw blurRad="50800" dist="38100" dir="2700000" algn="tl" rotWithShape="0">
+                    <a:schemeClr val="bg1">
+                      <a:alpha val="40000"/>
+                    </a:schemeClr>
+                  </a:outerShdw>
+                </a:effectLst>
+                <a:latin typeface="Impact" panose="020B0806030902050204" pitchFamily="34" charset="0"/>
+              </a:defRPr>
             </a:lvl1pPr>
           </a:lstStyle>
           <a:p>
             <a:r>
-              <a:rPr lang="sl-SI"/>
-              <a:t>Uredite slog naslova matrice</a:t>
-            </a:r>
-            <a:endParaRPr lang="en-GB"/>
+              <a:rPr lang="sl-SI" dirty="0"/>
+              <a:t>Uredite slog </a:t>
+            </a:r>
+            <a:r>
+              <a:rPr lang="sl-SI" dirty="0" err="1"/>
+              <a:t>čšž</a:t>
+            </a:r>
+            <a:r>
+              <a:rPr lang="sl-SI" dirty="0"/>
+              <a:t> naslova matrice</a:t>
+            </a:r>
+            <a:endParaRPr lang="en-GB" dirty="0"/>
           </a:p>
         </p:txBody>
       </p:sp>
@@ -726,13 +838,13 @@
             <a:spLocks noGrp="1"/>
           </p:cNvSpPr>
           <p:nvPr>
-            <p:ph type="subTitle" idx="1"/>
+            <p:ph type="subTitle" idx="1" hasCustomPrompt="1"/>
           </p:nvPr>
         </p:nvSpPr>
         <p:spPr>
           <a:xfrm>
-            <a:off x="1524000" y="3602038"/>
-            <a:ext cx="9144000" cy="1655762"/>
+            <a:off x="1524000" y="3703920"/>
+            <a:ext cx="9144000" cy="1553879"/>
           </a:xfrm>
         </p:spPr>
         <p:txBody>
@@ -740,7 +852,14 @@
           <a:lstStyle>
             <a:lvl1pPr marL="0" indent="0" algn="ctr">
               <a:buNone/>
-              <a:defRPr sz="2400"/>
+              <a:defRPr sz="2400">
+                <a:solidFill>
+                  <a:schemeClr val="bg1"/>
+                </a:solidFill>
+                <a:latin typeface="Bahnschrift Light" panose="020B0502040204020203" pitchFamily="34" charset="0"/>
+                <a:ea typeface="Gadugi" panose="020B0502040204020203" pitchFamily="34" charset="0"/>
+                <a:cs typeface="Courier New" panose="02070309020205020404" pitchFamily="49" charset="0"/>
+              </a:defRPr>
             </a:lvl1pPr>
             <a:lvl2pPr marL="457200" indent="0" algn="ctr">
               <a:buNone/>
@@ -777,10 +896,14 @@
           </a:lstStyle>
           <a:p>
             <a:r>
-              <a:rPr lang="sl-SI"/>
-              <a:t>Kliknite, da uredite slog podnaslova matrice</a:t>
-            </a:r>
-            <a:endParaRPr lang="en-GB"/>
+              <a:rPr lang="sl-SI" dirty="0"/>
+              <a:t>Kliknite, da uredite slog podnaslova matrice </a:t>
+            </a:r>
+            <a:r>
+              <a:rPr lang="sl-SI" dirty="0" err="1"/>
+              <a:t>čšž</a:t>
+            </a:r>
+            <a:endParaRPr lang="en-GB" dirty="0"/>
           </a:p>
         </p:txBody>
       </p:sp>
@@ -803,13 +926,24 @@
         <p:spPr/>
         <p:txBody>
           <a:bodyPr/>
-          <a:lstStyle/>
-          <a:p>
-            <a:r>
-              <a:rPr lang="sl-SI"/>
+          <a:lstStyle>
+            <a:lvl1pPr>
+              <a:defRPr>
+                <a:solidFill>
+                  <a:schemeClr val="bg1">
+                    <a:lumMod val="65000"/>
+                  </a:schemeClr>
+                </a:solidFill>
+                <a:latin typeface="Bahnschrift Light" panose="020B0502040204020203" pitchFamily="34" charset="0"/>
+              </a:defRPr>
+            </a:lvl1pPr>
+          </a:lstStyle>
+          <a:p>
+            <a:r>
+              <a:rPr lang="sl-SI" dirty="0"/>
               <a:t>april 2021</a:t>
             </a:r>
-            <a:endParaRPr lang="en-GB"/>
+            <a:endParaRPr lang="en-GB" dirty="0"/>
           </a:p>
         </p:txBody>
       </p:sp>
@@ -832,13 +966,31 @@
         <p:spPr/>
         <p:txBody>
           <a:bodyPr/>
-          <a:lstStyle/>
-          <a:p>
-            <a:r>
-              <a:rPr lang="en-GB"/>
-              <a:t>Barbara Kastelic, T4a</a:t>
-            </a:r>
-            <a:endParaRPr lang="en-GB" dirty="0"/>
+          <a:lstStyle>
+            <a:lvl1pPr>
+              <a:defRPr>
+                <a:solidFill>
+                  <a:schemeClr val="bg1">
+                    <a:lumMod val="65000"/>
+                  </a:schemeClr>
+                </a:solidFill>
+                <a:latin typeface="Bahnschrift Light" panose="020B0502040204020203" pitchFamily="34" charset="0"/>
+              </a:defRPr>
+            </a:lvl1pPr>
+          </a:lstStyle>
+          <a:p>
+            <a:r>
+              <a:rPr lang="en-GB" dirty="0"/>
+              <a:t>Barbara </a:t>
+            </a:r>
+            <a:r>
+              <a:rPr lang="en-GB" dirty="0" err="1"/>
+              <a:t>Kastelic</a:t>
+            </a:r>
+            <a:r>
+              <a:rPr lang="en-GB" dirty="0"/>
+              <a:t>, T4a</a:t>
+            </a:r>
           </a:p>
         </p:txBody>
       </p:sp>
@@ -861,16 +1013,106 @@
         <p:spPr/>
         <p:txBody>
           <a:bodyPr/>
-          <a:lstStyle/>
+          <a:lstStyle>
+            <a:lvl1pPr>
+              <a:defRPr>
+                <a:solidFill>
+                  <a:schemeClr val="bg1">
+                    <a:lumMod val="65000"/>
+                  </a:schemeClr>
+                </a:solidFill>
+                <a:latin typeface="Bahnschrift Light" panose="020B0502040204020203" pitchFamily="34" charset="0"/>
+              </a:defRPr>
+            </a:lvl1pPr>
+          </a:lstStyle>
           <a:p>
             <a:fld id="{F8D99867-FBE4-4848-83CC-9A906A3AD9B7}" type="slidenum">
               <a:rPr lang="en-GB" smtClean="0"/>
+              <a:pPr/>
               <a:t>‹#›</a:t>
             </a:fld>
-            <a:endParaRPr lang="en-GB"/>
-          </a:p>
-        </p:txBody>
-      </p:sp>
+            <a:endParaRPr lang="en-GB" dirty="0"/>
+          </a:p>
+        </p:txBody>
+      </p:sp>
+      <p:cxnSp>
+        <p:nvCxnSpPr>
+          <p:cNvPr id="31" name="Raven povezovalnik 30">
+            <a:extLst>
+              <a:ext uri="{FF2B5EF4-FFF2-40B4-BE49-F238E27FC236}">
+                <a16:creationId xmlns:a16="http://schemas.microsoft.com/office/drawing/2014/main" id="{F0A1558B-FAB2-4CF9-860F-A201DBAB7D25}"/>
+              </a:ext>
+            </a:extLst>
+          </p:cNvPr>
+          <p:cNvCxnSpPr>
+            <a:cxnSpLocks/>
+          </p:cNvCxnSpPr>
+          <p:nvPr userDrawn="1"/>
+        </p:nvCxnSpPr>
+        <p:spPr>
+          <a:xfrm>
+            <a:off x="0" y="1106905"/>
+            <a:ext cx="12192000" cy="0"/>
+          </a:xfrm>
+          <a:prstGeom prst="line">
+            <a:avLst/>
+          </a:prstGeom>
+          <a:ln w="38100"/>
+        </p:spPr>
+        <p:style>
+          <a:lnRef idx="1">
+            <a:schemeClr val="dk1"/>
+          </a:lnRef>
+          <a:fillRef idx="0">
+            <a:schemeClr val="dk1"/>
+          </a:fillRef>
+          <a:effectRef idx="0">
+            <a:schemeClr val="dk1"/>
+          </a:effectRef>
+          <a:fontRef idx="minor">
+            <a:schemeClr val="tx1"/>
+          </a:fontRef>
+        </p:style>
+      </p:cxnSp>
+      <p:cxnSp>
+        <p:nvCxnSpPr>
+          <p:cNvPr id="32" name="Raven povezovalnik 31">
+            <a:extLst>
+              <a:ext uri="{FF2B5EF4-FFF2-40B4-BE49-F238E27FC236}">
+                <a16:creationId xmlns:a16="http://schemas.microsoft.com/office/drawing/2014/main" id="{F7E3DAE5-DFED-4D8C-B8FA-EF811ECDC751}"/>
+              </a:ext>
+            </a:extLst>
+          </p:cNvPr>
+          <p:cNvCxnSpPr>
+            <a:cxnSpLocks/>
+          </p:cNvCxnSpPr>
+          <p:nvPr userDrawn="1"/>
+        </p:nvCxnSpPr>
+        <p:spPr>
+          <a:xfrm>
+            <a:off x="1" y="3532472"/>
+            <a:ext cx="12191999" cy="0"/>
+          </a:xfrm>
+          <a:prstGeom prst="line">
+            <a:avLst/>
+          </a:prstGeom>
+          <a:ln w="38100"/>
+        </p:spPr>
+        <p:style>
+          <a:lnRef idx="1">
+            <a:schemeClr val="dk1"/>
+          </a:lnRef>
+          <a:fillRef idx="0">
+            <a:schemeClr val="dk1"/>
+          </a:fillRef>
+          <a:effectRef idx="0">
+            <a:schemeClr val="dk1"/>
+          </a:effectRef>
+          <a:fontRef idx="minor">
+            <a:schemeClr val="tx1"/>
+          </a:fontRef>
+        </p:style>
+      </p:cxnSp>
     </p:spTree>
     <p:extLst>
       <p:ext uri="{BB962C8B-B14F-4D97-AF65-F5344CB8AC3E}">
@@ -1333,16 +1575,24 @@
             <p:ph type="title"/>
           </p:nvPr>
         </p:nvSpPr>
-        <p:spPr/>
+        <p:spPr>
+          <a:ln>
+            <a:noFill/>
+          </a:ln>
+        </p:spPr>
         <p:txBody>
           <a:bodyPr/>
-          <a:lstStyle/>
-          <a:p>
-            <a:r>
-              <a:rPr lang="sl-SI"/>
+          <a:lstStyle>
+            <a:lvl1pPr>
+              <a:defRPr lang="en-GB" dirty="0"/>
+            </a:lvl1pPr>
+          </a:lstStyle>
+          <a:p>
+            <a:r>
+              <a:rPr lang="sl-SI" dirty="0"/>
               <a:t>Uredite slog naslova matrice</a:t>
             </a:r>
-            <a:endParaRPr lang="en-GB"/>
+            <a:endParaRPr lang="en-GB" dirty="0"/>
           </a:p>
         </p:txBody>
       </p:sp>
@@ -2614,7 +2864,7 @@
 </file>
 
 <file path=ppt/slideLayouts/slideLayout7.xml><?xml version="1.0" encoding="utf-8"?>
-<p:sldLayout xmlns:a="http://schemas.openxmlformats.org/drawingml/2006/main" xmlns:r="http://schemas.openxmlformats.org/officeDocument/2006/relationships" xmlns:p="http://schemas.openxmlformats.org/presentationml/2006/main" type="blank" preserve="1">
+<p:sldLayout xmlns:a="http://schemas.openxmlformats.org/drawingml/2006/main" xmlns:r="http://schemas.openxmlformats.org/officeDocument/2006/relationships" xmlns:p="http://schemas.openxmlformats.org/presentationml/2006/main" showMasterSp="0" type="blank" preserve="1">
   <p:cSld name="Prazen">
     <p:spTree>
       <p:nvGrpSpPr>
@@ -3341,9 +3591,24 @@
 <p:sldMaster xmlns:a="http://schemas.openxmlformats.org/drawingml/2006/main" xmlns:r="http://schemas.openxmlformats.org/officeDocument/2006/relationships" xmlns:p="http://schemas.openxmlformats.org/presentationml/2006/main">
   <p:cSld>
     <p:bg>
-      <p:bgRef idx="1001">
-        <a:schemeClr val="bg1"/>
-      </p:bgRef>
+      <p:bgPr>
+        <a:gradFill>
+          <a:gsLst>
+            <a:gs pos="0">
+              <a:schemeClr val="bg2">
+                <a:lumMod val="25000"/>
+              </a:schemeClr>
+            </a:gs>
+            <a:gs pos="100000">
+              <a:schemeClr val="bg2">
+                <a:lumMod val="10000"/>
+              </a:schemeClr>
+            </a:gs>
+          </a:gsLst>
+          <a:lin ang="5400000" scaled="1"/>
+        </a:gradFill>
+        <a:effectLst/>
+      </p:bgPr>
     </p:bg>
     <p:spTree>
       <p:nvGrpSpPr>
@@ -3391,10 +3656,10 @@
           <a:lstStyle/>
           <a:p>
             <a:r>
-              <a:rPr lang="sl-SI"/>
+              <a:rPr lang="sl-SI" dirty="0"/>
               <a:t>Uredite slog naslova matrice</a:t>
             </a:r>
-            <a:endParaRPr lang="en-GB"/>
+            <a:endParaRPr lang="en-GB" dirty="0"/>
           </a:p>
         </p:txBody>
       </p:sp>
@@ -3431,38 +3696,38 @@
           <a:p>
             <a:pPr lvl="0"/>
             <a:r>
-              <a:rPr lang="sl-SI"/>
+              <a:rPr lang="sl-SI" dirty="0"/>
               <a:t>Uredite sloge besedila matrice</a:t>
             </a:r>
           </a:p>
           <a:p>
             <a:pPr lvl="1"/>
             <a:r>
-              <a:rPr lang="sl-SI"/>
+              <a:rPr lang="sl-SI" dirty="0"/>
               <a:t>Druga raven</a:t>
             </a:r>
           </a:p>
           <a:p>
             <a:pPr lvl="2"/>
             <a:r>
-              <a:rPr lang="sl-SI"/>
+              <a:rPr lang="sl-SI" dirty="0"/>
               <a:t>Tretja raven</a:t>
             </a:r>
           </a:p>
           <a:p>
             <a:pPr lvl="3"/>
             <a:r>
-              <a:rPr lang="sl-SI"/>
+              <a:rPr lang="sl-SI" dirty="0"/>
               <a:t>Četrta raven</a:t>
             </a:r>
           </a:p>
           <a:p>
             <a:pPr lvl="4"/>
             <a:r>
-              <a:rPr lang="sl-SI"/>
+              <a:rPr lang="sl-SI" dirty="0"/>
               <a:t>Peta raven</a:t>
             </a:r>
-            <a:endParaRPr lang="en-GB"/>
+            <a:endParaRPr lang="en-GB" dirty="0"/>
           </a:p>
         </p:txBody>
       </p:sp>
@@ -3497,16 +3762,17 @@
             <a:lvl1pPr algn="l">
               <a:defRPr sz="1200">
                 <a:solidFill>
-                  <a:schemeClr val="tx1">
-                    <a:tint val="75000"/>
+                  <a:schemeClr val="bg1">
+                    <a:lumMod val="65000"/>
                   </a:schemeClr>
                 </a:solidFill>
+                <a:latin typeface="Bahnschrift Light" panose="020B0502040204020203" pitchFamily="34" charset="0"/>
               </a:defRPr>
             </a:lvl1pPr>
           </a:lstStyle>
           <a:p>
             <a:r>
-              <a:rPr lang="sl-SI"/>
+              <a:rPr lang="sl-SI" dirty="0"/>
               <a:t>april 2021</a:t>
             </a:r>
             <a:endParaRPr lang="en-GB" dirty="0"/>
@@ -3544,19 +3810,27 @@
             <a:lvl1pPr algn="ctr">
               <a:defRPr sz="1200">
                 <a:solidFill>
-                  <a:schemeClr val="tx1">
-                    <a:tint val="75000"/>
+                  <a:schemeClr val="bg1">
+                    <a:lumMod val="65000"/>
                   </a:schemeClr>
                 </a:solidFill>
+                <a:latin typeface="Bahnschrift Light" panose="020B0502040204020203" pitchFamily="34" charset="0"/>
               </a:defRPr>
             </a:lvl1pPr>
           </a:lstStyle>
           <a:p>
             <a:r>
-              <a:rPr lang="en-GB"/>
-              <a:t>Barbara Kastelic, T4a</a:t>
-            </a:r>
-            <a:endParaRPr lang="en-GB" dirty="0"/>
+              <a:rPr lang="en-GB" dirty="0"/>
+              <a:t>Barbara </a:t>
+            </a:r>
+            <a:r>
+              <a:rPr lang="en-GB" dirty="0" err="1"/>
+              <a:t>Kastelic</a:t>
+            </a:r>
+            <a:r>
+              <a:rPr lang="en-GB" dirty="0"/>
+              <a:t>, T4a</a:t>
+            </a:r>
           </a:p>
         </p:txBody>
       </p:sp>
@@ -3591,18 +3865,118 @@
             <a:lvl1pPr algn="r">
               <a:defRPr sz="1200">
                 <a:solidFill>
-                  <a:schemeClr val="tx1">
-                    <a:tint val="75000"/>
+                  <a:schemeClr val="bg1">
+                    <a:lumMod val="65000"/>
                   </a:schemeClr>
                 </a:solidFill>
+                <a:latin typeface="Bahnschrift Light" panose="020B0502040204020203" pitchFamily="34" charset="0"/>
               </a:defRPr>
             </a:lvl1pPr>
           </a:lstStyle>
           <a:p>
             <a:fld id="{F8D99867-FBE4-4848-83CC-9A906A3AD9B7}" type="slidenum">
               <a:rPr lang="en-GB" smtClean="0"/>
+              <a:pPr/>
               <a:t>‹#›</a:t>
             </a:fld>
+            <a:endParaRPr lang="en-GB" dirty="0"/>
+          </a:p>
+        </p:txBody>
+      </p:sp>
+      <p:sp>
+        <p:nvSpPr>
+          <p:cNvPr id="10" name="Pravokotnik 9">
+            <a:extLst>
+              <a:ext uri="{FF2B5EF4-FFF2-40B4-BE49-F238E27FC236}">
+                <a16:creationId xmlns:a16="http://schemas.microsoft.com/office/drawing/2014/main" id="{D1FA8E5E-E14D-42CB-93B4-8379C23E6435}"/>
+              </a:ext>
+            </a:extLst>
+          </p:cNvPr>
+          <p:cNvSpPr/>
+          <p:nvPr userDrawn="1"/>
+        </p:nvSpPr>
+        <p:spPr>
+          <a:xfrm>
+            <a:off x="1" y="0"/>
+            <a:ext cx="838199" cy="6857999"/>
+          </a:xfrm>
+          <a:prstGeom prst="rect">
+            <a:avLst/>
+          </a:prstGeom>
+          <a:solidFill>
+            <a:schemeClr val="bg1">
+              <a:alpha val="12000"/>
+            </a:schemeClr>
+          </a:solidFill>
+        </p:spPr>
+        <p:style>
+          <a:lnRef idx="0">
+            <a:schemeClr val="accent2"/>
+          </a:lnRef>
+          <a:fillRef idx="3">
+            <a:schemeClr val="accent2"/>
+          </a:fillRef>
+          <a:effectRef idx="3">
+            <a:schemeClr val="accent2"/>
+          </a:effectRef>
+          <a:fontRef idx="minor">
+            <a:schemeClr val="lt1"/>
+          </a:fontRef>
+        </p:style>
+        <p:txBody>
+          <a:bodyPr rtlCol="0" anchor="ctr"/>
+          <a:lstStyle/>
+          <a:p>
+            <a:pPr algn="ctr"/>
+            <a:endParaRPr lang="en-GB"/>
+          </a:p>
+        </p:txBody>
+      </p:sp>
+      <p:sp>
+        <p:nvSpPr>
+          <p:cNvPr id="11" name="Pravokotnik 10">
+            <a:extLst>
+              <a:ext uri="{FF2B5EF4-FFF2-40B4-BE49-F238E27FC236}">
+                <a16:creationId xmlns:a16="http://schemas.microsoft.com/office/drawing/2014/main" id="{F7C4BEC9-E45B-46FE-9E3E-5669281E4EDB}"/>
+              </a:ext>
+            </a:extLst>
+          </p:cNvPr>
+          <p:cNvSpPr/>
+          <p:nvPr userDrawn="1"/>
+        </p:nvSpPr>
+        <p:spPr>
+          <a:xfrm>
+            <a:off x="0" y="0"/>
+            <a:ext cx="12192000" cy="1689101"/>
+          </a:xfrm>
+          <a:prstGeom prst="rect">
+            <a:avLst/>
+          </a:prstGeom>
+          <a:solidFill>
+            <a:schemeClr val="bg1">
+              <a:alpha val="4000"/>
+            </a:schemeClr>
+          </a:solidFill>
+        </p:spPr>
+        <p:style>
+          <a:lnRef idx="0">
+            <a:schemeClr val="accent2"/>
+          </a:lnRef>
+          <a:fillRef idx="3">
+            <a:schemeClr val="accent2"/>
+          </a:fillRef>
+          <a:effectRef idx="3">
+            <a:schemeClr val="accent2"/>
+          </a:effectRef>
+          <a:fontRef idx="minor">
+            <a:schemeClr val="lt1"/>
+          </a:fontRef>
+        </p:style>
+        <p:txBody>
+          <a:bodyPr rtlCol="0" anchor="ctr"/>
+          <a:lstStyle/>
+          <a:p>
+            <a:pPr algn="ctr"/>
             <a:endParaRPr lang="en-GB"/>
           </a:p>
         </p:txBody>
@@ -3641,9 +4015,9 @@
         <a:buNone/>
         <a:defRPr sz="4400" kern="1200">
           <a:solidFill>
-            <a:schemeClr val="tx1"/>
+            <a:schemeClr val="bg1"/>
           </a:solidFill>
-          <a:latin typeface="+mj-lt"/>
+          <a:latin typeface="Impact" panose="020B0806030902050204" pitchFamily="34" charset="0"/>
           <a:ea typeface="+mj-ea"/>
           <a:cs typeface="+mj-cs"/>
         </a:defRPr>
@@ -3661,9 +4035,9 @@
         <a:buChar char="•"/>
         <a:defRPr sz="2800" kern="1200">
           <a:solidFill>
-            <a:schemeClr val="tx1"/>
+            <a:schemeClr val="bg1"/>
           </a:solidFill>
-          <a:latin typeface="+mn-lt"/>
+          <a:latin typeface="Bahnschrift Light" panose="020B0502040204020203" pitchFamily="34" charset="0"/>
           <a:ea typeface="+mn-ea"/>
           <a:cs typeface="+mn-cs"/>
         </a:defRPr>
@@ -3679,9 +4053,9 @@
         <a:buChar char="•"/>
         <a:defRPr sz="2400" kern="1200">
           <a:solidFill>
-            <a:schemeClr val="tx1"/>
+            <a:schemeClr val="bg1"/>
           </a:solidFill>
-          <a:latin typeface="+mn-lt"/>
+          <a:latin typeface="Bahnschrift Light" panose="020B0502040204020203" pitchFamily="34" charset="0"/>
           <a:ea typeface="+mn-ea"/>
           <a:cs typeface="+mn-cs"/>
         </a:defRPr>
@@ -3697,9 +4071,9 @@
         <a:buChar char="•"/>
         <a:defRPr sz="2000" kern="1200">
           <a:solidFill>
-            <a:schemeClr val="tx1"/>
+            <a:schemeClr val="bg1"/>
           </a:solidFill>
-          <a:latin typeface="+mn-lt"/>
+          <a:latin typeface="Bahnschrift Light" panose="020B0502040204020203" pitchFamily="34" charset="0"/>
           <a:ea typeface="+mn-ea"/>
           <a:cs typeface="+mn-cs"/>
         </a:defRPr>
@@ -3715,9 +4089,9 @@
         <a:buChar char="•"/>
         <a:defRPr sz="1800" kern="1200">
           <a:solidFill>
-            <a:schemeClr val="tx1"/>
+            <a:schemeClr val="bg1"/>
           </a:solidFill>
-          <a:latin typeface="+mn-lt"/>
+          <a:latin typeface="Bahnschrift Light" panose="020B0502040204020203" pitchFamily="34" charset="0"/>
           <a:ea typeface="+mn-ea"/>
           <a:cs typeface="+mn-cs"/>
         </a:defRPr>
@@ -3733,9 +4107,9 @@
         <a:buChar char="•"/>
         <a:defRPr sz="1800" kern="1200">
           <a:solidFill>
-            <a:schemeClr val="tx1"/>
+            <a:schemeClr val="bg1"/>
           </a:solidFill>
-          <a:latin typeface="+mn-lt"/>
+          <a:latin typeface="Bahnschrift Light" panose="020B0502040204020203" pitchFamily="34" charset="0"/>
           <a:ea typeface="+mn-ea"/>
           <a:cs typeface="+mn-cs"/>
         </a:defRPr>
@@ -3945,13 +4319,18 @@
             <p:ph type="ctrTitle"/>
           </p:nvPr>
         </p:nvSpPr>
-        <p:spPr/>
+        <p:spPr>
+          <a:xfrm>
+            <a:off x="1524000" y="1122363"/>
+            <a:ext cx="9144000" cy="2387600"/>
+          </a:xfrm>
+        </p:spPr>
         <p:txBody>
           <a:bodyPr/>
           <a:lstStyle/>
           <a:p>
             <a:r>
-              <a:rPr lang="sl-SI" dirty="0"/>
+              <a:rPr lang="sl-SI"/>
               <a:t>IZDELAVA IGER - SUDOKU</a:t>
             </a:r>
             <a:endParaRPr lang="en-GB" dirty="0"/>
@@ -3974,11 +4353,20 @@
             <p:ph type="subTitle" idx="1"/>
           </p:nvPr>
         </p:nvSpPr>
-        <p:spPr/>
+        <p:spPr>
+          <a:xfrm>
+            <a:off x="1524000" y="3703920"/>
+            <a:ext cx="9144000" cy="1553879"/>
+          </a:xfrm>
+        </p:spPr>
         <p:txBody>
           <a:bodyPr/>
           <a:lstStyle/>
           <a:p>
+            <a:r>
+              <a:rPr lang="sl-SI"/>
+              <a:t>Barbara Kastelic, T4a</a:t>
+            </a:r>
             <a:endParaRPr lang="sl-SI" dirty="0"/>
           </a:p>
         </p:txBody>
@@ -3993,6 +4381,3525 @@
   <p:clrMapOvr>
     <a:masterClrMapping/>
   </p:clrMapOvr>
+  <mc:AlternateContent xmlns:mc="http://schemas.openxmlformats.org/markup-compatibility/2006" xmlns:p14="http://schemas.microsoft.com/office/powerpoint/2010/main">
+    <mc:Choice Requires="p14">
+      <p:transition spd="slow">
+        <p14:flash/>
+      </p:transition>
+    </mc:Choice>
+    <mc:Fallback xmlns="">
+      <p:transition spd="slow">
+        <p:fade/>
+      </p:transition>
+    </mc:Fallback>
+  </mc:AlternateContent>
+</p:sld>
+</file>
+
+<file path=ppt/slides/slide10.xml><?xml version="1.0" encoding="utf-8"?>
+<p:sld xmlns:a="http://schemas.openxmlformats.org/drawingml/2006/main" xmlns:r="http://schemas.openxmlformats.org/officeDocument/2006/relationships" xmlns:p="http://schemas.openxmlformats.org/presentationml/2006/main">
+  <p:cSld>
+    <p:spTree>
+      <p:nvGrpSpPr>
+        <p:cNvPr id="1" name=""/>
+        <p:cNvGrpSpPr/>
+        <p:nvPr/>
+      </p:nvGrpSpPr>
+      <p:grpSpPr>
+        <a:xfrm>
+          <a:off x="0" y="0"/>
+          <a:ext cx="0" cy="0"/>
+          <a:chOff x="0" y="0"/>
+          <a:chExt cx="0" cy="0"/>
+        </a:xfrm>
+      </p:grpSpPr>
+      <p:sp>
+        <p:nvSpPr>
+          <p:cNvPr id="2" name="Naslov 1">
+            <a:extLst>
+              <a:ext uri="{FF2B5EF4-FFF2-40B4-BE49-F238E27FC236}">
+                <a16:creationId xmlns:a16="http://schemas.microsoft.com/office/drawing/2014/main" id="{B2DF2FB9-41C7-40BD-9B5F-DB6D8C848782}"/>
+              </a:ext>
+            </a:extLst>
+          </p:cNvPr>
+          <p:cNvSpPr>
+            <a:spLocks noGrp="1"/>
+          </p:cNvSpPr>
+          <p:nvPr>
+            <p:ph type="title"/>
+          </p:nvPr>
+        </p:nvSpPr>
+        <p:spPr/>
+        <p:txBody>
+          <a:bodyPr anchor="t"/>
+          <a:lstStyle/>
+          <a:p>
+            <a:pPr>
+              <a:lnSpc>
+                <a:spcPct val="100000"/>
+              </a:lnSpc>
+            </a:pPr>
+            <a:r>
+              <a:rPr lang="sl-SI" dirty="0"/>
+              <a:t>Razred </a:t>
+            </a:r>
+            <a:r>
+              <a:rPr lang="sl-SI" dirty="0" err="1"/>
+              <a:t>GUImreza</a:t>
+            </a:r>
+            <a:endParaRPr lang="en-GB" dirty="0"/>
+          </a:p>
+        </p:txBody>
+      </p:sp>
+      <p:sp>
+        <p:nvSpPr>
+          <p:cNvPr id="3" name="Označba mesta vsebine 2">
+            <a:extLst>
+              <a:ext uri="{FF2B5EF4-FFF2-40B4-BE49-F238E27FC236}">
+                <a16:creationId xmlns:a16="http://schemas.microsoft.com/office/drawing/2014/main" id="{D63D930D-41BE-418F-9FD8-FE7E9F039718}"/>
+              </a:ext>
+            </a:extLst>
+          </p:cNvPr>
+          <p:cNvSpPr>
+            <a:spLocks noGrp="1"/>
+          </p:cNvSpPr>
+          <p:nvPr>
+            <p:ph idx="1"/>
+          </p:nvPr>
+        </p:nvSpPr>
+        <p:spPr/>
+        <p:txBody>
+          <a:bodyPr/>
+          <a:lstStyle/>
+          <a:p>
+            <a:endParaRPr lang="en-GB" dirty="0"/>
+          </a:p>
+        </p:txBody>
+      </p:sp>
+      <p:sp>
+        <p:nvSpPr>
+          <p:cNvPr id="4" name="Označba mesta datuma 3">
+            <a:extLst>
+              <a:ext uri="{FF2B5EF4-FFF2-40B4-BE49-F238E27FC236}">
+                <a16:creationId xmlns:a16="http://schemas.microsoft.com/office/drawing/2014/main" id="{A26E8A46-1BCA-45C9-ACA1-438C2607E93C}"/>
+              </a:ext>
+            </a:extLst>
+          </p:cNvPr>
+          <p:cNvSpPr>
+            <a:spLocks noGrp="1"/>
+          </p:cNvSpPr>
+          <p:nvPr>
+            <p:ph type="dt" sz="half" idx="10"/>
+          </p:nvPr>
+        </p:nvSpPr>
+        <p:spPr/>
+        <p:txBody>
+          <a:bodyPr/>
+          <a:lstStyle/>
+          <a:p>
+            <a:r>
+              <a:rPr lang="sl-SI"/>
+              <a:t>april 2021</a:t>
+            </a:r>
+            <a:endParaRPr lang="en-GB"/>
+          </a:p>
+        </p:txBody>
+      </p:sp>
+      <p:sp>
+        <p:nvSpPr>
+          <p:cNvPr id="5" name="Označba mesta številke diapozitiva 4">
+            <a:extLst>
+              <a:ext uri="{FF2B5EF4-FFF2-40B4-BE49-F238E27FC236}">
+                <a16:creationId xmlns:a16="http://schemas.microsoft.com/office/drawing/2014/main" id="{70CCE3B0-5BA4-48DA-9D8B-FC74C1059C2B}"/>
+              </a:ext>
+            </a:extLst>
+          </p:cNvPr>
+          <p:cNvSpPr>
+            <a:spLocks noGrp="1"/>
+          </p:cNvSpPr>
+          <p:nvPr>
+            <p:ph type="sldNum" sz="quarter" idx="12"/>
+          </p:nvPr>
+        </p:nvSpPr>
+        <p:spPr/>
+        <p:txBody>
+          <a:bodyPr/>
+          <a:lstStyle/>
+          <a:p>
+            <a:fld id="{F8D99867-FBE4-4848-83CC-9A906A3AD9B7}" type="slidenum">
+              <a:rPr lang="en-GB" smtClean="0"/>
+              <a:t>10</a:t>
+            </a:fld>
+            <a:endParaRPr lang="en-GB"/>
+          </a:p>
+        </p:txBody>
+      </p:sp>
+      <p:sp>
+        <p:nvSpPr>
+          <p:cNvPr id="6" name="Označba mesta noge 5">
+            <a:extLst>
+              <a:ext uri="{FF2B5EF4-FFF2-40B4-BE49-F238E27FC236}">
+                <a16:creationId xmlns:a16="http://schemas.microsoft.com/office/drawing/2014/main" id="{568B6510-22CE-49D0-A8CF-55475C1A9784}"/>
+              </a:ext>
+            </a:extLst>
+          </p:cNvPr>
+          <p:cNvSpPr>
+            <a:spLocks noGrp="1"/>
+          </p:cNvSpPr>
+          <p:nvPr>
+            <p:ph type="ftr" sz="quarter" idx="11"/>
+          </p:nvPr>
+        </p:nvSpPr>
+        <p:spPr/>
+        <p:txBody>
+          <a:bodyPr/>
+          <a:lstStyle/>
+          <a:p>
+            <a:r>
+              <a:rPr lang="en-GB"/>
+              <a:t>Barbara Kastelic, T4a</a:t>
+            </a:r>
+          </a:p>
+        </p:txBody>
+      </p:sp>
+      <p:pic>
+        <p:nvPicPr>
+          <p:cNvPr id="10" name="Slika 9">
+            <a:extLst>
+              <a:ext uri="{FF2B5EF4-FFF2-40B4-BE49-F238E27FC236}">
+                <a16:creationId xmlns:a16="http://schemas.microsoft.com/office/drawing/2014/main" id="{2BF98238-7165-4A70-9043-011B0FF79577}"/>
+              </a:ext>
+            </a:extLst>
+          </p:cNvPr>
+          <p:cNvPicPr>
+            <a:picLocks noChangeAspect="1"/>
+          </p:cNvPicPr>
+          <p:nvPr/>
+        </p:nvPicPr>
+        <p:blipFill>
+          <a:blip r:embed="rId2"/>
+          <a:stretch>
+            <a:fillRect/>
+          </a:stretch>
+        </p:blipFill>
+        <p:spPr>
+          <a:xfrm>
+            <a:off x="838200" y="1027906"/>
+            <a:ext cx="8449788" cy="5273497"/>
+          </a:xfrm>
+          <a:prstGeom prst="rect">
+            <a:avLst/>
+          </a:prstGeom>
+        </p:spPr>
+      </p:pic>
+    </p:spTree>
+    <p:extLst>
+      <p:ext uri="{BB962C8B-B14F-4D97-AF65-F5344CB8AC3E}">
+        <p14:creationId xmlns:p14="http://schemas.microsoft.com/office/powerpoint/2010/main" val="812289150"/>
+      </p:ext>
+    </p:extLst>
+  </p:cSld>
+  <p:clrMapOvr>
+    <a:masterClrMapping/>
+  </p:clrMapOvr>
+  <mc:AlternateContent xmlns:mc="http://schemas.openxmlformats.org/markup-compatibility/2006" xmlns:p159="http://schemas.microsoft.com/office/powerpoint/2015/09/main">
+    <mc:Choice Requires="p159">
+      <p:transition xmlns:p14="http://schemas.microsoft.com/office/powerpoint/2010/main" spd="slow" p14:dur="2000">
+        <p159:morph option="byObject"/>
+      </p:transition>
+    </mc:Choice>
+    <mc:Fallback xmlns="">
+      <p:transition spd="slow">
+        <p:fade/>
+      </p:transition>
+    </mc:Fallback>
+  </mc:AlternateContent>
+</p:sld>
+</file>
+
+<file path=ppt/slides/slide11.xml><?xml version="1.0" encoding="utf-8"?>
+<p:sld xmlns:a="http://schemas.openxmlformats.org/drawingml/2006/main" xmlns:r="http://schemas.openxmlformats.org/officeDocument/2006/relationships" xmlns:p="http://schemas.openxmlformats.org/presentationml/2006/main">
+  <p:cSld>
+    <p:spTree>
+      <p:nvGrpSpPr>
+        <p:cNvPr id="1" name=""/>
+        <p:cNvGrpSpPr/>
+        <p:nvPr/>
+      </p:nvGrpSpPr>
+      <p:grpSpPr>
+        <a:xfrm>
+          <a:off x="0" y="0"/>
+          <a:ext cx="0" cy="0"/>
+          <a:chOff x="0" y="0"/>
+          <a:chExt cx="0" cy="0"/>
+        </a:xfrm>
+      </p:grpSpPr>
+      <p:sp>
+        <p:nvSpPr>
+          <p:cNvPr id="2" name="Naslov 1">
+            <a:extLst>
+              <a:ext uri="{FF2B5EF4-FFF2-40B4-BE49-F238E27FC236}">
+                <a16:creationId xmlns:a16="http://schemas.microsoft.com/office/drawing/2014/main" id="{B2DF2FB9-41C7-40BD-9B5F-DB6D8C848782}"/>
+              </a:ext>
+            </a:extLst>
+          </p:cNvPr>
+          <p:cNvSpPr>
+            <a:spLocks noGrp="1"/>
+          </p:cNvSpPr>
+          <p:nvPr>
+            <p:ph type="title"/>
+          </p:nvPr>
+        </p:nvSpPr>
+        <p:spPr/>
+        <p:txBody>
+          <a:bodyPr/>
+          <a:lstStyle/>
+          <a:p>
+            <a:r>
+              <a:rPr lang="sl-SI" dirty="0"/>
+              <a:t>Razred </a:t>
+            </a:r>
+            <a:r>
+              <a:rPr lang="sl-SI" dirty="0" err="1"/>
+              <a:t>GUImreza</a:t>
+            </a:r>
+            <a:endParaRPr lang="en-GB" dirty="0"/>
+          </a:p>
+        </p:txBody>
+      </p:sp>
+      <p:sp>
+        <p:nvSpPr>
+          <p:cNvPr id="3" name="Označba mesta vsebine 2">
+            <a:extLst>
+              <a:ext uri="{FF2B5EF4-FFF2-40B4-BE49-F238E27FC236}">
+                <a16:creationId xmlns:a16="http://schemas.microsoft.com/office/drawing/2014/main" id="{D63D930D-41BE-418F-9FD8-FE7E9F039718}"/>
+              </a:ext>
+            </a:extLst>
+          </p:cNvPr>
+          <p:cNvSpPr>
+            <a:spLocks noGrp="1"/>
+          </p:cNvSpPr>
+          <p:nvPr>
+            <p:ph idx="1"/>
+          </p:nvPr>
+        </p:nvSpPr>
+        <p:spPr/>
+        <p:txBody>
+          <a:bodyPr/>
+          <a:lstStyle/>
+          <a:p>
+            <a:endParaRPr lang="en-GB" dirty="0"/>
+          </a:p>
+        </p:txBody>
+      </p:sp>
+      <p:sp>
+        <p:nvSpPr>
+          <p:cNvPr id="4" name="Označba mesta datuma 3">
+            <a:extLst>
+              <a:ext uri="{FF2B5EF4-FFF2-40B4-BE49-F238E27FC236}">
+                <a16:creationId xmlns:a16="http://schemas.microsoft.com/office/drawing/2014/main" id="{A26E8A46-1BCA-45C9-ACA1-438C2607E93C}"/>
+              </a:ext>
+            </a:extLst>
+          </p:cNvPr>
+          <p:cNvSpPr>
+            <a:spLocks noGrp="1"/>
+          </p:cNvSpPr>
+          <p:nvPr>
+            <p:ph type="dt" sz="half" idx="10"/>
+          </p:nvPr>
+        </p:nvSpPr>
+        <p:spPr/>
+        <p:txBody>
+          <a:bodyPr/>
+          <a:lstStyle/>
+          <a:p>
+            <a:r>
+              <a:rPr lang="sl-SI"/>
+              <a:t>april 2021</a:t>
+            </a:r>
+            <a:endParaRPr lang="en-GB"/>
+          </a:p>
+        </p:txBody>
+      </p:sp>
+      <p:sp>
+        <p:nvSpPr>
+          <p:cNvPr id="5" name="Označba mesta številke diapozitiva 4">
+            <a:extLst>
+              <a:ext uri="{FF2B5EF4-FFF2-40B4-BE49-F238E27FC236}">
+                <a16:creationId xmlns:a16="http://schemas.microsoft.com/office/drawing/2014/main" id="{70CCE3B0-5BA4-48DA-9D8B-FC74C1059C2B}"/>
+              </a:ext>
+            </a:extLst>
+          </p:cNvPr>
+          <p:cNvSpPr>
+            <a:spLocks noGrp="1"/>
+          </p:cNvSpPr>
+          <p:nvPr>
+            <p:ph type="sldNum" sz="quarter" idx="12"/>
+          </p:nvPr>
+        </p:nvSpPr>
+        <p:spPr/>
+        <p:txBody>
+          <a:bodyPr/>
+          <a:lstStyle/>
+          <a:p>
+            <a:fld id="{F8D99867-FBE4-4848-83CC-9A906A3AD9B7}" type="slidenum">
+              <a:rPr lang="en-GB" smtClean="0"/>
+              <a:t>11</a:t>
+            </a:fld>
+            <a:endParaRPr lang="en-GB"/>
+          </a:p>
+        </p:txBody>
+      </p:sp>
+      <p:sp>
+        <p:nvSpPr>
+          <p:cNvPr id="6" name="Označba mesta noge 5">
+            <a:extLst>
+              <a:ext uri="{FF2B5EF4-FFF2-40B4-BE49-F238E27FC236}">
+                <a16:creationId xmlns:a16="http://schemas.microsoft.com/office/drawing/2014/main" id="{568B6510-22CE-49D0-A8CF-55475C1A9784}"/>
+              </a:ext>
+            </a:extLst>
+          </p:cNvPr>
+          <p:cNvSpPr>
+            <a:spLocks noGrp="1"/>
+          </p:cNvSpPr>
+          <p:nvPr>
+            <p:ph type="ftr" sz="quarter" idx="11"/>
+          </p:nvPr>
+        </p:nvSpPr>
+        <p:spPr/>
+        <p:txBody>
+          <a:bodyPr/>
+          <a:lstStyle/>
+          <a:p>
+            <a:r>
+              <a:rPr lang="en-GB"/>
+              <a:t>Barbara Kastelic, T4a</a:t>
+            </a:r>
+          </a:p>
+        </p:txBody>
+      </p:sp>
+      <p:pic>
+        <p:nvPicPr>
+          <p:cNvPr id="7" name="Slika 6">
+            <a:extLst>
+              <a:ext uri="{FF2B5EF4-FFF2-40B4-BE49-F238E27FC236}">
+                <a16:creationId xmlns:a16="http://schemas.microsoft.com/office/drawing/2014/main" id="{6292E44B-1E7C-444E-8C1B-933C2C7117C0}"/>
+              </a:ext>
+            </a:extLst>
+          </p:cNvPr>
+          <p:cNvPicPr>
+            <a:picLocks noChangeAspect="1"/>
+          </p:cNvPicPr>
+          <p:nvPr/>
+        </p:nvPicPr>
+        <p:blipFill rotWithShape="1">
+          <a:blip r:embed="rId2"/>
+          <a:srcRect r="32664" b="16976"/>
+          <a:stretch/>
+        </p:blipFill>
+        <p:spPr>
+          <a:xfrm>
+            <a:off x="6380836" y="365125"/>
+            <a:ext cx="4972964" cy="1598763"/>
+          </a:xfrm>
+          <a:prstGeom prst="rect">
+            <a:avLst/>
+          </a:prstGeom>
+        </p:spPr>
+      </p:pic>
+      <p:pic>
+        <p:nvPicPr>
+          <p:cNvPr id="9" name="Slika 8">
+            <a:extLst>
+              <a:ext uri="{FF2B5EF4-FFF2-40B4-BE49-F238E27FC236}">
+                <a16:creationId xmlns:a16="http://schemas.microsoft.com/office/drawing/2014/main" id="{ABF828D4-F348-4C46-88DC-32FC677F646C}"/>
+              </a:ext>
+            </a:extLst>
+          </p:cNvPr>
+          <p:cNvPicPr>
+            <a:picLocks noChangeAspect="1"/>
+          </p:cNvPicPr>
+          <p:nvPr/>
+        </p:nvPicPr>
+        <p:blipFill>
+          <a:blip r:embed="rId3"/>
+          <a:stretch>
+            <a:fillRect/>
+          </a:stretch>
+        </p:blipFill>
+        <p:spPr>
+          <a:xfrm>
+            <a:off x="1105655" y="2463990"/>
+            <a:ext cx="8876545" cy="3212870"/>
+          </a:xfrm>
+          <a:prstGeom prst="rect">
+            <a:avLst/>
+          </a:prstGeom>
+        </p:spPr>
+      </p:pic>
+    </p:spTree>
+    <p:extLst>
+      <p:ext uri="{BB962C8B-B14F-4D97-AF65-F5344CB8AC3E}">
+        <p14:creationId xmlns:p14="http://schemas.microsoft.com/office/powerpoint/2010/main" val="2575266766"/>
+      </p:ext>
+    </p:extLst>
+  </p:cSld>
+  <p:clrMapOvr>
+    <a:masterClrMapping/>
+  </p:clrMapOvr>
+  <mc:AlternateContent xmlns:mc="http://schemas.openxmlformats.org/markup-compatibility/2006" xmlns:p159="http://schemas.microsoft.com/office/powerpoint/2015/09/main">
+    <mc:Choice Requires="p159">
+      <p:transition xmlns:p14="http://schemas.microsoft.com/office/powerpoint/2010/main" spd="slow" p14:dur="2000">
+        <p159:morph option="byObject"/>
+      </p:transition>
+    </mc:Choice>
+    <mc:Fallback xmlns="">
+      <p:transition spd="slow">
+        <p:fade/>
+      </p:transition>
+    </mc:Fallback>
+  </mc:AlternateContent>
+</p:sld>
+</file>
+
+<file path=ppt/slides/slide12.xml><?xml version="1.0" encoding="utf-8"?>
+<p:sld xmlns:a="http://schemas.openxmlformats.org/drawingml/2006/main" xmlns:r="http://schemas.openxmlformats.org/officeDocument/2006/relationships" xmlns:p="http://schemas.openxmlformats.org/presentationml/2006/main">
+  <p:cSld>
+    <p:spTree>
+      <p:nvGrpSpPr>
+        <p:cNvPr id="1" name=""/>
+        <p:cNvGrpSpPr/>
+        <p:nvPr/>
+      </p:nvGrpSpPr>
+      <p:grpSpPr>
+        <a:xfrm>
+          <a:off x="0" y="0"/>
+          <a:ext cx="0" cy="0"/>
+          <a:chOff x="0" y="0"/>
+          <a:chExt cx="0" cy="0"/>
+        </a:xfrm>
+      </p:grpSpPr>
+      <p:sp>
+        <p:nvSpPr>
+          <p:cNvPr id="10" name="Pravokotnik 9">
+            <a:extLst>
+              <a:ext uri="{FF2B5EF4-FFF2-40B4-BE49-F238E27FC236}">
+                <a16:creationId xmlns:a16="http://schemas.microsoft.com/office/drawing/2014/main" id="{0F3A4CB1-80C7-4F3A-9BC1-7EFE63727AC8}"/>
+              </a:ext>
+            </a:extLst>
+          </p:cNvPr>
+          <p:cNvSpPr/>
+          <p:nvPr/>
+        </p:nvSpPr>
+        <p:spPr>
+          <a:xfrm>
+            <a:off x="5705114" y="2971646"/>
+            <a:ext cx="586864" cy="555245"/>
+          </a:xfrm>
+          <a:prstGeom prst="rect">
+            <a:avLst/>
+          </a:prstGeom>
+        </p:spPr>
+        <p:style>
+          <a:lnRef idx="2">
+            <a:schemeClr val="accent4">
+              <a:shade val="50000"/>
+            </a:schemeClr>
+          </a:lnRef>
+          <a:fillRef idx="1">
+            <a:schemeClr val="accent4"/>
+          </a:fillRef>
+          <a:effectRef idx="0">
+            <a:schemeClr val="accent4"/>
+          </a:effectRef>
+          <a:fontRef idx="minor">
+            <a:schemeClr val="lt1"/>
+          </a:fontRef>
+        </p:style>
+        <p:txBody>
+          <a:bodyPr rtlCol="0" anchor="ctr"/>
+          <a:lstStyle/>
+          <a:p>
+            <a:pPr algn="ctr"/>
+            <a:endParaRPr lang="en-GB"/>
+          </a:p>
+        </p:txBody>
+      </p:sp>
+      <p:sp>
+        <p:nvSpPr>
+          <p:cNvPr id="4" name="Označba mesta datuma 3">
+            <a:extLst>
+              <a:ext uri="{FF2B5EF4-FFF2-40B4-BE49-F238E27FC236}">
+                <a16:creationId xmlns:a16="http://schemas.microsoft.com/office/drawing/2014/main" id="{C8010214-39FD-4F94-8533-46CDE7B6D6FF}"/>
+              </a:ext>
+            </a:extLst>
+          </p:cNvPr>
+          <p:cNvSpPr>
+            <a:spLocks noGrp="1"/>
+          </p:cNvSpPr>
+          <p:nvPr>
+            <p:ph type="dt" sz="half" idx="10"/>
+          </p:nvPr>
+        </p:nvSpPr>
+        <p:spPr/>
+        <p:txBody>
+          <a:bodyPr/>
+          <a:lstStyle/>
+          <a:p>
+            <a:r>
+              <a:rPr lang="sl-SI"/>
+              <a:t>april 2021</a:t>
+            </a:r>
+            <a:endParaRPr lang="en-GB"/>
+          </a:p>
+        </p:txBody>
+      </p:sp>
+      <p:sp>
+        <p:nvSpPr>
+          <p:cNvPr id="5" name="Označba mesta noge 4">
+            <a:extLst>
+              <a:ext uri="{FF2B5EF4-FFF2-40B4-BE49-F238E27FC236}">
+                <a16:creationId xmlns:a16="http://schemas.microsoft.com/office/drawing/2014/main" id="{AB9690BD-C32D-4560-9519-137162E79D82}"/>
+              </a:ext>
+            </a:extLst>
+          </p:cNvPr>
+          <p:cNvSpPr>
+            <a:spLocks noGrp="1"/>
+          </p:cNvSpPr>
+          <p:nvPr>
+            <p:ph type="ftr" sz="quarter" idx="11"/>
+          </p:nvPr>
+        </p:nvSpPr>
+        <p:spPr/>
+        <p:txBody>
+          <a:bodyPr/>
+          <a:lstStyle/>
+          <a:p>
+            <a:endParaRPr lang="en-GB" dirty="0"/>
+          </a:p>
+        </p:txBody>
+      </p:sp>
+      <p:sp>
+        <p:nvSpPr>
+          <p:cNvPr id="6" name="Označba mesta številke diapozitiva 5">
+            <a:extLst>
+              <a:ext uri="{FF2B5EF4-FFF2-40B4-BE49-F238E27FC236}">
+                <a16:creationId xmlns:a16="http://schemas.microsoft.com/office/drawing/2014/main" id="{3C592B18-E423-4E92-89C0-657E018259E3}"/>
+              </a:ext>
+            </a:extLst>
+          </p:cNvPr>
+          <p:cNvSpPr>
+            <a:spLocks noGrp="1"/>
+          </p:cNvSpPr>
+          <p:nvPr>
+            <p:ph type="sldNum" sz="quarter" idx="12"/>
+          </p:nvPr>
+        </p:nvSpPr>
+        <p:spPr/>
+        <p:txBody>
+          <a:bodyPr/>
+          <a:lstStyle/>
+          <a:p>
+            <a:fld id="{F8D99867-FBE4-4848-83CC-9A906A3AD9B7}" type="slidenum">
+              <a:rPr lang="en-GB" smtClean="0"/>
+              <a:t>12</a:t>
+            </a:fld>
+            <a:endParaRPr lang="en-GB"/>
+          </a:p>
+        </p:txBody>
+      </p:sp>
+      <p:sp>
+        <p:nvSpPr>
+          <p:cNvPr id="9" name="Smeško 8">
+            <a:extLst>
+              <a:ext uri="{FF2B5EF4-FFF2-40B4-BE49-F238E27FC236}">
+                <a16:creationId xmlns:a16="http://schemas.microsoft.com/office/drawing/2014/main" id="{4E1E8810-1273-4466-85D3-013AE853A4B7}"/>
+              </a:ext>
+            </a:extLst>
+          </p:cNvPr>
+          <p:cNvSpPr/>
+          <p:nvPr/>
+        </p:nvSpPr>
+        <p:spPr>
+          <a:xfrm>
+            <a:off x="5818514" y="3059588"/>
+            <a:ext cx="329515" cy="352676"/>
+          </a:xfrm>
+          <a:prstGeom prst="smileyFace">
+            <a:avLst/>
+          </a:prstGeom>
+        </p:spPr>
+        <p:style>
+          <a:lnRef idx="2">
+            <a:schemeClr val="accent2">
+              <a:shade val="50000"/>
+            </a:schemeClr>
+          </a:lnRef>
+          <a:fillRef idx="1">
+            <a:schemeClr val="accent2"/>
+          </a:fillRef>
+          <a:effectRef idx="0">
+            <a:schemeClr val="accent2"/>
+          </a:effectRef>
+          <a:fontRef idx="minor">
+            <a:schemeClr val="lt1"/>
+          </a:fontRef>
+        </p:style>
+        <p:txBody>
+          <a:bodyPr rtlCol="0" anchor="ctr"/>
+          <a:lstStyle/>
+          <a:p>
+            <a:pPr algn="ctr"/>
+            <a:endParaRPr lang="en-GB"/>
+          </a:p>
+        </p:txBody>
+      </p:sp>
+      <p:sp>
+        <p:nvSpPr>
+          <p:cNvPr id="8" name="Interaktivni gumb: prazno 7">
+            <a:hlinkClick r:id="rId2" action="ppaction://program" highlightClick="1"/>
+            <a:extLst>
+              <a:ext uri="{FF2B5EF4-FFF2-40B4-BE49-F238E27FC236}">
+                <a16:creationId xmlns:a16="http://schemas.microsoft.com/office/drawing/2014/main" id="{0B1B89CF-8E37-4046-82B0-2E7DE707B990}"/>
+              </a:ext>
+            </a:extLst>
+          </p:cNvPr>
+          <p:cNvSpPr/>
+          <p:nvPr/>
+        </p:nvSpPr>
+        <p:spPr>
+          <a:xfrm>
+            <a:off x="5705060" y="2971799"/>
+            <a:ext cx="586409" cy="556591"/>
+          </a:xfrm>
+          <a:prstGeom prst="actionButtonBlank">
+            <a:avLst/>
+          </a:prstGeom>
+          <a:noFill/>
+          <a:ln>
+            <a:noFill/>
+          </a:ln>
+        </p:spPr>
+        <p:style>
+          <a:lnRef idx="0">
+            <a:scrgbClr r="0" g="0" b="0"/>
+          </a:lnRef>
+          <a:fillRef idx="0">
+            <a:scrgbClr r="0" g="0" b="0"/>
+          </a:fillRef>
+          <a:effectRef idx="0">
+            <a:scrgbClr r="0" g="0" b="0"/>
+          </a:effectRef>
+          <a:fontRef idx="minor">
+            <a:schemeClr val="dk1"/>
+          </a:fontRef>
+        </p:style>
+        <p:txBody>
+          <a:bodyPr rtlCol="0" anchor="ctr"/>
+          <a:lstStyle/>
+          <a:p>
+            <a:pPr algn="ctr"/>
+            <a:endParaRPr lang="en-GB"/>
+          </a:p>
+        </p:txBody>
+      </p:sp>
+    </p:spTree>
+    <p:extLst>
+      <p:ext uri="{BB962C8B-B14F-4D97-AF65-F5344CB8AC3E}">
+        <p14:creationId xmlns:p14="http://schemas.microsoft.com/office/powerpoint/2010/main" val="3570424572"/>
+      </p:ext>
+    </p:extLst>
+  </p:cSld>
+  <p:clrMapOvr>
+    <a:masterClrMapping/>
+  </p:clrMapOvr>
+  <mc:AlternateContent xmlns:mc="http://schemas.openxmlformats.org/markup-compatibility/2006">
+    <mc:Choice xmlns:p159="http://schemas.microsoft.com/office/powerpoint/2015/09/main" Requires="p159">
+      <p:transition xmlns:p14="http://schemas.microsoft.com/office/powerpoint/2010/main" spd="slow" p14:dur="2000">
+        <p159:morph option="byObject"/>
+      </p:transition>
+    </mc:Choice>
+    <mc:Fallback>
+      <p:transition spd="slow">
+        <p:fade/>
+      </p:transition>
+    </mc:Fallback>
+  </mc:AlternateContent>
+</p:sld>
+</file>
+
+<file path=ppt/slides/slide13.xml><?xml version="1.0" encoding="utf-8"?>
+<p:sld xmlns:a="http://schemas.openxmlformats.org/drawingml/2006/main" xmlns:r="http://schemas.openxmlformats.org/officeDocument/2006/relationships" xmlns:p="http://schemas.openxmlformats.org/presentationml/2006/main">
+  <p:cSld>
+    <p:spTree>
+      <p:nvGrpSpPr>
+        <p:cNvPr id="1" name=""/>
+        <p:cNvGrpSpPr/>
+        <p:nvPr/>
+      </p:nvGrpSpPr>
+      <p:grpSpPr>
+        <a:xfrm>
+          <a:off x="0" y="0"/>
+          <a:ext cx="0" cy="0"/>
+          <a:chOff x="0" y="0"/>
+          <a:chExt cx="0" cy="0"/>
+        </a:xfrm>
+      </p:grpSpPr>
+      <p:sp>
+        <p:nvSpPr>
+          <p:cNvPr id="2" name="Naslov 1">
+            <a:extLst>
+              <a:ext uri="{FF2B5EF4-FFF2-40B4-BE49-F238E27FC236}">
+                <a16:creationId xmlns:a16="http://schemas.microsoft.com/office/drawing/2014/main" id="{4AF78947-4991-45D9-9251-AD38BF7B29FB}"/>
+              </a:ext>
+            </a:extLst>
+          </p:cNvPr>
+          <p:cNvSpPr>
+            <a:spLocks noGrp="1"/>
+          </p:cNvSpPr>
+          <p:nvPr>
+            <p:ph type="title"/>
+          </p:nvPr>
+        </p:nvSpPr>
+        <p:spPr/>
+        <p:txBody>
+          <a:bodyPr/>
+          <a:lstStyle/>
+          <a:p>
+            <a:r>
+              <a:rPr lang="sl-SI" dirty="0"/>
+              <a:t>VIRI</a:t>
+            </a:r>
+            <a:endParaRPr lang="en-GB" dirty="0"/>
+          </a:p>
+        </p:txBody>
+      </p:sp>
+      <p:sp>
+        <p:nvSpPr>
+          <p:cNvPr id="3" name="Označba mesta vsebine 2">
+            <a:extLst>
+              <a:ext uri="{FF2B5EF4-FFF2-40B4-BE49-F238E27FC236}">
+                <a16:creationId xmlns:a16="http://schemas.microsoft.com/office/drawing/2014/main" id="{EA60A3AD-A950-41B0-BE47-7120019DABC9}"/>
+              </a:ext>
+            </a:extLst>
+          </p:cNvPr>
+          <p:cNvSpPr>
+            <a:spLocks noGrp="1"/>
+          </p:cNvSpPr>
+          <p:nvPr>
+            <p:ph idx="1"/>
+          </p:nvPr>
+        </p:nvSpPr>
+        <p:spPr>
+          <a:xfrm>
+            <a:off x="838200" y="1825624"/>
+            <a:ext cx="10515600" cy="4911605"/>
+          </a:xfrm>
+        </p:spPr>
+        <p:txBody>
+          <a:bodyPr>
+            <a:normAutofit/>
+          </a:bodyPr>
+          <a:lstStyle/>
+          <a:p>
+            <a:r>
+              <a:rPr lang="en-GB" sz="1800" dirty="0"/>
+              <a:t>1. Bellis, Mary. Thoughtco.com. The History of Early Computer and Video Games. [</a:t>
+            </a:r>
+            <a:r>
+              <a:rPr lang="en-GB" sz="1800" dirty="0" err="1"/>
+              <a:t>Elektronski</a:t>
+            </a:r>
+            <a:r>
+              <a:rPr lang="en-GB" sz="1800" dirty="0"/>
+              <a:t>] 16. </a:t>
+            </a:r>
+            <a:r>
+              <a:rPr lang="en-GB" sz="1800" dirty="0" err="1"/>
+              <a:t>februar</a:t>
+            </a:r>
+            <a:r>
+              <a:rPr lang="en-GB" sz="1800" dirty="0"/>
+              <a:t> 2021. https://www.thoughtco.com/history-of-computer-and-video-games-4066246.</a:t>
+            </a:r>
+          </a:p>
+          <a:p>
+            <a:r>
+              <a:rPr lang="en-GB" sz="1800" dirty="0"/>
+              <a:t>2. </a:t>
+            </a:r>
+            <a:r>
+              <a:rPr lang="en-GB" sz="1800" dirty="0" err="1"/>
+              <a:t>Horvat</a:t>
+            </a:r>
+            <a:r>
+              <a:rPr lang="en-GB" sz="1800" dirty="0"/>
+              <a:t>, Luka. </a:t>
+            </a:r>
+            <a:r>
+              <a:rPr lang="en-GB" sz="1800" dirty="0" err="1"/>
+              <a:t>Digitalna</a:t>
+            </a:r>
+            <a:r>
+              <a:rPr lang="en-GB" sz="1800" dirty="0"/>
+              <a:t> </a:t>
+            </a:r>
+            <a:r>
+              <a:rPr lang="en-GB" sz="1800" dirty="0" err="1"/>
+              <a:t>knjižnica</a:t>
+            </a:r>
+            <a:r>
+              <a:rPr lang="en-GB" sz="1800" dirty="0"/>
+              <a:t> </a:t>
+            </a:r>
+            <a:r>
+              <a:rPr lang="en-GB" sz="1800" dirty="0" err="1"/>
+              <a:t>univerze</a:t>
+            </a:r>
+            <a:r>
+              <a:rPr lang="en-GB" sz="1800" dirty="0"/>
+              <a:t> v </a:t>
+            </a:r>
+            <a:r>
+              <a:rPr lang="en-GB" sz="1800" dirty="0" err="1"/>
+              <a:t>Mariboru</a:t>
+            </a:r>
+            <a:r>
+              <a:rPr lang="en-GB" sz="1800" dirty="0"/>
+              <a:t>. </a:t>
+            </a:r>
+            <a:r>
+              <a:rPr lang="en-GB" sz="1800" dirty="0" err="1"/>
+              <a:t>Dobre</a:t>
+            </a:r>
+            <a:r>
+              <a:rPr lang="en-GB" sz="1800" dirty="0"/>
+              <a:t> </a:t>
+            </a:r>
+            <a:r>
+              <a:rPr lang="en-GB" sz="1800" dirty="0" err="1"/>
+              <a:t>prakse</a:t>
+            </a:r>
+            <a:r>
+              <a:rPr lang="en-GB" sz="1800" dirty="0"/>
+              <a:t> </a:t>
+            </a:r>
+            <a:r>
+              <a:rPr lang="en-GB" sz="1800" dirty="0" err="1"/>
+              <a:t>pri</a:t>
+            </a:r>
+            <a:r>
+              <a:rPr lang="en-GB" sz="1800" dirty="0"/>
+              <a:t> </a:t>
+            </a:r>
+            <a:r>
+              <a:rPr lang="en-GB" sz="1800" dirty="0" err="1"/>
+              <a:t>razvoju</a:t>
+            </a:r>
+            <a:r>
+              <a:rPr lang="en-GB" sz="1800" dirty="0"/>
+              <a:t> </a:t>
+            </a:r>
+            <a:r>
+              <a:rPr lang="en-GB" sz="1800" dirty="0" err="1"/>
+              <a:t>računalniških</a:t>
+            </a:r>
+            <a:r>
+              <a:rPr lang="en-GB" sz="1800" dirty="0"/>
+              <a:t> </a:t>
+            </a:r>
+            <a:r>
+              <a:rPr lang="en-GB" sz="1800" dirty="0" err="1"/>
+              <a:t>iger</a:t>
+            </a:r>
+            <a:r>
+              <a:rPr lang="en-GB" sz="1800" dirty="0"/>
+              <a:t>: </a:t>
+            </a:r>
+            <a:r>
+              <a:rPr lang="en-GB" sz="1800" dirty="0" err="1"/>
+              <a:t>Magistersko</a:t>
+            </a:r>
+            <a:r>
+              <a:rPr lang="en-GB" sz="1800" dirty="0"/>
+              <a:t> </a:t>
+            </a:r>
+            <a:r>
+              <a:rPr lang="en-GB" sz="1800" dirty="0" err="1"/>
+              <a:t>delo</a:t>
+            </a:r>
+            <a:r>
+              <a:rPr lang="en-GB" sz="1800" dirty="0"/>
+              <a:t>. [</a:t>
+            </a:r>
+            <a:r>
+              <a:rPr lang="en-GB" sz="1800" dirty="0" err="1"/>
+              <a:t>Elektronski</a:t>
+            </a:r>
+            <a:r>
+              <a:rPr lang="en-GB" sz="1800" dirty="0"/>
+              <a:t>] 2018. https://dk.um.si/IzpisGradiva.php?id=71096&amp;lang=slv&amp;prip=rul:10870889:d2.</a:t>
+            </a:r>
+          </a:p>
+          <a:p>
+            <a:r>
+              <a:rPr lang="en-GB" sz="1800" dirty="0"/>
+              <a:t>3. </a:t>
+            </a:r>
+            <a:r>
+              <a:rPr lang="en-GB" sz="1800" dirty="0" err="1"/>
+              <a:t>Hvasti</a:t>
+            </a:r>
+            <a:r>
+              <a:rPr lang="en-GB" sz="1800" dirty="0"/>
+              <a:t>, </a:t>
+            </a:r>
+            <a:r>
+              <a:rPr lang="en-GB" sz="1800" dirty="0" err="1"/>
+              <a:t>Aleš</a:t>
+            </a:r>
+            <a:r>
+              <a:rPr lang="en-GB" sz="1800" dirty="0"/>
+              <a:t>. </a:t>
+            </a:r>
+            <a:r>
+              <a:rPr lang="en-GB" sz="1800" dirty="0" err="1"/>
+              <a:t>Upravljanje</a:t>
+            </a:r>
+            <a:r>
+              <a:rPr lang="en-GB" sz="1800" dirty="0"/>
+              <a:t> s PROGRAMLJIVIMI NAPRAVAMI 1: </a:t>
+            </a:r>
+            <a:r>
+              <a:rPr lang="en-GB" sz="1800" dirty="0" err="1"/>
+              <a:t>Učbenik</a:t>
+            </a:r>
+            <a:r>
+              <a:rPr lang="en-GB" sz="1800" dirty="0"/>
+              <a:t> </a:t>
+            </a:r>
+            <a:r>
+              <a:rPr lang="en-GB" sz="1800" dirty="0" err="1"/>
+              <a:t>za</a:t>
+            </a:r>
+            <a:r>
+              <a:rPr lang="en-GB" sz="1800" dirty="0"/>
+              <a:t> </a:t>
+            </a:r>
+            <a:r>
+              <a:rPr lang="en-GB" sz="1800" dirty="0" err="1"/>
+              <a:t>modul</a:t>
+            </a:r>
+            <a:r>
+              <a:rPr lang="en-GB" sz="1800" dirty="0"/>
+              <a:t> </a:t>
+            </a:r>
+            <a:r>
+              <a:rPr lang="en-GB" sz="1800" dirty="0" err="1"/>
+              <a:t>Upravljanje</a:t>
+            </a:r>
+            <a:r>
+              <a:rPr lang="en-GB" sz="1800" dirty="0"/>
+              <a:t> s </a:t>
+            </a:r>
+            <a:r>
+              <a:rPr lang="en-GB" sz="1800" dirty="0" err="1"/>
+              <a:t>programljivimi</a:t>
+            </a:r>
+            <a:r>
+              <a:rPr lang="en-GB" sz="1800" dirty="0"/>
+              <a:t> </a:t>
+            </a:r>
+            <a:r>
+              <a:rPr lang="en-GB" sz="1800" dirty="0" err="1"/>
+              <a:t>napravami</a:t>
+            </a:r>
+            <a:r>
+              <a:rPr lang="en-GB" sz="1800" dirty="0"/>
+              <a:t> (</a:t>
+            </a:r>
+            <a:r>
+              <a:rPr lang="en-GB" sz="1800" dirty="0" err="1"/>
+              <a:t>Osnove</a:t>
+            </a:r>
+            <a:r>
+              <a:rPr lang="en-GB" sz="1800" dirty="0"/>
+              <a:t> </a:t>
+            </a:r>
+            <a:r>
+              <a:rPr lang="en-GB" sz="1800" dirty="0" err="1"/>
+              <a:t>programiranja</a:t>
+            </a:r>
+            <a:r>
+              <a:rPr lang="en-GB" sz="1800" dirty="0"/>
+              <a:t>) v </a:t>
+            </a:r>
+            <a:r>
+              <a:rPr lang="en-GB" sz="1800" dirty="0" err="1"/>
+              <a:t>programih</a:t>
+            </a:r>
+            <a:r>
+              <a:rPr lang="en-GB" sz="1800" dirty="0"/>
+              <a:t> </a:t>
+            </a:r>
+            <a:r>
+              <a:rPr lang="en-GB" sz="1800" dirty="0" err="1"/>
+              <a:t>Tehnik</a:t>
+            </a:r>
+            <a:r>
+              <a:rPr lang="en-GB" sz="1800" dirty="0"/>
+              <a:t> </a:t>
+            </a:r>
+            <a:r>
+              <a:rPr lang="en-GB" sz="1800" dirty="0" err="1"/>
+              <a:t>računalništva</a:t>
+            </a:r>
+            <a:r>
+              <a:rPr lang="en-GB" sz="1800" dirty="0"/>
+              <a:t>, </a:t>
+            </a:r>
+            <a:r>
+              <a:rPr lang="en-GB" sz="1800" dirty="0" err="1"/>
+              <a:t>Elektrotehnik</a:t>
+            </a:r>
+            <a:r>
+              <a:rPr lang="en-GB" sz="1800" dirty="0"/>
+              <a:t> in </a:t>
+            </a:r>
+            <a:r>
+              <a:rPr lang="en-GB" sz="1800" dirty="0" err="1"/>
+              <a:t>Tehnik</a:t>
+            </a:r>
+            <a:r>
+              <a:rPr lang="en-GB" sz="1800" dirty="0"/>
+              <a:t> </a:t>
+            </a:r>
+            <a:r>
+              <a:rPr lang="en-GB" sz="1800" dirty="0" err="1"/>
+              <a:t>elektronskih</a:t>
+            </a:r>
+            <a:r>
+              <a:rPr lang="en-GB" sz="1800" dirty="0"/>
+              <a:t> </a:t>
+            </a:r>
+            <a:r>
+              <a:rPr lang="en-GB" sz="1800" dirty="0" err="1"/>
+              <a:t>Komunikacij</a:t>
+            </a:r>
+            <a:r>
+              <a:rPr lang="en-GB" sz="1800" dirty="0"/>
+              <a:t>. </a:t>
+            </a:r>
+            <a:r>
+              <a:rPr lang="en-GB" sz="1800" dirty="0" err="1"/>
+              <a:t>Podsmreka</a:t>
+            </a:r>
+            <a:r>
+              <a:rPr lang="en-GB" sz="1800" dirty="0"/>
+              <a:t> : </a:t>
+            </a:r>
+            <a:r>
+              <a:rPr lang="en-GB" sz="1800" dirty="0" err="1"/>
+              <a:t>Pipova</a:t>
+            </a:r>
+            <a:r>
+              <a:rPr lang="en-GB" sz="1800" dirty="0"/>
+              <a:t> </a:t>
+            </a:r>
+            <a:r>
+              <a:rPr lang="en-GB" sz="1800" dirty="0" err="1"/>
+              <a:t>knjiga</a:t>
+            </a:r>
+            <a:r>
+              <a:rPr lang="en-GB" sz="1800" dirty="0"/>
+              <a:t>, 2017. ISBN 978-961-94079-1-2.</a:t>
+            </a:r>
+          </a:p>
+          <a:p>
+            <a:r>
+              <a:rPr lang="en-GB" sz="1800" dirty="0"/>
+              <a:t>4. Eclipse. Eclipse. Download Eclipse Technology. [</a:t>
+            </a:r>
+            <a:r>
+              <a:rPr lang="en-GB" sz="1800" dirty="0" err="1"/>
+              <a:t>Elektronski</a:t>
+            </a:r>
+            <a:r>
+              <a:rPr lang="en-GB" sz="1800" dirty="0"/>
+              <a:t>] </a:t>
+            </a:r>
+            <a:r>
+              <a:rPr lang="en-GB" sz="1800" dirty="0" err="1"/>
+              <a:t>marec</a:t>
+            </a:r>
+            <a:r>
+              <a:rPr lang="en-GB" sz="1800" dirty="0"/>
+              <a:t> 2021. https://www.eclipse.org/downloads/.</a:t>
+            </a:r>
+          </a:p>
+          <a:p>
+            <a:r>
+              <a:rPr lang="en-GB" sz="1800" dirty="0"/>
+              <a:t>5. Sun, Karl. Lucid Software. Intelligent diagramming for every team. [</a:t>
+            </a:r>
+            <a:r>
+              <a:rPr lang="en-GB" sz="1800" dirty="0" err="1"/>
+              <a:t>Elektronski</a:t>
+            </a:r>
+            <a:r>
+              <a:rPr lang="en-GB" sz="1800" dirty="0"/>
+              <a:t>] 2021. https://www.lucidchart.com/pages/.</a:t>
+            </a:r>
+          </a:p>
+          <a:p>
+            <a:r>
+              <a:rPr lang="en-GB" sz="1800" dirty="0"/>
+              <a:t>6. </a:t>
+            </a:r>
+            <a:r>
+              <a:rPr lang="en-GB" sz="1800" dirty="0" err="1"/>
+              <a:t>Mahnič</a:t>
+            </a:r>
+            <a:r>
+              <a:rPr lang="en-GB" sz="1800" dirty="0"/>
+              <a:t>, </a:t>
+            </a:r>
+            <a:r>
+              <a:rPr lang="en-GB" sz="1800" dirty="0" err="1"/>
+              <a:t>Viljan</a:t>
+            </a:r>
+            <a:r>
+              <a:rPr lang="en-GB" sz="1800" dirty="0"/>
+              <a:t>, </a:t>
+            </a:r>
+            <a:r>
+              <a:rPr lang="en-GB" sz="1800" dirty="0" err="1"/>
+              <a:t>Fürst</a:t>
+            </a:r>
+            <a:r>
+              <a:rPr lang="en-GB" sz="1800" dirty="0"/>
+              <a:t>, Luka in </a:t>
+            </a:r>
+            <a:r>
+              <a:rPr lang="en-GB" sz="1800" dirty="0" err="1"/>
+              <a:t>Rožanc</a:t>
+            </a:r>
+            <a:r>
+              <a:rPr lang="en-GB" sz="1800" dirty="0"/>
+              <a:t>, Igor. Java </a:t>
+            </a:r>
+            <a:r>
+              <a:rPr lang="en-GB" sz="1800" dirty="0" err="1"/>
+              <a:t>skozi</a:t>
+            </a:r>
+            <a:r>
+              <a:rPr lang="en-GB" sz="1800" dirty="0"/>
+              <a:t> </a:t>
+            </a:r>
+            <a:r>
+              <a:rPr lang="en-GB" sz="1800" dirty="0" err="1"/>
+              <a:t>primere</a:t>
+            </a:r>
+            <a:r>
+              <a:rPr lang="en-GB" sz="1800" dirty="0"/>
+              <a:t>. </a:t>
+            </a:r>
+            <a:r>
+              <a:rPr lang="en-GB" sz="1800" dirty="0" err="1"/>
+              <a:t>Šenčur</a:t>
+            </a:r>
+            <a:r>
+              <a:rPr lang="en-GB" sz="1800" dirty="0"/>
+              <a:t> : Bi-Tim, 2008. ISBN 978-061-6046-10-7.</a:t>
+            </a:r>
+          </a:p>
+        </p:txBody>
+      </p:sp>
+      <p:sp>
+        <p:nvSpPr>
+          <p:cNvPr id="4" name="Označba mesta datuma 3">
+            <a:extLst>
+              <a:ext uri="{FF2B5EF4-FFF2-40B4-BE49-F238E27FC236}">
+                <a16:creationId xmlns:a16="http://schemas.microsoft.com/office/drawing/2014/main" id="{6D91AA5D-9F14-4F0C-9647-6ECED02C14F1}"/>
+              </a:ext>
+            </a:extLst>
+          </p:cNvPr>
+          <p:cNvSpPr>
+            <a:spLocks noGrp="1"/>
+          </p:cNvSpPr>
+          <p:nvPr>
+            <p:ph type="dt" sz="half" idx="10"/>
+          </p:nvPr>
+        </p:nvSpPr>
+        <p:spPr/>
+        <p:txBody>
+          <a:bodyPr/>
+          <a:lstStyle/>
+          <a:p>
+            <a:r>
+              <a:rPr lang="sl-SI" dirty="0"/>
+              <a:t>april 2021</a:t>
+            </a:r>
+            <a:endParaRPr lang="en-GB" dirty="0"/>
+          </a:p>
+        </p:txBody>
+      </p:sp>
+      <p:sp>
+        <p:nvSpPr>
+          <p:cNvPr id="5" name="Označba mesta številke diapozitiva 4">
+            <a:extLst>
+              <a:ext uri="{FF2B5EF4-FFF2-40B4-BE49-F238E27FC236}">
+                <a16:creationId xmlns:a16="http://schemas.microsoft.com/office/drawing/2014/main" id="{EA9CCD7F-375D-4ED6-ADD1-7A0079D2CF20}"/>
+              </a:ext>
+            </a:extLst>
+          </p:cNvPr>
+          <p:cNvSpPr>
+            <a:spLocks noGrp="1"/>
+          </p:cNvSpPr>
+          <p:nvPr>
+            <p:ph type="sldNum" sz="quarter" idx="12"/>
+          </p:nvPr>
+        </p:nvSpPr>
+        <p:spPr/>
+        <p:txBody>
+          <a:bodyPr/>
+          <a:lstStyle/>
+          <a:p>
+            <a:fld id="{F8D99867-FBE4-4848-83CC-9A906A3AD9B7}" type="slidenum">
+              <a:rPr lang="en-GB" smtClean="0"/>
+              <a:t>13</a:t>
+            </a:fld>
+            <a:endParaRPr lang="en-GB" dirty="0"/>
+          </a:p>
+        </p:txBody>
+      </p:sp>
+      <p:sp>
+        <p:nvSpPr>
+          <p:cNvPr id="6" name="Označba mesta noge 5">
+            <a:extLst>
+              <a:ext uri="{FF2B5EF4-FFF2-40B4-BE49-F238E27FC236}">
+                <a16:creationId xmlns:a16="http://schemas.microsoft.com/office/drawing/2014/main" id="{A432C6BE-B5C7-4DBE-9901-6F76AA2AD18A}"/>
+              </a:ext>
+            </a:extLst>
+          </p:cNvPr>
+          <p:cNvSpPr>
+            <a:spLocks noGrp="1"/>
+          </p:cNvSpPr>
+          <p:nvPr>
+            <p:ph type="ftr" sz="quarter" idx="11"/>
+          </p:nvPr>
+        </p:nvSpPr>
+        <p:spPr/>
+        <p:txBody>
+          <a:bodyPr/>
+          <a:lstStyle/>
+          <a:p>
+            <a:r>
+              <a:rPr lang="en-GB" dirty="0"/>
+              <a:t>Barbara </a:t>
+            </a:r>
+            <a:r>
+              <a:rPr lang="en-GB" dirty="0" err="1"/>
+              <a:t>Kastelic</a:t>
+            </a:r>
+            <a:r>
+              <a:rPr lang="en-GB" dirty="0"/>
+              <a:t>, T4a</a:t>
+            </a:r>
+          </a:p>
+        </p:txBody>
+      </p:sp>
+    </p:spTree>
+    <p:extLst>
+      <p:ext uri="{BB962C8B-B14F-4D97-AF65-F5344CB8AC3E}">
+        <p14:creationId xmlns:p14="http://schemas.microsoft.com/office/powerpoint/2010/main" val="3520103159"/>
+      </p:ext>
+    </p:extLst>
+  </p:cSld>
+  <p:clrMapOvr>
+    <a:masterClrMapping/>
+  </p:clrMapOvr>
+  <mc:AlternateContent xmlns:mc="http://schemas.openxmlformats.org/markup-compatibility/2006" xmlns:p159="http://schemas.microsoft.com/office/powerpoint/2015/09/main">
+    <mc:Choice Requires="p159">
+      <p:transition xmlns:p14="http://schemas.microsoft.com/office/powerpoint/2010/main" spd="slow" p14:dur="1500" advTm="2000">
+        <p159:morph option="byObject"/>
+      </p:transition>
+    </mc:Choice>
+    <mc:Fallback xmlns="">
+      <p:transition spd="slow" advTm="2000">
+        <p:fade/>
+      </p:transition>
+    </mc:Fallback>
+  </mc:AlternateContent>
+</p:sld>
+</file>
+
+<file path=ppt/slides/slide14.xml><?xml version="1.0" encoding="utf-8"?>
+<p:sld xmlns:a="http://schemas.openxmlformats.org/drawingml/2006/main" xmlns:r="http://schemas.openxmlformats.org/officeDocument/2006/relationships" xmlns:p="http://schemas.openxmlformats.org/presentationml/2006/main">
+  <p:cSld>
+    <p:spTree>
+      <p:nvGrpSpPr>
+        <p:cNvPr id="1" name=""/>
+        <p:cNvGrpSpPr/>
+        <p:nvPr/>
+      </p:nvGrpSpPr>
+      <p:grpSpPr>
+        <a:xfrm>
+          <a:off x="0" y="0"/>
+          <a:ext cx="0" cy="0"/>
+          <a:chOff x="0" y="0"/>
+          <a:chExt cx="0" cy="0"/>
+        </a:xfrm>
+      </p:grpSpPr>
+      <p:sp>
+        <p:nvSpPr>
+          <p:cNvPr id="3" name="Označba mesta vsebine 2">
+            <a:extLst>
+              <a:ext uri="{FF2B5EF4-FFF2-40B4-BE49-F238E27FC236}">
+                <a16:creationId xmlns:a16="http://schemas.microsoft.com/office/drawing/2014/main" id="{822E0A87-6B16-43BE-AA68-4BAA09332B35}"/>
+              </a:ext>
+            </a:extLst>
+          </p:cNvPr>
+          <p:cNvSpPr>
+            <a:spLocks noGrp="1"/>
+          </p:cNvSpPr>
+          <p:nvPr>
+            <p:ph idx="1"/>
+          </p:nvPr>
+        </p:nvSpPr>
+        <p:spPr>
+          <a:xfrm>
+            <a:off x="838200" y="365124"/>
+            <a:ext cx="10515600" cy="6492875"/>
+          </a:xfrm>
+        </p:spPr>
+        <p:txBody>
+          <a:bodyPr>
+            <a:normAutofit fontScale="62500" lnSpcReduction="20000"/>
+          </a:bodyPr>
+          <a:lstStyle/>
+          <a:p>
+            <a:r>
+              <a:rPr lang="sl-SI" sz="3200" dirty="0"/>
+              <a:t>7. </a:t>
+            </a:r>
+            <a:r>
+              <a:rPr lang="en-GB" sz="3200" dirty="0" err="1"/>
+              <a:t>Ferbežar</a:t>
+            </a:r>
+            <a:r>
+              <a:rPr lang="en-GB" sz="3200" dirty="0"/>
+              <a:t>, </a:t>
+            </a:r>
+            <a:r>
+              <a:rPr lang="en-GB" sz="3200" dirty="0" err="1"/>
+              <a:t>Tomaž</a:t>
+            </a:r>
+            <a:r>
+              <a:rPr lang="en-GB" sz="3200" dirty="0"/>
+              <a:t>. </a:t>
+            </a:r>
+            <a:r>
+              <a:rPr lang="en-GB" sz="3200" dirty="0" err="1"/>
+              <a:t>Laboratorijske</a:t>
+            </a:r>
+            <a:r>
+              <a:rPr lang="en-GB" sz="3200" dirty="0"/>
+              <a:t> </a:t>
+            </a:r>
+            <a:r>
+              <a:rPr lang="en-GB" sz="3200" dirty="0" err="1"/>
+              <a:t>vaje</a:t>
+            </a:r>
+            <a:r>
+              <a:rPr lang="en-GB" sz="3200" dirty="0"/>
+              <a:t>: </a:t>
+            </a:r>
+            <a:r>
+              <a:rPr lang="en-GB" sz="3200" dirty="0" err="1"/>
+              <a:t>Interno</a:t>
+            </a:r>
+            <a:r>
+              <a:rPr lang="en-GB" sz="3200" dirty="0"/>
+              <a:t> </a:t>
+            </a:r>
+            <a:r>
+              <a:rPr lang="en-GB" sz="3200" dirty="0" err="1"/>
+              <a:t>gradivo</a:t>
+            </a:r>
+            <a:r>
+              <a:rPr lang="en-GB" sz="3200" dirty="0"/>
+              <a:t>. Novo </a:t>
+            </a:r>
+            <a:r>
+              <a:rPr lang="en-GB" sz="3200" dirty="0" err="1"/>
+              <a:t>mesto</a:t>
+            </a:r>
+            <a:r>
+              <a:rPr lang="en-GB" sz="3200" dirty="0"/>
+              <a:t> : </a:t>
+            </a:r>
+            <a:r>
+              <a:rPr lang="en-GB" sz="3200" dirty="0" err="1"/>
+              <a:t>s.n</a:t>
+            </a:r>
+            <a:r>
+              <a:rPr lang="en-GB" sz="3200" dirty="0"/>
+              <a:t>., 2020.</a:t>
+            </a:r>
+            <a:endParaRPr lang="sl-SI" sz="2900" dirty="0"/>
+          </a:p>
+          <a:p>
+            <a:r>
+              <a:rPr lang="en-GB" sz="2900" dirty="0"/>
+              <a:t>8. Evans, Benjamin J. in Flanagan, David. Java in a </a:t>
+            </a:r>
+            <a:r>
+              <a:rPr lang="en-GB" sz="2900" dirty="0" err="1"/>
+              <a:t>Nushell</a:t>
+            </a:r>
+            <a:r>
+              <a:rPr lang="en-GB" sz="2900" dirty="0"/>
+              <a:t>: A desktop quick reference. </a:t>
+            </a:r>
+            <a:r>
+              <a:rPr lang="en-GB" sz="2900" dirty="0" err="1"/>
+              <a:t>šesta</a:t>
+            </a:r>
+            <a:r>
+              <a:rPr lang="en-GB" sz="2900" dirty="0"/>
+              <a:t>. Sebastopol : O'Reilly, 2014. ISBN 978-1-449-37082-4.</a:t>
+            </a:r>
+          </a:p>
+          <a:p>
+            <a:r>
+              <a:rPr lang="en-GB" sz="2900" dirty="0"/>
+              <a:t>9. </a:t>
+            </a:r>
+            <a:r>
+              <a:rPr lang="en-GB" sz="2900" dirty="0" err="1"/>
+              <a:t>Finžgar</a:t>
+            </a:r>
+            <a:r>
+              <a:rPr lang="en-GB" sz="2900" dirty="0"/>
+              <a:t>, Petra, in </a:t>
+            </a:r>
+            <a:r>
+              <a:rPr lang="en-GB" sz="2900" dirty="0" err="1"/>
+              <a:t>drugi</a:t>
+            </a:r>
+            <a:r>
+              <a:rPr lang="en-GB" sz="2900" dirty="0"/>
+              <a:t>. </a:t>
+            </a:r>
+            <a:r>
+              <a:rPr lang="en-GB" sz="2900" dirty="0" err="1"/>
+              <a:t>Šolski</a:t>
+            </a:r>
+            <a:r>
+              <a:rPr lang="en-GB" sz="2900" dirty="0"/>
+              <a:t> </a:t>
+            </a:r>
+            <a:r>
+              <a:rPr lang="en-GB" sz="2900" dirty="0" err="1"/>
+              <a:t>slovar</a:t>
+            </a:r>
+            <a:r>
+              <a:rPr lang="en-GB" sz="2900" dirty="0"/>
+              <a:t> </a:t>
+            </a:r>
+            <a:r>
+              <a:rPr lang="en-GB" sz="2900" dirty="0" err="1"/>
+              <a:t>Angleščina:angleško-slovenski</a:t>
+            </a:r>
+            <a:r>
+              <a:rPr lang="en-GB" sz="2900" dirty="0"/>
+              <a:t> in </a:t>
+            </a:r>
+            <a:r>
+              <a:rPr lang="en-GB" sz="2900" dirty="0" err="1"/>
+              <a:t>slovensko-angleški</a:t>
+            </a:r>
+            <a:r>
+              <a:rPr lang="en-GB" sz="2900" dirty="0"/>
+              <a:t>. </a:t>
+            </a:r>
+            <a:r>
+              <a:rPr lang="en-GB" sz="2900" dirty="0" err="1"/>
+              <a:t>prva</a:t>
+            </a:r>
+            <a:r>
+              <a:rPr lang="en-GB" sz="2900" dirty="0"/>
+              <a:t>. Ljubljana : </a:t>
+            </a:r>
+            <a:r>
+              <a:rPr lang="en-GB" sz="2900" dirty="0" err="1"/>
+              <a:t>Založba</a:t>
+            </a:r>
+            <a:r>
+              <a:rPr lang="en-GB" sz="2900" dirty="0"/>
+              <a:t> Rokus </a:t>
+            </a:r>
+            <a:r>
+              <a:rPr lang="en-GB" sz="2900" dirty="0" err="1"/>
+              <a:t>Klett</a:t>
+            </a:r>
+            <a:r>
+              <a:rPr lang="en-GB" sz="2900" dirty="0"/>
+              <a:t>, 2013. str. 68, 102. ISBN 978-961-209-863-6.</a:t>
+            </a:r>
+          </a:p>
+          <a:p>
+            <a:r>
+              <a:rPr lang="en-GB" sz="2900" dirty="0"/>
+              <a:t>10. Oracle. Oracle. Java SE Downloads: Java Platform, Standard Edition. [</a:t>
+            </a:r>
+            <a:r>
+              <a:rPr lang="en-GB" sz="2900" dirty="0" err="1"/>
+              <a:t>Elektronski</a:t>
+            </a:r>
+            <a:r>
+              <a:rPr lang="en-GB" sz="2900" dirty="0"/>
+              <a:t>] 16. </a:t>
+            </a:r>
+            <a:r>
+              <a:rPr lang="en-GB" sz="2900" dirty="0" err="1"/>
+              <a:t>marec</a:t>
+            </a:r>
+            <a:r>
+              <a:rPr lang="en-GB" sz="2900" dirty="0"/>
+              <a:t> 2021. </a:t>
+            </a:r>
+          </a:p>
+          <a:p>
+            <a:r>
+              <a:rPr lang="en-GB" sz="2900" dirty="0"/>
+              <a:t>11. Davison, Andrew. Killer Game Programming in Java. [</a:t>
+            </a:r>
+            <a:r>
+              <a:rPr lang="en-GB" sz="2900" dirty="0" err="1"/>
+              <a:t>ured</a:t>
+            </a:r>
+            <a:r>
+              <a:rPr lang="en-GB" sz="2900" dirty="0"/>
+              <a:t>.] Brett McLaughlin. </a:t>
+            </a:r>
+            <a:r>
+              <a:rPr lang="en-GB" sz="2900" dirty="0" err="1"/>
+              <a:t>prva</a:t>
+            </a:r>
+            <a:r>
+              <a:rPr lang="en-GB" sz="2900" dirty="0"/>
+              <a:t>. Sebastopol : O'Reilly Media, 2005. ISBN 978-0-596-00730-0.</a:t>
+            </a:r>
+          </a:p>
+          <a:p>
+            <a:r>
+              <a:rPr lang="en-GB" sz="2900" dirty="0"/>
+              <a:t>12. </a:t>
+            </a:r>
+            <a:r>
+              <a:rPr lang="en-GB" sz="2900" dirty="0" err="1"/>
+              <a:t>Mesojedec</a:t>
+            </a:r>
+            <a:r>
+              <a:rPr lang="en-GB" sz="2900" dirty="0"/>
+              <a:t>, </a:t>
+            </a:r>
+            <a:r>
+              <a:rPr lang="en-GB" sz="2900" dirty="0" err="1"/>
+              <a:t>Uroš</a:t>
+            </a:r>
+            <a:r>
+              <a:rPr lang="en-GB" sz="2900" dirty="0"/>
+              <a:t> in </a:t>
+            </a:r>
+            <a:r>
+              <a:rPr lang="en-GB" sz="2900" dirty="0" err="1"/>
+              <a:t>Fabjan</a:t>
+            </a:r>
+            <a:r>
+              <a:rPr lang="en-GB" sz="2900" dirty="0"/>
+              <a:t>, </a:t>
+            </a:r>
+            <a:r>
+              <a:rPr lang="en-GB" sz="2900" dirty="0" err="1"/>
+              <a:t>Borut</a:t>
+            </a:r>
+            <a:r>
+              <a:rPr lang="en-GB" sz="2900" dirty="0"/>
+              <a:t>. Java 2: </a:t>
+            </a:r>
+            <a:r>
+              <a:rPr lang="en-GB" sz="2900" dirty="0" err="1"/>
+              <a:t>temelji</a:t>
+            </a:r>
+            <a:r>
+              <a:rPr lang="en-GB" sz="2900" dirty="0"/>
+              <a:t> </a:t>
+            </a:r>
+            <a:r>
+              <a:rPr lang="en-GB" sz="2900" dirty="0" err="1"/>
+              <a:t>programiranja</a:t>
+            </a:r>
+            <a:r>
+              <a:rPr lang="en-GB" sz="2900" dirty="0"/>
+              <a:t>. Ljubljana : Pasadena, 2004. ISBN 961-6361-30-9.</a:t>
+            </a:r>
+          </a:p>
+          <a:p>
+            <a:r>
+              <a:rPr lang="en-GB" sz="2900" dirty="0"/>
+              <a:t>13. Vertex Academy. Vertex computer science academy. What is the Java Library? . [</a:t>
+            </a:r>
+            <a:r>
+              <a:rPr lang="en-GB" sz="2900" dirty="0" err="1"/>
+              <a:t>Elektronski</a:t>
+            </a:r>
+            <a:r>
+              <a:rPr lang="en-GB" sz="2900" dirty="0"/>
+              <a:t>] 5. </a:t>
+            </a:r>
+            <a:r>
+              <a:rPr lang="en-GB" sz="2900" dirty="0" err="1"/>
+              <a:t>avgust</a:t>
+            </a:r>
+            <a:r>
+              <a:rPr lang="en-GB" sz="2900" dirty="0"/>
+              <a:t> 2016. https://vertex-academy.com/tutorials/en/what-is-java-library/.</a:t>
+            </a:r>
+          </a:p>
+          <a:p>
+            <a:r>
+              <a:rPr lang="en-GB" sz="2900" dirty="0"/>
+              <a:t>14. </a:t>
+            </a:r>
+            <a:r>
+              <a:rPr lang="en-GB" sz="2900" dirty="0" err="1"/>
+              <a:t>Zorko</a:t>
+            </a:r>
+            <a:r>
+              <a:rPr lang="en-GB" sz="2900" dirty="0"/>
+              <a:t>, Albert. </a:t>
+            </a:r>
+            <a:r>
+              <a:rPr lang="en-GB" sz="2900" dirty="0" err="1"/>
+              <a:t>Računalništvo</a:t>
+            </a:r>
+            <a:r>
+              <a:rPr lang="en-GB" sz="2900" dirty="0"/>
+              <a:t>: </a:t>
+            </a:r>
+            <a:r>
+              <a:rPr lang="en-GB" sz="2900" dirty="0" err="1"/>
+              <a:t>Interno</a:t>
+            </a:r>
+            <a:r>
+              <a:rPr lang="en-GB" sz="2900" dirty="0"/>
+              <a:t> </a:t>
+            </a:r>
+            <a:r>
+              <a:rPr lang="en-GB" sz="2900" dirty="0" err="1"/>
+              <a:t>gradivo</a:t>
+            </a:r>
+            <a:r>
+              <a:rPr lang="en-GB" sz="2900" dirty="0"/>
+              <a:t>. Novo </a:t>
+            </a:r>
+            <a:r>
+              <a:rPr lang="en-GB" sz="2900" dirty="0" err="1"/>
+              <a:t>mesto</a:t>
+            </a:r>
+            <a:r>
+              <a:rPr lang="en-GB" sz="2900" dirty="0"/>
+              <a:t> : </a:t>
+            </a:r>
+            <a:r>
+              <a:rPr lang="en-GB" sz="2900" dirty="0" err="1"/>
+              <a:t>s.n</a:t>
+            </a:r>
+            <a:r>
+              <a:rPr lang="en-GB" sz="2900" dirty="0"/>
+              <a:t>., 2020.</a:t>
+            </a:r>
+          </a:p>
+          <a:p>
+            <a:r>
+              <a:rPr lang="en-GB" sz="2900" dirty="0"/>
+              <a:t>15. Smith, David. The Guardian. So you thought Sudoku came from the Land of the Rising Sun ... [</a:t>
+            </a:r>
+            <a:r>
+              <a:rPr lang="en-GB" sz="2900" dirty="0" err="1"/>
+              <a:t>Elektronski</a:t>
+            </a:r>
+            <a:r>
+              <a:rPr lang="en-GB" sz="2900" dirty="0"/>
+              <a:t>] 15. </a:t>
+            </a:r>
+            <a:r>
+              <a:rPr lang="en-GB" sz="2900" dirty="0" err="1"/>
+              <a:t>maj</a:t>
+            </a:r>
+            <a:r>
+              <a:rPr lang="en-GB" sz="2900" dirty="0"/>
+              <a:t> 2005. https://www.theguardian.com/media/2005/may/15/pressandpublishing.usnews.</a:t>
+            </a:r>
+          </a:p>
+          <a:p>
+            <a:r>
+              <a:rPr lang="en-GB" sz="2900" dirty="0"/>
+              <a:t>16. </a:t>
+            </a:r>
+            <a:r>
+              <a:rPr lang="en-GB" sz="2900" dirty="0" err="1"/>
+              <a:t>Sporceblog</a:t>
+            </a:r>
+            <a:r>
+              <a:rPr lang="en-GB" sz="2900" dirty="0"/>
+              <a:t> Inc. A Brief History of Sudoku. </a:t>
+            </a:r>
+            <a:r>
+              <a:rPr lang="en-GB" sz="2900" dirty="0" err="1"/>
+              <a:t>Sporcleblog</a:t>
+            </a:r>
+            <a:r>
+              <a:rPr lang="en-GB" sz="2900" dirty="0"/>
+              <a:t>. [</a:t>
+            </a:r>
+            <a:r>
+              <a:rPr lang="en-GB" sz="2900" dirty="0" err="1"/>
+              <a:t>Elektronski</a:t>
+            </a:r>
+            <a:r>
+              <a:rPr lang="en-GB" sz="2900" dirty="0"/>
+              <a:t>] 11. </a:t>
+            </a:r>
+            <a:r>
+              <a:rPr lang="en-GB" sz="2900" dirty="0" err="1"/>
+              <a:t>junij</a:t>
+            </a:r>
+            <a:r>
+              <a:rPr lang="en-GB" sz="2900" dirty="0"/>
+              <a:t> 2019. https://www.sporcle.com/blog/2019/05/history-of-sudoku/.</a:t>
+            </a:r>
+          </a:p>
+          <a:p>
+            <a:r>
+              <a:rPr lang="en-GB" sz="2900" dirty="0"/>
+              <a:t>17. </a:t>
+            </a:r>
+            <a:r>
+              <a:rPr lang="en-GB" sz="2900" dirty="0" err="1"/>
+              <a:t>Dhatwalia</a:t>
+            </a:r>
+            <a:r>
+              <a:rPr lang="en-GB" sz="2900" dirty="0"/>
+              <a:t>, Prajwal, Khan, </a:t>
+            </a:r>
+            <a:r>
+              <a:rPr lang="en-GB" sz="2900" dirty="0" err="1"/>
+              <a:t>Asaad</a:t>
+            </a:r>
+            <a:r>
+              <a:rPr lang="en-GB" sz="2900" dirty="0"/>
+              <a:t> in </a:t>
+            </a:r>
+            <a:r>
+              <a:rPr lang="en-GB" sz="2900" dirty="0" err="1"/>
+              <a:t>Fiaidhi</a:t>
+            </a:r>
+            <a:r>
+              <a:rPr lang="en-GB" sz="2900" dirty="0"/>
+              <a:t>, Jinan. </a:t>
+            </a:r>
+            <a:r>
+              <a:rPr lang="en-GB" sz="2900" dirty="0" err="1"/>
+              <a:t>TechRxiv</a:t>
+            </a:r>
+            <a:r>
+              <a:rPr lang="en-GB" sz="2900" dirty="0"/>
+              <a:t>. Preprint. Online Sudoku Generator and Solver for Competitions using Java Server Faces. [</a:t>
+            </a:r>
+            <a:r>
+              <a:rPr lang="en-GB" sz="2900" dirty="0" err="1"/>
+              <a:t>Elektronski</a:t>
+            </a:r>
+            <a:r>
+              <a:rPr lang="en-GB" sz="2900" dirty="0"/>
+              <a:t>] 2020. https://doi.org/10.36227/techrxiv.12093732.v1 .</a:t>
+            </a:r>
+          </a:p>
+          <a:p>
+            <a:endParaRPr lang="en-GB" dirty="0"/>
+          </a:p>
+          <a:p>
+            <a:endParaRPr lang="en-GB" dirty="0"/>
+          </a:p>
+        </p:txBody>
+      </p:sp>
+      <p:sp>
+        <p:nvSpPr>
+          <p:cNvPr id="4" name="Označba mesta datuma 3">
+            <a:extLst>
+              <a:ext uri="{FF2B5EF4-FFF2-40B4-BE49-F238E27FC236}">
+                <a16:creationId xmlns:a16="http://schemas.microsoft.com/office/drawing/2014/main" id="{2D964ECC-1492-4407-9234-F84A7C279D3F}"/>
+              </a:ext>
+            </a:extLst>
+          </p:cNvPr>
+          <p:cNvSpPr>
+            <a:spLocks noGrp="1"/>
+          </p:cNvSpPr>
+          <p:nvPr>
+            <p:ph type="dt" sz="half" idx="10"/>
+          </p:nvPr>
+        </p:nvSpPr>
+        <p:spPr/>
+        <p:txBody>
+          <a:bodyPr/>
+          <a:lstStyle/>
+          <a:p>
+            <a:r>
+              <a:rPr lang="sl-SI"/>
+              <a:t>april 2021</a:t>
+            </a:r>
+            <a:endParaRPr lang="en-GB"/>
+          </a:p>
+        </p:txBody>
+      </p:sp>
+      <p:sp>
+        <p:nvSpPr>
+          <p:cNvPr id="5" name="Označba mesta številke diapozitiva 4">
+            <a:extLst>
+              <a:ext uri="{FF2B5EF4-FFF2-40B4-BE49-F238E27FC236}">
+                <a16:creationId xmlns:a16="http://schemas.microsoft.com/office/drawing/2014/main" id="{1077109F-51CB-4661-AE70-44BF183434D0}"/>
+              </a:ext>
+            </a:extLst>
+          </p:cNvPr>
+          <p:cNvSpPr>
+            <a:spLocks noGrp="1"/>
+          </p:cNvSpPr>
+          <p:nvPr>
+            <p:ph type="sldNum" sz="quarter" idx="12"/>
+          </p:nvPr>
+        </p:nvSpPr>
+        <p:spPr/>
+        <p:txBody>
+          <a:bodyPr/>
+          <a:lstStyle/>
+          <a:p>
+            <a:fld id="{F8D99867-FBE4-4848-83CC-9A906A3AD9B7}" type="slidenum">
+              <a:rPr lang="en-GB" smtClean="0"/>
+              <a:t>14</a:t>
+            </a:fld>
+            <a:endParaRPr lang="en-GB"/>
+          </a:p>
+        </p:txBody>
+      </p:sp>
+      <p:sp>
+        <p:nvSpPr>
+          <p:cNvPr id="6" name="Označba mesta noge 5">
+            <a:extLst>
+              <a:ext uri="{FF2B5EF4-FFF2-40B4-BE49-F238E27FC236}">
+                <a16:creationId xmlns:a16="http://schemas.microsoft.com/office/drawing/2014/main" id="{F53BA2DB-D872-4BEA-B67F-FE00DE0095C2}"/>
+              </a:ext>
+            </a:extLst>
+          </p:cNvPr>
+          <p:cNvSpPr>
+            <a:spLocks noGrp="1"/>
+          </p:cNvSpPr>
+          <p:nvPr>
+            <p:ph type="ftr" sz="quarter" idx="11"/>
+          </p:nvPr>
+        </p:nvSpPr>
+        <p:spPr/>
+        <p:txBody>
+          <a:bodyPr/>
+          <a:lstStyle/>
+          <a:p>
+            <a:r>
+              <a:rPr lang="en-GB"/>
+              <a:t>Barbara Kastelic, T4a</a:t>
+            </a:r>
+          </a:p>
+        </p:txBody>
+      </p:sp>
+    </p:spTree>
+    <p:extLst>
+      <p:ext uri="{BB962C8B-B14F-4D97-AF65-F5344CB8AC3E}">
+        <p14:creationId xmlns:p14="http://schemas.microsoft.com/office/powerpoint/2010/main" val="2275864891"/>
+      </p:ext>
+    </p:extLst>
+  </p:cSld>
+  <p:clrMapOvr>
+    <a:masterClrMapping/>
+  </p:clrMapOvr>
+  <mc:AlternateContent xmlns:mc="http://schemas.openxmlformats.org/markup-compatibility/2006" xmlns:p159="http://schemas.microsoft.com/office/powerpoint/2015/09/main">
+    <mc:Choice Requires="p159">
+      <p:transition xmlns:p14="http://schemas.microsoft.com/office/powerpoint/2010/main" spd="slow" p14:dur="1500" advClick="0" advTm="2000">
+        <p159:morph option="byObject"/>
+      </p:transition>
+    </mc:Choice>
+    <mc:Fallback xmlns="">
+      <p:transition spd="slow" advClick="0" advTm="2000">
+        <p:fade/>
+      </p:transition>
+    </mc:Fallback>
+  </mc:AlternateContent>
+</p:sld>
+</file>
+
+<file path=ppt/slides/slide15.xml><?xml version="1.0" encoding="utf-8"?>
+<p:sld xmlns:a="http://schemas.openxmlformats.org/drawingml/2006/main" xmlns:r="http://schemas.openxmlformats.org/officeDocument/2006/relationships" xmlns:p="http://schemas.openxmlformats.org/presentationml/2006/main">
+  <p:cSld>
+    <p:spTree>
+      <p:nvGrpSpPr>
+        <p:cNvPr id="1" name=""/>
+        <p:cNvGrpSpPr/>
+        <p:nvPr/>
+      </p:nvGrpSpPr>
+      <p:grpSpPr>
+        <a:xfrm>
+          <a:off x="0" y="0"/>
+          <a:ext cx="0" cy="0"/>
+          <a:chOff x="0" y="0"/>
+          <a:chExt cx="0" cy="0"/>
+        </a:xfrm>
+      </p:grpSpPr>
+      <p:sp>
+        <p:nvSpPr>
+          <p:cNvPr id="3" name="Označba mesta vsebine 2">
+            <a:extLst>
+              <a:ext uri="{FF2B5EF4-FFF2-40B4-BE49-F238E27FC236}">
+                <a16:creationId xmlns:a16="http://schemas.microsoft.com/office/drawing/2014/main" id="{C1959299-D1DA-4CE6-BD03-8039E30DE843}"/>
+              </a:ext>
+            </a:extLst>
+          </p:cNvPr>
+          <p:cNvSpPr>
+            <a:spLocks noGrp="1"/>
+          </p:cNvSpPr>
+          <p:nvPr>
+            <p:ph idx="1"/>
+          </p:nvPr>
+        </p:nvSpPr>
+        <p:spPr>
+          <a:xfrm>
+            <a:off x="838200" y="365124"/>
+            <a:ext cx="10515600" cy="6492875"/>
+          </a:xfrm>
+        </p:spPr>
+        <p:txBody>
+          <a:bodyPr>
+            <a:normAutofit/>
+          </a:bodyPr>
+          <a:lstStyle/>
+          <a:p>
+            <a:r>
+              <a:rPr lang="en-GB" sz="1800" dirty="0"/>
+              <a:t>18. </a:t>
+            </a:r>
+            <a:r>
+              <a:rPr lang="en-GB" sz="1800" dirty="0" err="1"/>
+              <a:t>Gligić</a:t>
+            </a:r>
+            <a:r>
+              <a:rPr lang="en-GB" sz="1800" dirty="0"/>
+              <a:t>, </a:t>
+            </a:r>
+            <a:r>
+              <a:rPr lang="en-GB" sz="1800" dirty="0" err="1"/>
+              <a:t>Alja</a:t>
+            </a:r>
+            <a:r>
+              <a:rPr lang="en-GB" sz="1800" dirty="0"/>
+              <a:t>. </a:t>
+            </a:r>
+            <a:r>
+              <a:rPr lang="en-GB" sz="1800" dirty="0" err="1"/>
+              <a:t>MaFiRa</a:t>
+            </a:r>
+            <a:r>
+              <a:rPr lang="en-GB" sz="1800" dirty="0"/>
+              <a:t>-Wiki. Index of /images/8/80. [</a:t>
+            </a:r>
+            <a:r>
+              <a:rPr lang="en-GB" sz="1800" dirty="0" err="1"/>
+              <a:t>Elektronski</a:t>
+            </a:r>
+            <a:r>
+              <a:rPr lang="en-GB" sz="1800" dirty="0"/>
+              <a:t>] 23. </a:t>
+            </a:r>
+            <a:r>
+              <a:rPr lang="en-GB" sz="1800" dirty="0" err="1"/>
+              <a:t>maj</a:t>
+            </a:r>
+            <a:r>
+              <a:rPr lang="en-GB" sz="1800" dirty="0"/>
+              <a:t> 2011. http://wiki.fmf.uni-lj.si/images/8/80/Predstavitev-Sudoku.pdf.</a:t>
+            </a:r>
+          </a:p>
+          <a:p>
+            <a:r>
+              <a:rPr lang="en-GB" sz="1800" dirty="0"/>
+              <a:t>19. </a:t>
+            </a:r>
+            <a:r>
+              <a:rPr lang="en-GB" sz="1800" dirty="0" err="1"/>
+              <a:t>Skrekovski</a:t>
+            </a:r>
+            <a:r>
+              <a:rPr lang="en-GB" sz="1800" dirty="0"/>
+              <a:t>, </a:t>
+            </a:r>
+            <a:r>
+              <a:rPr lang="en-GB" sz="1800" dirty="0" err="1"/>
+              <a:t>Riste</a:t>
+            </a:r>
+            <a:r>
+              <a:rPr lang="en-GB" sz="1800" dirty="0"/>
+              <a:t>. </a:t>
+            </a:r>
+            <a:r>
+              <a:rPr lang="en-GB" sz="1800" dirty="0" err="1"/>
+              <a:t>Univerza</a:t>
+            </a:r>
+            <a:r>
+              <a:rPr lang="en-GB" sz="1800" dirty="0"/>
+              <a:t> v </a:t>
+            </a:r>
+            <a:r>
+              <a:rPr lang="en-GB" sz="1800" dirty="0" err="1"/>
+              <a:t>Ljubljani</a:t>
+            </a:r>
+            <a:r>
+              <a:rPr lang="en-GB" sz="1800" dirty="0"/>
+              <a:t> </a:t>
+            </a:r>
+            <a:r>
+              <a:rPr lang="en-GB" sz="1800" dirty="0" err="1"/>
+              <a:t>Fakulteta</a:t>
+            </a:r>
+            <a:r>
+              <a:rPr lang="en-GB" sz="1800" dirty="0"/>
+              <a:t> </a:t>
+            </a:r>
+            <a:r>
+              <a:rPr lang="en-GB" sz="1800" dirty="0" err="1"/>
+              <a:t>za</a:t>
+            </a:r>
+            <a:r>
+              <a:rPr lang="en-GB" sz="1800" dirty="0"/>
+              <a:t> </a:t>
+            </a:r>
+            <a:r>
+              <a:rPr lang="en-GB" sz="1800" dirty="0" err="1"/>
+              <a:t>matematiko</a:t>
+            </a:r>
+            <a:r>
+              <a:rPr lang="en-GB" sz="1800" dirty="0"/>
+              <a:t> in </a:t>
+            </a:r>
+            <a:r>
+              <a:rPr lang="en-GB" sz="1800" dirty="0" err="1"/>
+              <a:t>fiziko</a:t>
+            </a:r>
+            <a:r>
+              <a:rPr lang="en-GB" sz="1800" dirty="0"/>
+              <a:t>. Index of /~</a:t>
+            </a:r>
+            <a:r>
+              <a:rPr lang="en-GB" sz="1800" dirty="0" err="1"/>
+              <a:t>skreko</a:t>
+            </a:r>
+            <a:r>
+              <a:rPr lang="en-GB" sz="1800" dirty="0"/>
+              <a:t>/Pouk/dm2/2006-7/</a:t>
+            </a:r>
+            <a:r>
+              <a:rPr lang="en-GB" sz="1800" dirty="0" err="1"/>
+              <a:t>Predavanja</a:t>
+            </a:r>
+            <a:r>
+              <a:rPr lang="en-GB" sz="1800" dirty="0"/>
+              <a:t>/</a:t>
+            </a:r>
+            <a:r>
+              <a:rPr lang="en-GB" sz="1800" dirty="0" err="1"/>
+              <a:t>Seminarske</a:t>
+            </a:r>
+            <a:r>
+              <a:rPr lang="en-GB" sz="1800" dirty="0"/>
+              <a:t>. [</a:t>
+            </a:r>
+            <a:r>
+              <a:rPr lang="en-GB" sz="1800" dirty="0" err="1"/>
+              <a:t>Elektronski</a:t>
+            </a:r>
+            <a:r>
+              <a:rPr lang="en-GB" sz="1800" dirty="0"/>
+              <a:t>] 23. </a:t>
+            </a:r>
+            <a:r>
+              <a:rPr lang="en-GB" sz="1800" dirty="0" err="1"/>
+              <a:t>maj</a:t>
+            </a:r>
+            <a:r>
+              <a:rPr lang="en-GB" sz="1800" dirty="0"/>
+              <a:t> 2007. https://www.fmf.uni-lj.si/~skreko/Pouk/dm2/2006-7/Predavanja/Seminarske/Latinski_kvadrati.pdf.</a:t>
+            </a:r>
+            <a:endParaRPr lang="sl-SI" sz="1800" dirty="0"/>
+          </a:p>
+          <a:p>
+            <a:r>
+              <a:rPr lang="en-GB" sz="1800" dirty="0"/>
+              <a:t>20. </a:t>
+            </a:r>
+            <a:r>
+              <a:rPr lang="en-GB" sz="1800" dirty="0" err="1"/>
+              <a:t>Konvalinka</a:t>
+            </a:r>
+            <a:r>
+              <a:rPr lang="en-GB" sz="1800" dirty="0"/>
+              <a:t>, </a:t>
+            </a:r>
+            <a:r>
+              <a:rPr lang="en-GB" sz="1800" dirty="0" err="1"/>
+              <a:t>Matjaž</a:t>
+            </a:r>
+            <a:r>
+              <a:rPr lang="en-GB" sz="1800" dirty="0"/>
+              <a:t>. </a:t>
+            </a:r>
+            <a:r>
+              <a:rPr lang="en-GB" sz="1800" dirty="0" err="1"/>
+              <a:t>Univerza</a:t>
+            </a:r>
+            <a:r>
+              <a:rPr lang="en-GB" sz="1800" dirty="0"/>
+              <a:t> v </a:t>
+            </a:r>
+            <a:r>
+              <a:rPr lang="en-GB" sz="1800" dirty="0" err="1"/>
+              <a:t>Ljubljani</a:t>
+            </a:r>
+            <a:r>
+              <a:rPr lang="en-GB" sz="1800" dirty="0"/>
+              <a:t> </a:t>
+            </a:r>
+            <a:r>
+              <a:rPr lang="en-GB" sz="1800" dirty="0" err="1"/>
+              <a:t>Fakulteta</a:t>
+            </a:r>
+            <a:r>
+              <a:rPr lang="en-GB" sz="1800" dirty="0"/>
+              <a:t> </a:t>
+            </a:r>
+            <a:r>
+              <a:rPr lang="en-GB" sz="1800" dirty="0" err="1"/>
+              <a:t>za</a:t>
+            </a:r>
+            <a:r>
+              <a:rPr lang="en-GB" sz="1800" dirty="0"/>
+              <a:t> </a:t>
+            </a:r>
+            <a:r>
+              <a:rPr lang="en-GB" sz="1800" dirty="0" err="1"/>
+              <a:t>matematiko</a:t>
+            </a:r>
+            <a:r>
+              <a:rPr lang="en-GB" sz="1800" dirty="0"/>
+              <a:t> in </a:t>
+            </a:r>
+            <a:r>
+              <a:rPr lang="en-GB" sz="1800" dirty="0" err="1"/>
+              <a:t>fiziko</a:t>
+            </a:r>
+            <a:r>
+              <a:rPr lang="en-GB" sz="1800" dirty="0"/>
+              <a:t>. </a:t>
+            </a:r>
+            <a:r>
+              <a:rPr lang="en-GB" sz="1800" dirty="0" err="1"/>
+              <a:t>Matjaž</a:t>
+            </a:r>
+            <a:r>
+              <a:rPr lang="en-GB" sz="1800" dirty="0"/>
+              <a:t> </a:t>
+            </a:r>
+            <a:r>
+              <a:rPr lang="en-GB" sz="1800" dirty="0" err="1"/>
+              <a:t>Konvalinka</a:t>
+            </a:r>
+            <a:r>
+              <a:rPr lang="en-GB" sz="1800" dirty="0"/>
+              <a:t> Home Page. [</a:t>
+            </a:r>
+            <a:r>
+              <a:rPr lang="en-GB" sz="1800" dirty="0" err="1"/>
+              <a:t>Elektronski</a:t>
+            </a:r>
+            <a:r>
+              <a:rPr lang="en-GB" sz="1800" dirty="0"/>
+              <a:t>] 2004. https://www.fmf.uni-lj.si/~konvalinka/latin.pdf.</a:t>
+            </a:r>
+          </a:p>
+          <a:p>
+            <a:r>
+              <a:rPr lang="en-GB" sz="1800" dirty="0"/>
+              <a:t>21. </a:t>
+            </a:r>
+            <a:r>
+              <a:rPr lang="en-GB" sz="1800" dirty="0" err="1"/>
+              <a:t>Tuma</a:t>
+            </a:r>
+            <a:r>
+              <a:rPr lang="en-GB" sz="1800" dirty="0"/>
+              <a:t>, Katja. </a:t>
+            </a:r>
+            <a:r>
+              <a:rPr lang="en-GB" sz="1800" dirty="0" err="1"/>
+              <a:t>Repozitorij</a:t>
+            </a:r>
+            <a:r>
+              <a:rPr lang="en-GB" sz="1800" dirty="0"/>
+              <a:t> </a:t>
+            </a:r>
+            <a:r>
+              <a:rPr lang="en-GB" sz="1800" dirty="0" err="1"/>
+              <a:t>univerze</a:t>
+            </a:r>
+            <a:r>
+              <a:rPr lang="en-GB" sz="1800" dirty="0"/>
+              <a:t> v </a:t>
+            </a:r>
+            <a:r>
+              <a:rPr lang="en-GB" sz="1800" dirty="0" err="1"/>
+              <a:t>Ljubljani</a:t>
+            </a:r>
+            <a:r>
+              <a:rPr lang="en-GB" sz="1800" dirty="0"/>
+              <a:t>. </a:t>
+            </a:r>
+            <a:r>
+              <a:rPr lang="en-GB" sz="1800" dirty="0" err="1"/>
+              <a:t>Generiranje</a:t>
+            </a:r>
+            <a:r>
+              <a:rPr lang="en-GB" sz="1800" dirty="0"/>
+              <a:t> in </a:t>
+            </a:r>
+            <a:r>
+              <a:rPr lang="en-GB" sz="1800" dirty="0" err="1"/>
+              <a:t>reševanje</a:t>
+            </a:r>
+            <a:r>
+              <a:rPr lang="en-GB" sz="1800" dirty="0"/>
+              <a:t> </a:t>
+            </a:r>
+            <a:r>
+              <a:rPr lang="en-GB" sz="1800" dirty="0" err="1"/>
+              <a:t>sudokuja</a:t>
+            </a:r>
+            <a:r>
+              <a:rPr lang="en-GB" sz="1800" dirty="0"/>
+              <a:t>. [</a:t>
+            </a:r>
+            <a:r>
+              <a:rPr lang="en-GB" sz="1800" dirty="0" err="1"/>
+              <a:t>Elektronski</a:t>
+            </a:r>
+            <a:r>
+              <a:rPr lang="en-GB" sz="1800" dirty="0"/>
+              <a:t>] 2014. https://repozitorij.uni-lj.si/Dokument.php?id=29461&amp;lang=slv.</a:t>
+            </a:r>
+          </a:p>
+          <a:p>
+            <a:r>
+              <a:rPr lang="en-GB" sz="1800" dirty="0"/>
+              <a:t>22. </a:t>
+            </a:r>
+            <a:r>
+              <a:rPr lang="en-GB" sz="1800" dirty="0" err="1"/>
+              <a:t>Forstnerič</a:t>
+            </a:r>
+            <a:r>
+              <a:rPr lang="en-GB" sz="1800" dirty="0"/>
+              <a:t>, France. </a:t>
+            </a:r>
+            <a:r>
+              <a:rPr lang="en-GB" sz="1800" dirty="0" err="1"/>
+              <a:t>Laboratorij</a:t>
+            </a:r>
+            <a:r>
+              <a:rPr lang="en-GB" sz="1800" dirty="0"/>
+              <a:t> </a:t>
+            </a:r>
+            <a:r>
+              <a:rPr lang="en-GB" sz="1800" dirty="0" err="1"/>
+              <a:t>za</a:t>
+            </a:r>
+            <a:r>
+              <a:rPr lang="en-GB" sz="1800" dirty="0"/>
+              <a:t> </a:t>
+            </a:r>
+            <a:r>
+              <a:rPr lang="en-GB" sz="1800" dirty="0" err="1"/>
+              <a:t>kriptografijo</a:t>
+            </a:r>
+            <a:r>
+              <a:rPr lang="en-GB" sz="1800" dirty="0"/>
+              <a:t> in </a:t>
+            </a:r>
+            <a:r>
+              <a:rPr lang="en-GB" sz="1800" dirty="0" err="1"/>
+              <a:t>računalniško</a:t>
+            </a:r>
+            <a:r>
+              <a:rPr lang="en-GB" sz="1800" dirty="0"/>
+              <a:t> </a:t>
+            </a:r>
+            <a:r>
+              <a:rPr lang="en-GB" sz="1800" dirty="0" err="1"/>
+              <a:t>varnost</a:t>
+            </a:r>
+            <a:r>
+              <a:rPr lang="en-GB" sz="1800" dirty="0"/>
+              <a:t>. </a:t>
+            </a:r>
+            <a:r>
+              <a:rPr lang="en-GB" sz="1800" dirty="0" err="1"/>
+              <a:t>Matematika</a:t>
+            </a:r>
+            <a:r>
+              <a:rPr lang="en-GB" sz="1800" dirty="0"/>
+              <a:t>: O </a:t>
+            </a:r>
+            <a:r>
+              <a:rPr lang="en-GB" sz="1800" dirty="0" err="1"/>
+              <a:t>kongruencah</a:t>
+            </a:r>
+            <a:r>
+              <a:rPr lang="en-GB" sz="1800" dirty="0"/>
+              <a:t>. [</a:t>
+            </a:r>
+            <a:r>
+              <a:rPr lang="en-GB" sz="1800" dirty="0" err="1"/>
+              <a:t>Elektronski</a:t>
+            </a:r>
+            <a:r>
+              <a:rPr lang="en-GB" sz="1800" dirty="0"/>
+              <a:t>] 1979. http://lkrv.fri.uni-lj.si/peter/presek/Forstenic_O_Kongruencah.pdf.</a:t>
+            </a:r>
+          </a:p>
+          <a:p>
+            <a:r>
+              <a:rPr lang="en-GB" sz="1800" dirty="0"/>
+              <a:t>23. Team2280. </a:t>
+            </a:r>
+            <a:r>
+              <a:rPr lang="en-GB" sz="1800" dirty="0" err="1"/>
+              <a:t>CiteSeerX</a:t>
+            </a:r>
+            <a:r>
+              <a:rPr lang="en-GB" sz="1800" dirty="0"/>
+              <a:t>. Sudoku: Bagging a Difficulty Metric &amp; Building Up Puzzles. [</a:t>
+            </a:r>
+            <a:r>
+              <a:rPr lang="en-GB" sz="1800" dirty="0" err="1"/>
+              <a:t>Elektronski</a:t>
+            </a:r>
+            <a:r>
+              <a:rPr lang="en-GB" sz="1800" dirty="0"/>
+              <a:t>] 18. </a:t>
+            </a:r>
+            <a:r>
+              <a:rPr lang="en-GB" sz="1800" dirty="0" err="1"/>
+              <a:t>februar</a:t>
+            </a:r>
+            <a:r>
+              <a:rPr lang="en-GB" sz="1800" dirty="0"/>
+              <a:t> 2008. http://citeseerx.ist.psu.edu/viewdoc/download?doi=10.1.1.142.9486&amp;rep=rep1&amp;type=pdf.</a:t>
+            </a:r>
+          </a:p>
+          <a:p>
+            <a:r>
+              <a:rPr lang="en-GB" sz="1800" dirty="0"/>
+              <a:t>24. </a:t>
+            </a:r>
+            <a:r>
+              <a:rPr lang="en-GB" sz="1800" dirty="0" err="1"/>
+              <a:t>Tepeš</a:t>
+            </a:r>
+            <a:r>
+              <a:rPr lang="en-GB" sz="1800" dirty="0"/>
+              <a:t>, </a:t>
+            </a:r>
+            <a:r>
+              <a:rPr lang="en-GB" sz="1800" dirty="0" err="1"/>
+              <a:t>Nejc</a:t>
+            </a:r>
+            <a:r>
+              <a:rPr lang="en-GB" sz="1800" dirty="0"/>
+              <a:t>. </a:t>
+            </a:r>
+            <a:r>
+              <a:rPr lang="en-GB" sz="1800" dirty="0" err="1"/>
+              <a:t>Univerza</a:t>
+            </a:r>
+            <a:r>
+              <a:rPr lang="en-GB" sz="1800" dirty="0"/>
+              <a:t> v </a:t>
+            </a:r>
+            <a:r>
+              <a:rPr lang="en-GB" sz="1800" dirty="0" err="1"/>
+              <a:t>Mariboru</a:t>
+            </a:r>
+            <a:r>
+              <a:rPr lang="en-GB" sz="1800" dirty="0"/>
+              <a:t>. </a:t>
+            </a:r>
+            <a:r>
+              <a:rPr lang="en-GB" sz="1800" dirty="0" err="1"/>
+              <a:t>Sestavljanje</a:t>
+            </a:r>
+            <a:r>
+              <a:rPr lang="en-GB" sz="1800" dirty="0"/>
+              <a:t> in </a:t>
+            </a:r>
+            <a:r>
+              <a:rPr lang="en-GB" sz="1800" dirty="0" err="1"/>
+              <a:t>reševanje</a:t>
+            </a:r>
+            <a:r>
+              <a:rPr lang="en-GB" sz="1800" dirty="0"/>
+              <a:t> </a:t>
+            </a:r>
+            <a:r>
+              <a:rPr lang="en-GB" sz="1800" dirty="0" err="1"/>
+              <a:t>kombinatorčine</a:t>
+            </a:r>
+            <a:r>
+              <a:rPr lang="en-GB" sz="1800" dirty="0"/>
+              <a:t> </a:t>
+            </a:r>
+            <a:r>
+              <a:rPr lang="en-GB" sz="1800" dirty="0" err="1"/>
+              <a:t>igre</a:t>
+            </a:r>
+            <a:r>
+              <a:rPr lang="en-GB" sz="1800" dirty="0"/>
+              <a:t> s </a:t>
+            </a:r>
+            <a:r>
+              <a:rPr lang="en-GB" sz="1800" dirty="0" err="1"/>
+              <a:t>programiranjem</a:t>
+            </a:r>
+            <a:r>
+              <a:rPr lang="en-GB" sz="1800" dirty="0"/>
+              <a:t>. [</a:t>
+            </a:r>
+            <a:r>
+              <a:rPr lang="en-GB" sz="1800" dirty="0" err="1"/>
+              <a:t>Elektronski</a:t>
+            </a:r>
+            <a:r>
+              <a:rPr lang="en-GB" sz="1800" dirty="0"/>
+              <a:t>] </a:t>
+            </a:r>
+            <a:r>
+              <a:rPr lang="en-GB" sz="1800" dirty="0" err="1"/>
+              <a:t>september</a:t>
+            </a:r>
+            <a:r>
+              <a:rPr lang="en-GB" sz="1800" dirty="0"/>
+              <a:t> 2014. https://dk.um.si/IzpisGradiva.php?id=46258&amp;lang=slv.</a:t>
+            </a:r>
+          </a:p>
+          <a:p>
+            <a:r>
+              <a:rPr lang="en-GB" sz="1800" dirty="0"/>
+              <a:t>25. </a:t>
+            </a:r>
+            <a:r>
+              <a:rPr lang="en-GB" sz="1800" dirty="0" err="1"/>
+              <a:t>Živković</a:t>
+            </a:r>
+            <a:r>
+              <a:rPr lang="en-GB" sz="1800" dirty="0"/>
+              <a:t>, </a:t>
+            </a:r>
+            <a:r>
+              <a:rPr lang="en-GB" sz="1800" dirty="0" err="1"/>
+              <a:t>Dejan</a:t>
+            </a:r>
+            <a:r>
+              <a:rPr lang="en-GB" sz="1800" dirty="0"/>
+              <a:t>. </a:t>
+            </a:r>
+            <a:r>
+              <a:rPr lang="en-GB" sz="1800" dirty="0" err="1"/>
+              <a:t>Singipedia</a:t>
+            </a:r>
+            <a:r>
+              <a:rPr lang="en-GB" sz="1800" dirty="0"/>
+              <a:t>. Java </a:t>
+            </a:r>
+            <a:r>
+              <a:rPr lang="en-GB" sz="1800" dirty="0" err="1"/>
+              <a:t>programiranje</a:t>
+            </a:r>
+            <a:r>
+              <a:rPr lang="en-GB" sz="1800" dirty="0"/>
+              <a:t>. [</a:t>
+            </a:r>
+            <a:r>
+              <a:rPr lang="en-GB" sz="1800" dirty="0" err="1"/>
+              <a:t>Elektronski</a:t>
+            </a:r>
+            <a:r>
+              <a:rPr lang="en-GB" sz="1800" dirty="0"/>
+              <a:t>] 2019. https://singipedia.singidunum.ac.rs/izdanje/43019-java-programiranje. ISBN 978-86-7912-521-7.</a:t>
+            </a:r>
+          </a:p>
+          <a:p>
+            <a:endParaRPr lang="en-GB" sz="1800" dirty="0"/>
+          </a:p>
+          <a:p>
+            <a:endParaRPr lang="en-GB" dirty="0"/>
+          </a:p>
+        </p:txBody>
+      </p:sp>
+      <p:sp>
+        <p:nvSpPr>
+          <p:cNvPr id="4" name="Označba mesta datuma 3">
+            <a:extLst>
+              <a:ext uri="{FF2B5EF4-FFF2-40B4-BE49-F238E27FC236}">
+                <a16:creationId xmlns:a16="http://schemas.microsoft.com/office/drawing/2014/main" id="{430B12AA-053B-41EF-B156-18D119AF490C}"/>
+              </a:ext>
+            </a:extLst>
+          </p:cNvPr>
+          <p:cNvSpPr>
+            <a:spLocks noGrp="1"/>
+          </p:cNvSpPr>
+          <p:nvPr>
+            <p:ph type="dt" sz="half" idx="10"/>
+          </p:nvPr>
+        </p:nvSpPr>
+        <p:spPr/>
+        <p:txBody>
+          <a:bodyPr/>
+          <a:lstStyle/>
+          <a:p>
+            <a:r>
+              <a:rPr lang="sl-SI" dirty="0"/>
+              <a:t>april 2021</a:t>
+            </a:r>
+            <a:endParaRPr lang="en-GB" dirty="0"/>
+          </a:p>
+        </p:txBody>
+      </p:sp>
+      <p:sp>
+        <p:nvSpPr>
+          <p:cNvPr id="5" name="Označba mesta številke diapozitiva 4">
+            <a:extLst>
+              <a:ext uri="{FF2B5EF4-FFF2-40B4-BE49-F238E27FC236}">
+                <a16:creationId xmlns:a16="http://schemas.microsoft.com/office/drawing/2014/main" id="{541BE5B0-2FDE-4555-B6BE-8380D6BF5ADE}"/>
+              </a:ext>
+            </a:extLst>
+          </p:cNvPr>
+          <p:cNvSpPr>
+            <a:spLocks noGrp="1"/>
+          </p:cNvSpPr>
+          <p:nvPr>
+            <p:ph type="sldNum" sz="quarter" idx="12"/>
+          </p:nvPr>
+        </p:nvSpPr>
+        <p:spPr/>
+        <p:txBody>
+          <a:bodyPr/>
+          <a:lstStyle/>
+          <a:p>
+            <a:fld id="{F8D99867-FBE4-4848-83CC-9A906A3AD9B7}" type="slidenum">
+              <a:rPr lang="en-GB" smtClean="0"/>
+              <a:t>15</a:t>
+            </a:fld>
+            <a:endParaRPr lang="en-GB"/>
+          </a:p>
+        </p:txBody>
+      </p:sp>
+      <p:sp>
+        <p:nvSpPr>
+          <p:cNvPr id="6" name="Označba mesta noge 5">
+            <a:extLst>
+              <a:ext uri="{FF2B5EF4-FFF2-40B4-BE49-F238E27FC236}">
+                <a16:creationId xmlns:a16="http://schemas.microsoft.com/office/drawing/2014/main" id="{93FFB4AA-D379-4659-B1A8-FFBD53481F94}"/>
+              </a:ext>
+            </a:extLst>
+          </p:cNvPr>
+          <p:cNvSpPr>
+            <a:spLocks noGrp="1"/>
+          </p:cNvSpPr>
+          <p:nvPr>
+            <p:ph type="ftr" sz="quarter" idx="11"/>
+          </p:nvPr>
+        </p:nvSpPr>
+        <p:spPr/>
+        <p:txBody>
+          <a:bodyPr/>
+          <a:lstStyle/>
+          <a:p>
+            <a:r>
+              <a:rPr lang="en-GB" dirty="0"/>
+              <a:t>Barbara </a:t>
+            </a:r>
+            <a:r>
+              <a:rPr lang="en-GB" dirty="0" err="1"/>
+              <a:t>Kastelic</a:t>
+            </a:r>
+            <a:r>
+              <a:rPr lang="en-GB" dirty="0"/>
+              <a:t>, T4a</a:t>
+            </a:r>
+          </a:p>
+        </p:txBody>
+      </p:sp>
+    </p:spTree>
+    <p:extLst>
+      <p:ext uri="{BB962C8B-B14F-4D97-AF65-F5344CB8AC3E}">
+        <p14:creationId xmlns:p14="http://schemas.microsoft.com/office/powerpoint/2010/main" val="490933959"/>
+      </p:ext>
+    </p:extLst>
+  </p:cSld>
+  <p:clrMapOvr>
+    <a:masterClrMapping/>
+  </p:clrMapOvr>
+  <mc:AlternateContent xmlns:mc="http://schemas.openxmlformats.org/markup-compatibility/2006" xmlns:p159="http://schemas.microsoft.com/office/powerpoint/2015/09/main">
+    <mc:Choice Requires="p159">
+      <p:transition xmlns:p14="http://schemas.microsoft.com/office/powerpoint/2010/main" spd="slow" p14:dur="1500" advTm="2000">
+        <p159:morph option="byObject"/>
+      </p:transition>
+    </mc:Choice>
+    <mc:Fallback xmlns="">
+      <p:transition spd="slow" advTm="2000">
+        <p:fade/>
+      </p:transition>
+    </mc:Fallback>
+  </mc:AlternateContent>
+</p:sld>
+</file>
+
+<file path=ppt/slides/slide16.xml><?xml version="1.0" encoding="utf-8"?>
+<p:sld xmlns:a="http://schemas.openxmlformats.org/drawingml/2006/main" xmlns:r="http://schemas.openxmlformats.org/officeDocument/2006/relationships" xmlns:p="http://schemas.openxmlformats.org/presentationml/2006/main">
+  <p:cSld>
+    <p:spTree>
+      <p:nvGrpSpPr>
+        <p:cNvPr id="1" name=""/>
+        <p:cNvGrpSpPr/>
+        <p:nvPr/>
+      </p:nvGrpSpPr>
+      <p:grpSpPr>
+        <a:xfrm>
+          <a:off x="0" y="0"/>
+          <a:ext cx="0" cy="0"/>
+          <a:chOff x="0" y="0"/>
+          <a:chExt cx="0" cy="0"/>
+        </a:xfrm>
+      </p:grpSpPr>
+      <p:sp>
+        <p:nvSpPr>
+          <p:cNvPr id="3" name="Označba mesta vsebine 2">
+            <a:extLst>
+              <a:ext uri="{FF2B5EF4-FFF2-40B4-BE49-F238E27FC236}">
+                <a16:creationId xmlns:a16="http://schemas.microsoft.com/office/drawing/2014/main" id="{1DD680A6-235A-4AC7-857F-AF942A83A226}"/>
+              </a:ext>
+            </a:extLst>
+          </p:cNvPr>
+          <p:cNvSpPr>
+            <a:spLocks noGrp="1"/>
+          </p:cNvSpPr>
+          <p:nvPr>
+            <p:ph idx="1"/>
+          </p:nvPr>
+        </p:nvSpPr>
+        <p:spPr>
+          <a:xfrm>
+            <a:off x="838200" y="365126"/>
+            <a:ext cx="10515600" cy="5811838"/>
+          </a:xfrm>
+        </p:spPr>
+        <p:txBody>
+          <a:bodyPr>
+            <a:normAutofit fontScale="92500" lnSpcReduction="20000"/>
+          </a:bodyPr>
+          <a:lstStyle/>
+          <a:p>
+            <a:r>
+              <a:rPr lang="en-GB" sz="2300" dirty="0"/>
+              <a:t>26. Oracle. </a:t>
+            </a:r>
+            <a:r>
+              <a:rPr lang="en-GB" sz="2300" dirty="0" err="1"/>
+              <a:t>Oracle:Documentation</a:t>
+            </a:r>
+            <a:r>
+              <a:rPr lang="en-GB" sz="2300" dirty="0"/>
+              <a:t>. Class </a:t>
+            </a:r>
+            <a:r>
+              <a:rPr lang="en-GB" sz="2300" dirty="0" err="1"/>
+              <a:t>MouseEvent</a:t>
+            </a:r>
+            <a:r>
+              <a:rPr lang="en-GB" sz="2300" dirty="0"/>
+              <a:t>. [</a:t>
+            </a:r>
+            <a:r>
+              <a:rPr lang="en-GB" sz="2300" dirty="0" err="1"/>
+              <a:t>Elektronski</a:t>
+            </a:r>
+            <a:r>
+              <a:rPr lang="en-GB" sz="2300" dirty="0"/>
+              <a:t>] 2021. https://docs.oracle.com/javase/7/docs/api/java/awt/event/MouseEvent.html.</a:t>
+            </a:r>
+          </a:p>
+          <a:p>
+            <a:r>
+              <a:rPr lang="en-GB" sz="2300" dirty="0"/>
+              <a:t>27. </a:t>
+            </a:r>
+            <a:r>
+              <a:rPr lang="en-GB" sz="2300" dirty="0" err="1"/>
+              <a:t>Slovenska</a:t>
+            </a:r>
+            <a:r>
+              <a:rPr lang="en-GB" sz="2300" dirty="0"/>
+              <a:t> </a:t>
+            </a:r>
+            <a:r>
+              <a:rPr lang="en-GB" sz="2300" dirty="0" err="1"/>
+              <a:t>akademija</a:t>
+            </a:r>
+            <a:r>
+              <a:rPr lang="en-GB" sz="2300" dirty="0"/>
+              <a:t> </a:t>
+            </a:r>
+            <a:r>
+              <a:rPr lang="en-GB" sz="2300" dirty="0" err="1"/>
+              <a:t>za</a:t>
+            </a:r>
+            <a:r>
+              <a:rPr lang="en-GB" sz="2300" dirty="0"/>
+              <a:t> </a:t>
+            </a:r>
+            <a:r>
+              <a:rPr lang="en-GB" sz="2300" dirty="0" err="1"/>
+              <a:t>znanost</a:t>
+            </a:r>
+            <a:r>
+              <a:rPr lang="en-GB" sz="2300" dirty="0"/>
+              <a:t> in </a:t>
+            </a:r>
+            <a:r>
+              <a:rPr lang="en-GB" sz="2300" dirty="0" err="1"/>
+              <a:t>umetnost</a:t>
+            </a:r>
+            <a:r>
+              <a:rPr lang="en-GB" sz="2300" dirty="0"/>
+              <a:t> in </a:t>
+            </a:r>
+            <a:r>
+              <a:rPr lang="en-GB" sz="2300" dirty="0" err="1"/>
+              <a:t>Znanstveno</a:t>
+            </a:r>
+            <a:r>
+              <a:rPr lang="en-GB" sz="2300" dirty="0"/>
+              <a:t> </a:t>
+            </a:r>
+            <a:r>
+              <a:rPr lang="en-GB" sz="2300" dirty="0" err="1"/>
+              <a:t>raziskovalni</a:t>
+            </a:r>
+            <a:r>
+              <a:rPr lang="en-GB" sz="2300" dirty="0"/>
+              <a:t> </a:t>
+            </a:r>
+            <a:r>
+              <a:rPr lang="en-GB" sz="2300" dirty="0" err="1"/>
+              <a:t>center</a:t>
+            </a:r>
+            <a:r>
+              <a:rPr lang="en-GB" sz="2300" dirty="0"/>
+              <a:t> </a:t>
+            </a:r>
+            <a:r>
+              <a:rPr lang="en-GB" sz="2300" dirty="0" err="1"/>
+              <a:t>Slovenske</a:t>
+            </a:r>
+            <a:r>
+              <a:rPr lang="en-GB" sz="2300" dirty="0"/>
+              <a:t> </a:t>
+            </a:r>
+            <a:r>
+              <a:rPr lang="en-GB" sz="2300" dirty="0" err="1"/>
+              <a:t>akademije</a:t>
+            </a:r>
+            <a:r>
+              <a:rPr lang="en-GB" sz="2300" dirty="0"/>
+              <a:t> </a:t>
+            </a:r>
+            <a:r>
+              <a:rPr lang="en-GB" sz="2300" dirty="0" err="1"/>
+              <a:t>znanosti</a:t>
+            </a:r>
+            <a:r>
+              <a:rPr lang="en-GB" sz="2300" dirty="0"/>
+              <a:t> in </a:t>
+            </a:r>
+            <a:r>
+              <a:rPr lang="en-GB" sz="2300" dirty="0" err="1"/>
+              <a:t>umetnosti</a:t>
+            </a:r>
+            <a:r>
+              <a:rPr lang="en-GB" sz="2300" dirty="0"/>
+              <a:t> </a:t>
+            </a:r>
+            <a:r>
+              <a:rPr lang="en-GB" sz="2300" dirty="0" err="1"/>
+              <a:t>Inštitut</a:t>
+            </a:r>
+            <a:r>
+              <a:rPr lang="en-GB" sz="2300" dirty="0"/>
+              <a:t> </a:t>
+            </a:r>
+            <a:r>
+              <a:rPr lang="en-GB" sz="2300" dirty="0" err="1"/>
+              <a:t>za</a:t>
+            </a:r>
+            <a:r>
+              <a:rPr lang="en-GB" sz="2300" dirty="0"/>
+              <a:t> </a:t>
+            </a:r>
+            <a:r>
+              <a:rPr lang="en-GB" sz="2300" dirty="0" err="1"/>
+              <a:t>slovenski</a:t>
+            </a:r>
+            <a:r>
+              <a:rPr lang="en-GB" sz="2300" dirty="0"/>
+              <a:t> </a:t>
+            </a:r>
+            <a:r>
+              <a:rPr lang="en-GB" sz="2300" dirty="0" err="1"/>
+              <a:t>jezik</a:t>
+            </a:r>
+            <a:r>
+              <a:rPr lang="en-GB" sz="2300" dirty="0"/>
+              <a:t> </a:t>
+            </a:r>
+            <a:r>
+              <a:rPr lang="en-GB" sz="2300" dirty="0" err="1"/>
+              <a:t>Frana</a:t>
+            </a:r>
+            <a:r>
+              <a:rPr lang="en-GB" sz="2300" dirty="0"/>
+              <a:t> </a:t>
+            </a:r>
+            <a:r>
+              <a:rPr lang="en-GB" sz="2300" dirty="0" err="1"/>
+              <a:t>Ramovška</a:t>
+            </a:r>
+            <a:r>
+              <a:rPr lang="en-GB" sz="2300" dirty="0"/>
+              <a:t> in </a:t>
+            </a:r>
+            <a:r>
+              <a:rPr lang="en-GB" sz="2300" dirty="0" err="1"/>
+              <a:t>avtorji</a:t>
+            </a:r>
+            <a:r>
+              <a:rPr lang="en-GB" sz="2300" dirty="0"/>
+              <a:t>. </a:t>
+            </a:r>
+            <a:r>
+              <a:rPr lang="en-GB" sz="2300" dirty="0" err="1"/>
+              <a:t>Slovar</a:t>
+            </a:r>
+            <a:r>
+              <a:rPr lang="en-GB" sz="2300" dirty="0"/>
+              <a:t> </a:t>
+            </a:r>
+            <a:r>
+              <a:rPr lang="en-GB" sz="2300" dirty="0" err="1"/>
+              <a:t>slovenskega</a:t>
+            </a:r>
+            <a:r>
+              <a:rPr lang="en-GB" sz="2300" dirty="0"/>
+              <a:t> </a:t>
+            </a:r>
+            <a:r>
+              <a:rPr lang="en-GB" sz="2300" dirty="0" err="1"/>
+              <a:t>knjižnega</a:t>
+            </a:r>
+            <a:r>
+              <a:rPr lang="en-GB" sz="2300" dirty="0"/>
+              <a:t> </a:t>
+            </a:r>
+            <a:r>
+              <a:rPr lang="en-GB" sz="2300" dirty="0" err="1"/>
+              <a:t>jezika</a:t>
+            </a:r>
+            <a:r>
+              <a:rPr lang="en-GB" sz="2300" dirty="0"/>
+              <a:t> 2. </a:t>
+            </a:r>
+            <a:r>
+              <a:rPr lang="en-GB" sz="2300" dirty="0" err="1"/>
+              <a:t>druga</a:t>
+            </a:r>
+            <a:r>
+              <a:rPr lang="en-GB" sz="2300" dirty="0"/>
+              <a:t> </a:t>
+            </a:r>
+            <a:r>
+              <a:rPr lang="en-GB" sz="2300" dirty="0" err="1"/>
+              <a:t>dopoljena</a:t>
+            </a:r>
+            <a:r>
+              <a:rPr lang="en-GB" sz="2300" dirty="0"/>
+              <a:t> in </a:t>
+            </a:r>
+            <a:r>
+              <a:rPr lang="en-GB" sz="2300" dirty="0" err="1"/>
+              <a:t>deloma</a:t>
+            </a:r>
+            <a:r>
+              <a:rPr lang="en-GB" sz="2300" dirty="0"/>
+              <a:t> </a:t>
+            </a:r>
+            <a:r>
+              <a:rPr lang="en-GB" sz="2300" dirty="0" err="1"/>
+              <a:t>prenoljena</a:t>
+            </a:r>
+            <a:r>
+              <a:rPr lang="en-GB" sz="2300" dirty="0"/>
+              <a:t> </a:t>
+            </a:r>
+            <a:r>
+              <a:rPr lang="en-GB" sz="2300" dirty="0" err="1"/>
+              <a:t>izdaja</a:t>
+            </a:r>
+            <a:r>
+              <a:rPr lang="en-GB" sz="2300" dirty="0"/>
+              <a:t>. Ljubljana : </a:t>
+            </a:r>
+            <a:r>
+              <a:rPr lang="en-GB" sz="2300" dirty="0" err="1"/>
+              <a:t>Cankarjeva</a:t>
+            </a:r>
+            <a:r>
+              <a:rPr lang="en-GB" sz="2300" dirty="0"/>
+              <a:t> </a:t>
+            </a:r>
+            <a:r>
+              <a:rPr lang="en-GB" sz="2300" dirty="0" err="1"/>
+              <a:t>založba</a:t>
+            </a:r>
+            <a:r>
+              <a:rPr lang="en-GB" sz="2300" dirty="0"/>
+              <a:t>, 2015. ISBN 978-961-282-010-7.</a:t>
+            </a:r>
+          </a:p>
+          <a:p>
+            <a:r>
+              <a:rPr lang="en-GB" sz="2300" dirty="0"/>
+              <a:t>28. </a:t>
+            </a:r>
+            <a:r>
+              <a:rPr lang="en-GB" sz="2300" dirty="0" err="1"/>
+              <a:t>GeeksforGeeks</a:t>
+            </a:r>
+            <a:r>
+              <a:rPr lang="en-GB" sz="2300" dirty="0"/>
+              <a:t>. </a:t>
+            </a:r>
+            <a:r>
+              <a:rPr lang="en-GB" sz="2300" dirty="0" err="1"/>
+              <a:t>GeeksforGeeks</a:t>
+            </a:r>
+            <a:r>
+              <a:rPr lang="en-GB" sz="2300" dirty="0"/>
+              <a:t>. Differences between JDK, JRE and JVM. [</a:t>
+            </a:r>
+            <a:r>
+              <a:rPr lang="en-GB" sz="2300" dirty="0" err="1"/>
+              <a:t>Elektronski</a:t>
+            </a:r>
+            <a:r>
+              <a:rPr lang="en-GB" sz="2300" dirty="0"/>
+              <a:t>] 10. </a:t>
+            </a:r>
+            <a:r>
+              <a:rPr lang="en-GB" sz="2300" dirty="0" err="1"/>
+              <a:t>avgust</a:t>
+            </a:r>
+            <a:r>
+              <a:rPr lang="en-GB" sz="2300" dirty="0"/>
+              <a:t> 2018. https://www.geeksforgeeks.org/differences-jdk-jre-jvm/.</a:t>
+            </a:r>
+          </a:p>
+          <a:p>
+            <a:r>
+              <a:rPr lang="en-GB" sz="2300" dirty="0"/>
+              <a:t>26. Oracle. </a:t>
+            </a:r>
+            <a:r>
+              <a:rPr lang="en-GB" sz="2300" dirty="0" err="1"/>
+              <a:t>Oracle:Documentation</a:t>
+            </a:r>
+            <a:r>
+              <a:rPr lang="en-GB" sz="2300" dirty="0"/>
+              <a:t>. Class </a:t>
+            </a:r>
+            <a:r>
+              <a:rPr lang="en-GB" sz="2300" dirty="0" err="1"/>
+              <a:t>MouseEvent</a:t>
+            </a:r>
+            <a:r>
+              <a:rPr lang="en-GB" sz="2300" dirty="0"/>
+              <a:t>. [</a:t>
+            </a:r>
+            <a:r>
+              <a:rPr lang="en-GB" sz="2300" dirty="0" err="1"/>
+              <a:t>Elektronski</a:t>
+            </a:r>
+            <a:r>
+              <a:rPr lang="en-GB" sz="2300" dirty="0"/>
+              <a:t>] 2021. https://docs.oracle.com/javase/7/docs/api/java/awt/event/MouseEvent.html.</a:t>
+            </a:r>
+          </a:p>
+          <a:p>
+            <a:r>
+              <a:rPr lang="en-GB" sz="2300" dirty="0"/>
+              <a:t>27. </a:t>
+            </a:r>
+            <a:r>
+              <a:rPr lang="en-GB" sz="2300" dirty="0" err="1"/>
+              <a:t>Slovenska</a:t>
+            </a:r>
+            <a:r>
+              <a:rPr lang="en-GB" sz="2300" dirty="0"/>
+              <a:t> </a:t>
+            </a:r>
+            <a:r>
+              <a:rPr lang="en-GB" sz="2300" dirty="0" err="1"/>
+              <a:t>akademija</a:t>
+            </a:r>
+            <a:r>
+              <a:rPr lang="en-GB" sz="2300" dirty="0"/>
+              <a:t> </a:t>
+            </a:r>
+            <a:r>
+              <a:rPr lang="en-GB" sz="2300" dirty="0" err="1"/>
+              <a:t>za</a:t>
+            </a:r>
+            <a:r>
+              <a:rPr lang="en-GB" sz="2300" dirty="0"/>
+              <a:t> </a:t>
+            </a:r>
+            <a:r>
+              <a:rPr lang="en-GB" sz="2300" dirty="0" err="1"/>
+              <a:t>znanost</a:t>
+            </a:r>
+            <a:r>
+              <a:rPr lang="en-GB" sz="2300" dirty="0"/>
+              <a:t> in </a:t>
+            </a:r>
+            <a:r>
+              <a:rPr lang="en-GB" sz="2300" dirty="0" err="1"/>
+              <a:t>umetnost</a:t>
+            </a:r>
+            <a:r>
+              <a:rPr lang="en-GB" sz="2300" dirty="0"/>
+              <a:t> in </a:t>
+            </a:r>
+            <a:r>
+              <a:rPr lang="en-GB" sz="2300" dirty="0" err="1"/>
+              <a:t>Znanstveno</a:t>
+            </a:r>
+            <a:r>
+              <a:rPr lang="en-GB" sz="2300" dirty="0"/>
+              <a:t> </a:t>
+            </a:r>
+            <a:r>
+              <a:rPr lang="en-GB" sz="2300" dirty="0" err="1"/>
+              <a:t>raziskovalni</a:t>
+            </a:r>
+            <a:r>
+              <a:rPr lang="en-GB" sz="2300" dirty="0"/>
+              <a:t> </a:t>
+            </a:r>
+            <a:r>
+              <a:rPr lang="en-GB" sz="2300" dirty="0" err="1"/>
+              <a:t>center</a:t>
+            </a:r>
+            <a:r>
+              <a:rPr lang="en-GB" sz="2300" dirty="0"/>
+              <a:t> </a:t>
+            </a:r>
+            <a:r>
+              <a:rPr lang="en-GB" sz="2300" dirty="0" err="1"/>
+              <a:t>Slovenske</a:t>
+            </a:r>
+            <a:r>
+              <a:rPr lang="en-GB" sz="2300" dirty="0"/>
+              <a:t> </a:t>
+            </a:r>
+            <a:r>
+              <a:rPr lang="en-GB" sz="2300" dirty="0" err="1"/>
+              <a:t>akademije</a:t>
+            </a:r>
+            <a:r>
+              <a:rPr lang="en-GB" sz="2300" dirty="0"/>
+              <a:t> </a:t>
+            </a:r>
+            <a:r>
+              <a:rPr lang="en-GB" sz="2300" dirty="0" err="1"/>
+              <a:t>znanosti</a:t>
+            </a:r>
+            <a:r>
+              <a:rPr lang="en-GB" sz="2300" dirty="0"/>
+              <a:t> in </a:t>
+            </a:r>
+            <a:r>
+              <a:rPr lang="en-GB" sz="2300" dirty="0" err="1"/>
+              <a:t>umetnosti</a:t>
+            </a:r>
+            <a:r>
+              <a:rPr lang="en-GB" sz="2300" dirty="0"/>
+              <a:t> </a:t>
+            </a:r>
+            <a:r>
+              <a:rPr lang="en-GB" sz="2300" dirty="0" err="1"/>
+              <a:t>Inštitut</a:t>
+            </a:r>
+            <a:r>
+              <a:rPr lang="en-GB" sz="2300" dirty="0"/>
+              <a:t> </a:t>
+            </a:r>
+            <a:r>
+              <a:rPr lang="en-GB" sz="2300" dirty="0" err="1"/>
+              <a:t>za</a:t>
+            </a:r>
+            <a:r>
+              <a:rPr lang="en-GB" sz="2300" dirty="0"/>
+              <a:t> </a:t>
+            </a:r>
+            <a:r>
+              <a:rPr lang="en-GB" sz="2300" dirty="0" err="1"/>
+              <a:t>slovenski</a:t>
+            </a:r>
+            <a:r>
+              <a:rPr lang="en-GB" sz="2300" dirty="0"/>
+              <a:t> </a:t>
+            </a:r>
+            <a:r>
+              <a:rPr lang="en-GB" sz="2300" dirty="0" err="1"/>
+              <a:t>jezik</a:t>
+            </a:r>
+            <a:r>
+              <a:rPr lang="en-GB" sz="2300" dirty="0"/>
+              <a:t> </a:t>
+            </a:r>
+            <a:r>
+              <a:rPr lang="en-GB" sz="2300" dirty="0" err="1"/>
+              <a:t>Frana</a:t>
+            </a:r>
+            <a:r>
+              <a:rPr lang="en-GB" sz="2300" dirty="0"/>
+              <a:t> </a:t>
+            </a:r>
+            <a:r>
+              <a:rPr lang="en-GB" sz="2300" dirty="0" err="1"/>
+              <a:t>Ramovška</a:t>
+            </a:r>
+            <a:r>
+              <a:rPr lang="en-GB" sz="2300" dirty="0"/>
+              <a:t> in </a:t>
+            </a:r>
+            <a:r>
+              <a:rPr lang="en-GB" sz="2300" dirty="0" err="1"/>
+              <a:t>avtorji</a:t>
+            </a:r>
+            <a:r>
+              <a:rPr lang="en-GB" sz="2300" dirty="0"/>
+              <a:t>. </a:t>
+            </a:r>
+            <a:r>
+              <a:rPr lang="en-GB" sz="2300" dirty="0" err="1"/>
+              <a:t>Slovar</a:t>
+            </a:r>
+            <a:r>
+              <a:rPr lang="en-GB" sz="2300" dirty="0"/>
+              <a:t> </a:t>
+            </a:r>
+            <a:r>
+              <a:rPr lang="en-GB" sz="2300" dirty="0" err="1"/>
+              <a:t>slovenskega</a:t>
+            </a:r>
+            <a:r>
+              <a:rPr lang="en-GB" sz="2300" dirty="0"/>
+              <a:t> </a:t>
+            </a:r>
+            <a:r>
+              <a:rPr lang="en-GB" sz="2300" dirty="0" err="1"/>
+              <a:t>knjižnega</a:t>
+            </a:r>
+            <a:r>
+              <a:rPr lang="en-GB" sz="2300" dirty="0"/>
+              <a:t> </a:t>
+            </a:r>
+            <a:r>
+              <a:rPr lang="en-GB" sz="2300" dirty="0" err="1"/>
+              <a:t>jezika</a:t>
+            </a:r>
+            <a:r>
+              <a:rPr lang="en-GB" sz="2300" dirty="0"/>
+              <a:t> 2. </a:t>
+            </a:r>
+            <a:r>
+              <a:rPr lang="en-GB" sz="2300" dirty="0" err="1"/>
+              <a:t>druga</a:t>
+            </a:r>
+            <a:r>
+              <a:rPr lang="en-GB" sz="2300" dirty="0"/>
+              <a:t> </a:t>
+            </a:r>
+            <a:r>
+              <a:rPr lang="en-GB" sz="2300" dirty="0" err="1"/>
+              <a:t>dopoljena</a:t>
+            </a:r>
+            <a:r>
+              <a:rPr lang="en-GB" sz="2300" dirty="0"/>
+              <a:t> in </a:t>
+            </a:r>
+            <a:r>
+              <a:rPr lang="en-GB" sz="2300" dirty="0" err="1"/>
+              <a:t>deloma</a:t>
+            </a:r>
+            <a:r>
+              <a:rPr lang="en-GB" sz="2300" dirty="0"/>
+              <a:t> </a:t>
+            </a:r>
+            <a:r>
+              <a:rPr lang="en-GB" sz="2300" dirty="0" err="1"/>
+              <a:t>prenoljena</a:t>
+            </a:r>
+            <a:r>
+              <a:rPr lang="en-GB" sz="2300" dirty="0"/>
+              <a:t> </a:t>
+            </a:r>
+            <a:r>
+              <a:rPr lang="en-GB" sz="2300" dirty="0" err="1"/>
+              <a:t>izdaja</a:t>
+            </a:r>
+            <a:r>
+              <a:rPr lang="en-GB" sz="2300" dirty="0"/>
+              <a:t>. Ljubljana : </a:t>
+            </a:r>
+            <a:r>
+              <a:rPr lang="en-GB" sz="2300" dirty="0" err="1"/>
+              <a:t>Cankarjeva</a:t>
+            </a:r>
+            <a:r>
+              <a:rPr lang="en-GB" sz="2300" dirty="0"/>
+              <a:t> </a:t>
+            </a:r>
+            <a:r>
+              <a:rPr lang="en-GB" sz="2300" dirty="0" err="1"/>
+              <a:t>založba</a:t>
+            </a:r>
+            <a:r>
+              <a:rPr lang="en-GB" sz="2300" dirty="0"/>
+              <a:t>, 2015. ISBN 978-961-282-010-7.</a:t>
+            </a:r>
+          </a:p>
+          <a:p>
+            <a:r>
+              <a:rPr lang="en-GB" sz="2300" dirty="0"/>
+              <a:t>28. </a:t>
+            </a:r>
+            <a:r>
+              <a:rPr lang="en-GB" sz="2300" dirty="0" err="1"/>
+              <a:t>GeeksforGeeks</a:t>
+            </a:r>
+            <a:r>
+              <a:rPr lang="en-GB" sz="2300" dirty="0"/>
+              <a:t>. </a:t>
+            </a:r>
+            <a:r>
+              <a:rPr lang="en-GB" sz="2300" dirty="0" err="1"/>
+              <a:t>GeeksforGeeks</a:t>
+            </a:r>
+            <a:r>
+              <a:rPr lang="en-GB" sz="2300" dirty="0"/>
+              <a:t>. Differences between JDK, JRE and JVM. [</a:t>
+            </a:r>
+            <a:r>
+              <a:rPr lang="en-GB" sz="2300" dirty="0" err="1"/>
+              <a:t>Elektronski</a:t>
+            </a:r>
+            <a:r>
+              <a:rPr lang="en-GB" sz="2300" dirty="0"/>
+              <a:t>] 10. </a:t>
+            </a:r>
+            <a:r>
+              <a:rPr lang="en-GB" sz="2300" dirty="0" err="1"/>
+              <a:t>avgust</a:t>
+            </a:r>
+            <a:r>
+              <a:rPr lang="en-GB" sz="2300" dirty="0"/>
+              <a:t> 2018. https://www.geeksforgeeks.org/differences-jdk-jre-jvm/.</a:t>
+            </a:r>
+          </a:p>
+          <a:p>
+            <a:endParaRPr lang="en-GB" dirty="0"/>
+          </a:p>
+        </p:txBody>
+      </p:sp>
+      <p:sp>
+        <p:nvSpPr>
+          <p:cNvPr id="4" name="Označba mesta datuma 3">
+            <a:extLst>
+              <a:ext uri="{FF2B5EF4-FFF2-40B4-BE49-F238E27FC236}">
+                <a16:creationId xmlns:a16="http://schemas.microsoft.com/office/drawing/2014/main" id="{870F39B5-3B39-4725-948E-97D8B310D512}"/>
+              </a:ext>
+            </a:extLst>
+          </p:cNvPr>
+          <p:cNvSpPr>
+            <a:spLocks noGrp="1"/>
+          </p:cNvSpPr>
+          <p:nvPr>
+            <p:ph type="dt" sz="half" idx="10"/>
+          </p:nvPr>
+        </p:nvSpPr>
+        <p:spPr/>
+        <p:txBody>
+          <a:bodyPr/>
+          <a:lstStyle/>
+          <a:p>
+            <a:r>
+              <a:rPr lang="sl-SI"/>
+              <a:t>april 2021</a:t>
+            </a:r>
+            <a:endParaRPr lang="en-GB"/>
+          </a:p>
+        </p:txBody>
+      </p:sp>
+      <p:sp>
+        <p:nvSpPr>
+          <p:cNvPr id="5" name="Označba mesta noge 4">
+            <a:extLst>
+              <a:ext uri="{FF2B5EF4-FFF2-40B4-BE49-F238E27FC236}">
+                <a16:creationId xmlns:a16="http://schemas.microsoft.com/office/drawing/2014/main" id="{CA55355D-D21D-49CB-B71B-8D91F89A56E6}"/>
+              </a:ext>
+            </a:extLst>
+          </p:cNvPr>
+          <p:cNvSpPr>
+            <a:spLocks noGrp="1"/>
+          </p:cNvSpPr>
+          <p:nvPr>
+            <p:ph type="ftr" sz="quarter" idx="11"/>
+          </p:nvPr>
+        </p:nvSpPr>
+        <p:spPr/>
+        <p:txBody>
+          <a:bodyPr/>
+          <a:lstStyle/>
+          <a:p>
+            <a:pPr lvl="0"/>
+            <a:r>
+              <a:rPr lang="en-GB" dirty="0">
+                <a:solidFill>
+                  <a:prstClr val="white">
+                    <a:lumMod val="65000"/>
+                  </a:prstClr>
+                </a:solidFill>
+              </a:rPr>
+              <a:t>Barbara </a:t>
+            </a:r>
+            <a:r>
+              <a:rPr lang="en-GB" dirty="0" err="1">
+                <a:solidFill>
+                  <a:prstClr val="white">
+                    <a:lumMod val="65000"/>
+                  </a:prstClr>
+                </a:solidFill>
+              </a:rPr>
+              <a:t>Kastelic</a:t>
+            </a:r>
+            <a:r>
+              <a:rPr lang="en-GB" dirty="0">
+                <a:solidFill>
+                  <a:prstClr val="white">
+                    <a:lumMod val="65000"/>
+                  </a:prstClr>
+                </a:solidFill>
+              </a:rPr>
+              <a:t>, T4a</a:t>
+            </a:r>
+          </a:p>
+        </p:txBody>
+      </p:sp>
+      <p:sp>
+        <p:nvSpPr>
+          <p:cNvPr id="6" name="Označba mesta številke diapozitiva 5">
+            <a:extLst>
+              <a:ext uri="{FF2B5EF4-FFF2-40B4-BE49-F238E27FC236}">
+                <a16:creationId xmlns:a16="http://schemas.microsoft.com/office/drawing/2014/main" id="{D5CC6AC3-C9AE-418D-B046-4D4E61C69B70}"/>
+              </a:ext>
+            </a:extLst>
+          </p:cNvPr>
+          <p:cNvSpPr>
+            <a:spLocks noGrp="1"/>
+          </p:cNvSpPr>
+          <p:nvPr>
+            <p:ph type="sldNum" sz="quarter" idx="12"/>
+          </p:nvPr>
+        </p:nvSpPr>
+        <p:spPr/>
+        <p:txBody>
+          <a:bodyPr/>
+          <a:lstStyle/>
+          <a:p>
+            <a:fld id="{F8D99867-FBE4-4848-83CC-9A906A3AD9B7}" type="slidenum">
+              <a:rPr lang="en-GB" smtClean="0"/>
+              <a:t>16</a:t>
+            </a:fld>
+            <a:endParaRPr lang="en-GB"/>
+          </a:p>
+        </p:txBody>
+      </p:sp>
+    </p:spTree>
+    <p:extLst>
+      <p:ext uri="{BB962C8B-B14F-4D97-AF65-F5344CB8AC3E}">
+        <p14:creationId xmlns:p14="http://schemas.microsoft.com/office/powerpoint/2010/main" val="2111945050"/>
+      </p:ext>
+    </p:extLst>
+  </p:cSld>
+  <p:clrMapOvr>
+    <a:masterClrMapping/>
+  </p:clrMapOvr>
+  <mc:AlternateContent xmlns:mc="http://schemas.openxmlformats.org/markup-compatibility/2006" xmlns:p159="http://schemas.microsoft.com/office/powerpoint/2015/09/main">
+    <mc:Choice Requires="p159">
+      <p:transition xmlns:p14="http://schemas.microsoft.com/office/powerpoint/2010/main" spd="slow" p14:dur="1500" advTm="2000">
+        <p159:morph option="byObject"/>
+      </p:transition>
+    </mc:Choice>
+    <mc:Fallback xmlns="">
+      <p:transition spd="slow" advTm="2000">
+        <p:fade/>
+      </p:transition>
+    </mc:Fallback>
+  </mc:AlternateContent>
 </p:sld>
 </file>
 
@@ -4029,11 +7936,20 @@
             <p:ph type="title"/>
           </p:nvPr>
         </p:nvSpPr>
-        <p:spPr/>
+        <p:spPr>
+          <a:xfrm>
+            <a:off x="838200" y="365125"/>
+            <a:ext cx="10515600" cy="1325563"/>
+          </a:xfrm>
+        </p:spPr>
         <p:txBody>
           <a:bodyPr/>
           <a:lstStyle/>
           <a:p>
+            <a:r>
+              <a:rPr lang="sl-SI"/>
+              <a:t>JAVA</a:t>
+            </a:r>
             <a:endParaRPr lang="en-GB" dirty="0"/>
           </a:p>
         </p:txBody>
@@ -4054,12 +7970,17 @@
             <p:ph idx="1"/>
           </p:nvPr>
         </p:nvSpPr>
-        <p:spPr/>
+        <p:spPr>
+          <a:xfrm>
+            <a:off x="838200" y="1825625"/>
+            <a:ext cx="10515600" cy="4351338"/>
+          </a:xfrm>
+        </p:spPr>
         <p:txBody>
           <a:bodyPr/>
           <a:lstStyle/>
           <a:p>
-            <a:endParaRPr lang="en-GB"/>
+            <a:endParaRPr lang="en-GB" dirty="0"/>
           </a:p>
         </p:txBody>
       </p:sp>
@@ -4079,7 +8000,12 @@
             <p:ph type="dt" sz="half" idx="10"/>
           </p:nvPr>
         </p:nvSpPr>
-        <p:spPr/>
+        <p:spPr>
+          <a:xfrm>
+            <a:off x="838200" y="6356350"/>
+            <a:ext cx="2743200" cy="365125"/>
+          </a:xfrm>
+        </p:spPr>
         <p:txBody>
           <a:bodyPr/>
           <a:lstStyle/>
@@ -4108,7 +8034,12 @@
             <p:ph type="sldNum" sz="quarter" idx="12"/>
           </p:nvPr>
         </p:nvSpPr>
-        <p:spPr/>
+        <p:spPr>
+          <a:xfrm>
+            <a:off x="8610600" y="6356350"/>
+            <a:ext cx="2743200" cy="365125"/>
+          </a:xfrm>
+        </p:spPr>
         <p:txBody>
           <a:bodyPr/>
           <a:lstStyle/>
@@ -4137,26 +8068,165 @@
             <p:ph type="ftr" sz="quarter" idx="11"/>
           </p:nvPr>
         </p:nvSpPr>
-        <p:spPr/>
+        <p:spPr>
+          <a:xfrm>
+            <a:off x="4038600" y="6356350"/>
+            <a:ext cx="4114800" cy="365125"/>
+          </a:xfrm>
+        </p:spPr>
         <p:txBody>
           <a:bodyPr/>
           <a:lstStyle/>
           <a:p>
             <a:r>
-              <a:rPr lang="en-GB" dirty="0"/>
-              <a:t>Barbara </a:t>
-            </a:r>
-            <a:r>
-              <a:rPr lang="en-GB" dirty="0" err="1"/>
-              <a:t>Kastelic</a:t>
-            </a:r>
-            <a:r>
-              <a:rPr lang="en-GB" dirty="0"/>
-              <a:t>, T4a</a:t>
-            </a:r>
-          </a:p>
-        </p:txBody>
-      </p:sp>
+              <a:rPr lang="en-GB"/>
+              <a:t>Barbara Kastelic, T4a</a:t>
+            </a:r>
+            <a:endParaRPr lang="en-GB" dirty="0"/>
+          </a:p>
+        </p:txBody>
+      </p:sp>
+      <p:pic>
+        <p:nvPicPr>
+          <p:cNvPr id="18" name="Slika 17">
+            <a:extLst>
+              <a:ext uri="{FF2B5EF4-FFF2-40B4-BE49-F238E27FC236}">
+                <a16:creationId xmlns:a16="http://schemas.microsoft.com/office/drawing/2014/main" id="{4DE478CC-F9F7-4948-A25E-1747B785A59A}"/>
+              </a:ext>
+            </a:extLst>
+          </p:cNvPr>
+          <p:cNvPicPr>
+            <a:picLocks noChangeAspect="1"/>
+          </p:cNvPicPr>
+          <p:nvPr/>
+        </p:nvPicPr>
+        <p:blipFill rotWithShape="1">
+          <a:blip r:embed="rId2"/>
+          <a:srcRect l="17733" b="9199"/>
+          <a:stretch/>
+        </p:blipFill>
+        <p:spPr>
+          <a:xfrm>
+            <a:off x="845508" y="0"/>
+            <a:ext cx="11346492" cy="3467100"/>
+          </a:xfrm>
+          <a:prstGeom prst="rect">
+            <a:avLst/>
+          </a:prstGeom>
+        </p:spPr>
+      </p:pic>
+      <p:pic>
+        <p:nvPicPr>
+          <p:cNvPr id="15" name="Slika 14">
+            <a:extLst>
+              <a:ext uri="{FF2B5EF4-FFF2-40B4-BE49-F238E27FC236}">
+                <a16:creationId xmlns:a16="http://schemas.microsoft.com/office/drawing/2014/main" id="{9A6A56BD-6940-4C76-897A-61B3A8E0C855}"/>
+              </a:ext>
+            </a:extLst>
+          </p:cNvPr>
+          <p:cNvPicPr>
+            <a:picLocks noChangeAspect="1"/>
+          </p:cNvPicPr>
+          <p:nvPr/>
+        </p:nvPicPr>
+        <p:blipFill rotWithShape="1">
+          <a:blip r:embed="rId3"/>
+          <a:srcRect l="10390" t="20416" r="20704" b="21251"/>
+          <a:stretch/>
+        </p:blipFill>
+        <p:spPr>
+          <a:xfrm>
+            <a:off x="5472112" y="3545228"/>
+            <a:ext cx="5362575" cy="2553607"/>
+          </a:xfrm>
+          <a:prstGeom prst="roundRect">
+            <a:avLst>
+              <a:gd name="adj" fmla="val 3397"/>
+            </a:avLst>
+          </a:prstGeom>
+        </p:spPr>
+      </p:pic>
+      <p:sp>
+        <p:nvSpPr>
+          <p:cNvPr id="21" name="PoljeZBesedilom 20">
+            <a:extLst>
+              <a:ext uri="{FF2B5EF4-FFF2-40B4-BE49-F238E27FC236}">
+                <a16:creationId xmlns:a16="http://schemas.microsoft.com/office/drawing/2014/main" id="{022C1577-792D-45B3-B8A9-6E31BF45846A}"/>
+              </a:ext>
+            </a:extLst>
+          </p:cNvPr>
+          <p:cNvSpPr txBox="1"/>
+          <p:nvPr/>
+        </p:nvSpPr>
+        <p:spPr>
+          <a:xfrm>
+            <a:off x="7624762" y="2712138"/>
+            <a:ext cx="4714875" cy="646331"/>
+          </a:xfrm>
+          <a:prstGeom prst="rect">
+            <a:avLst/>
+          </a:prstGeom>
+          <a:noFill/>
+        </p:spPr>
+        <p:txBody>
+          <a:bodyPr wrap="square" rtlCol="0">
+            <a:spAutoFit/>
+          </a:bodyPr>
+          <a:lstStyle/>
+          <a:p>
+            <a:r>
+              <a:rPr lang="sl-SI" dirty="0">
+                <a:solidFill>
+                  <a:schemeClr val="bg1">
+                    <a:lumMod val="65000"/>
+                  </a:schemeClr>
+                </a:solidFill>
+              </a:rPr>
+              <a:t>Vir slike: </a:t>
+            </a:r>
+            <a:r>
+              <a:rPr lang="en-GB" dirty="0">
+                <a:solidFill>
+                  <a:schemeClr val="bg1">
+                    <a:lumMod val="65000"/>
+                  </a:schemeClr>
+                </a:solidFill>
+              </a:rPr>
+              <a:t>https://training.infnet.edu.br/segmentos/java/</a:t>
+            </a:r>
+          </a:p>
+        </p:txBody>
+      </p:sp>
+      <p:pic>
+        <p:nvPicPr>
+          <p:cNvPr id="7" name="Slika 6">
+            <a:extLst>
+              <a:ext uri="{FF2B5EF4-FFF2-40B4-BE49-F238E27FC236}">
+                <a16:creationId xmlns:a16="http://schemas.microsoft.com/office/drawing/2014/main" id="{FE330683-F370-471A-8C93-1733A363017C}"/>
+              </a:ext>
+            </a:extLst>
+          </p:cNvPr>
+          <p:cNvPicPr>
+            <a:picLocks noChangeAspect="1"/>
+          </p:cNvPicPr>
+          <p:nvPr/>
+        </p:nvPicPr>
+        <p:blipFill>
+          <a:blip r:embed="rId4"/>
+          <a:stretch>
+            <a:fillRect/>
+          </a:stretch>
+        </p:blipFill>
+        <p:spPr>
+          <a:xfrm>
+            <a:off x="1075607" y="3563098"/>
+            <a:ext cx="3877392" cy="2517866"/>
+          </a:xfrm>
+          <a:prstGeom prst="flowChartAlternateProcess">
+            <a:avLst/>
+          </a:prstGeom>
+        </p:spPr>
+      </p:pic>
     </p:spTree>
     <p:extLst>
       <p:ext uri="{BB962C8B-B14F-4D97-AF65-F5344CB8AC3E}">
@@ -4167,6 +8237,150 @@
   <p:clrMapOvr>
     <a:masterClrMapping/>
   </p:clrMapOvr>
+  <mc:AlternateContent xmlns:mc="http://schemas.openxmlformats.org/markup-compatibility/2006" xmlns:p14="http://schemas.microsoft.com/office/powerpoint/2010/main">
+    <mc:Choice Requires="p14">
+      <p:transition spd="slow">
+        <p14:flash/>
+      </p:transition>
+    </mc:Choice>
+    <mc:Fallback xmlns="">
+      <p:transition spd="slow">
+        <p:fade/>
+      </p:transition>
+    </mc:Fallback>
+  </mc:AlternateContent>
+  <p:timing>
+    <p:tnLst>
+      <p:par>
+        <p:cTn id="1" dur="indefinite" restart="never" nodeType="tmRoot">
+          <p:childTnLst>
+            <p:seq concurrent="1" nextAc="seek">
+              <p:cTn id="2" dur="indefinite" nodeType="mainSeq">
+                <p:childTnLst>
+                  <p:par>
+                    <p:cTn id="3" fill="hold">
+                      <p:stCondLst>
+                        <p:cond delay="indefinite"/>
+                        <p:cond evt="onBegin" delay="0">
+                          <p:tn val="2"/>
+                        </p:cond>
+                      </p:stCondLst>
+                      <p:childTnLst>
+                        <p:par>
+                          <p:cTn id="4" fill="hold">
+                            <p:stCondLst>
+                              <p:cond delay="0"/>
+                            </p:stCondLst>
+                            <p:childTnLst>
+                              <p:par>
+                                <p:cTn id="5" presetID="42" presetClass="entr" presetSubtype="0" fill="hold" nodeType="afterEffect">
+                                  <p:stCondLst>
+                                    <p:cond delay="0"/>
+                                  </p:stCondLst>
+                                  <p:childTnLst>
+                                    <p:set>
+                                      <p:cBhvr>
+                                        <p:cTn id="6" dur="1" fill="hold">
+                                          <p:stCondLst>
+                                            <p:cond delay="0"/>
+                                          </p:stCondLst>
+                                        </p:cTn>
+                                        <p:tgtEl>
+                                          <p:spTgt spid="15"/>
+                                        </p:tgtEl>
+                                        <p:attrNameLst>
+                                          <p:attrName>style.visibility</p:attrName>
+                                        </p:attrNameLst>
+                                      </p:cBhvr>
+                                      <p:to>
+                                        <p:strVal val="visible"/>
+                                      </p:to>
+                                    </p:set>
+                                    <p:animEffect transition="in" filter="fade">
+                                      <p:cBhvr>
+                                        <p:cTn id="7" dur="1000"/>
+                                        <p:tgtEl>
+                                          <p:spTgt spid="15"/>
+                                        </p:tgtEl>
+                                      </p:cBhvr>
+                                    </p:animEffect>
+                                    <p:anim calcmode="lin" valueType="num">
+                                      <p:cBhvr>
+                                        <p:cTn id="8" dur="1000" fill="hold"/>
+                                        <p:tgtEl>
+                                          <p:spTgt spid="15"/>
+                                        </p:tgtEl>
+                                        <p:attrNameLst>
+                                          <p:attrName>ppt_x</p:attrName>
+                                        </p:attrNameLst>
+                                      </p:cBhvr>
+                                      <p:tavLst>
+                                        <p:tav tm="0">
+                                          <p:val>
+                                            <p:strVal val="#ppt_x"/>
+                                          </p:val>
+                                        </p:tav>
+                                        <p:tav tm="100000">
+                                          <p:val>
+                                            <p:strVal val="#ppt_x"/>
+                                          </p:val>
+                                        </p:tav>
+                                      </p:tavLst>
+                                    </p:anim>
+                                    <p:anim calcmode="lin" valueType="num">
+                                      <p:cBhvr>
+                                        <p:cTn id="9" dur="1000" fill="hold"/>
+                                        <p:tgtEl>
+                                          <p:spTgt spid="15"/>
+                                        </p:tgtEl>
+                                        <p:attrNameLst>
+                                          <p:attrName>ppt_y</p:attrName>
+                                        </p:attrNameLst>
+                                      </p:cBhvr>
+                                      <p:tavLst>
+                                        <p:tav tm="0">
+                                          <p:val>
+                                            <p:strVal val="#ppt_y+.1"/>
+                                          </p:val>
+                                        </p:tav>
+                                        <p:tav tm="100000">
+                                          <p:val>
+                                            <p:strVal val="#ppt_y"/>
+                                          </p:val>
+                                        </p:tav>
+                                      </p:tavLst>
+                                    </p:anim>
+                                  </p:childTnLst>
+                                </p:cTn>
+                              </p:par>
+                            </p:childTnLst>
+                          </p:cTn>
+                        </p:par>
+                      </p:childTnLst>
+                    </p:cTn>
+                  </p:par>
+                </p:childTnLst>
+              </p:cTn>
+              <p:prevCondLst>
+                <p:cond evt="onPrev" delay="0">
+                  <p:tgtEl>
+                    <p:sldTgt/>
+                  </p:tgtEl>
+                </p:cond>
+              </p:prevCondLst>
+              <p:nextCondLst>
+                <p:cond evt="onNext" delay="0">
+                  <p:tgtEl>
+                    <p:sldTgt/>
+                  </p:tgtEl>
+                </p:cond>
+              </p:nextCondLst>
+            </p:seq>
+          </p:childTnLst>
+        </p:cTn>
+      </p:par>
+    </p:tnLst>
+  </p:timing>
 </p:sld>
 </file>
 
@@ -4189,18 +8403,18 @@
       </p:grpSpPr>
       <p:sp>
         <p:nvSpPr>
-          <p:cNvPr id="2" name="Naslov 1">
-            <a:extLst>
-              <a:ext uri="{FF2B5EF4-FFF2-40B4-BE49-F238E27FC236}">
-                <a16:creationId xmlns:a16="http://schemas.microsoft.com/office/drawing/2014/main" id="{D712F555-8CF6-4D4A-A66C-02907EED2B94}"/>
-              </a:ext>
-            </a:extLst>
-          </p:cNvPr>
-          <p:cNvSpPr>
-            <a:spLocks noGrp="1"/>
-          </p:cNvSpPr>
-          <p:nvPr>
-            <p:ph type="title"/>
+          <p:cNvPr id="4" name="Označba mesta datuma 3">
+            <a:extLst>
+              <a:ext uri="{FF2B5EF4-FFF2-40B4-BE49-F238E27FC236}">
+                <a16:creationId xmlns:a16="http://schemas.microsoft.com/office/drawing/2014/main" id="{CF005C5B-F0CA-4D76-BC2E-23C8CB57E790}"/>
+              </a:ext>
+            </a:extLst>
+          </p:cNvPr>
+          <p:cNvSpPr>
+            <a:spLocks noGrp="1"/>
+          </p:cNvSpPr>
+          <p:nvPr>
+            <p:ph type="dt" sz="half" idx="10"/>
           </p:nvPr>
         </p:nvSpPr>
         <p:spPr/>
@@ -4208,24 +8422,28 @@
           <a:bodyPr/>
           <a:lstStyle/>
           <a:p>
-            <a:endParaRPr lang="en-GB"/>
-          </a:p>
-        </p:txBody>
-      </p:sp>
-      <p:sp>
-        <p:nvSpPr>
-          <p:cNvPr id="3" name="Označba mesta vsebine 2">
-            <a:extLst>
-              <a:ext uri="{FF2B5EF4-FFF2-40B4-BE49-F238E27FC236}">
-                <a16:creationId xmlns:a16="http://schemas.microsoft.com/office/drawing/2014/main" id="{02A01DCD-F596-4353-89B2-C532030E766D}"/>
-              </a:ext>
-            </a:extLst>
-          </p:cNvPr>
-          <p:cNvSpPr>
-            <a:spLocks noGrp="1"/>
-          </p:cNvSpPr>
-          <p:nvPr>
-            <p:ph idx="1"/>
+            <a:r>
+              <a:rPr lang="sl-SI" dirty="0"/>
+              <a:t>april 2021</a:t>
+            </a:r>
+            <a:endParaRPr lang="en-GB" dirty="0"/>
+          </a:p>
+        </p:txBody>
+      </p:sp>
+      <p:sp>
+        <p:nvSpPr>
+          <p:cNvPr id="5" name="Označba mesta noge 4">
+            <a:extLst>
+              <a:ext uri="{FF2B5EF4-FFF2-40B4-BE49-F238E27FC236}">
+                <a16:creationId xmlns:a16="http://schemas.microsoft.com/office/drawing/2014/main" id="{CAC307B6-D110-481A-ADF1-330B63734721}"/>
+              </a:ext>
+            </a:extLst>
+          </p:cNvPr>
+          <p:cNvSpPr>
+            <a:spLocks noGrp="1"/>
+          </p:cNvSpPr>
+          <p:nvPr>
+            <p:ph type="ftr" sz="quarter" idx="11"/>
           </p:nvPr>
         </p:nvSpPr>
         <p:spPr/>
@@ -4233,45 +8451,16 @@
           <a:bodyPr/>
           <a:lstStyle/>
           <a:p>
-            <a:endParaRPr lang="en-GB"/>
-          </a:p>
-        </p:txBody>
-      </p:sp>
-      <p:sp>
-        <p:nvSpPr>
-          <p:cNvPr id="4" name="Označba mesta datuma 3">
-            <a:extLst>
-              <a:ext uri="{FF2B5EF4-FFF2-40B4-BE49-F238E27FC236}">
-                <a16:creationId xmlns:a16="http://schemas.microsoft.com/office/drawing/2014/main" id="{4A657A5E-EE36-4126-AA0A-8543BA1430D3}"/>
-              </a:ext>
-            </a:extLst>
-          </p:cNvPr>
-          <p:cNvSpPr>
-            <a:spLocks noGrp="1"/>
-          </p:cNvSpPr>
-          <p:nvPr>
-            <p:ph type="dt" sz="half" idx="10"/>
-          </p:nvPr>
-        </p:nvSpPr>
-        <p:spPr/>
-        <p:txBody>
-          <a:bodyPr/>
-          <a:lstStyle/>
-          <a:p>
-            <a:r>
-              <a:rPr lang="sl-SI"/>
-              <a:t>april 2021</a:t>
-            </a:r>
-            <a:endParaRPr lang="en-GB"/>
-          </a:p>
-        </p:txBody>
-      </p:sp>
-      <p:sp>
-        <p:nvSpPr>
-          <p:cNvPr id="5" name="Označba mesta številke diapozitiva 4">
-            <a:extLst>
-              <a:ext uri="{FF2B5EF4-FFF2-40B4-BE49-F238E27FC236}">
-                <a16:creationId xmlns:a16="http://schemas.microsoft.com/office/drawing/2014/main" id="{A9CA5843-3892-4369-BE92-DF64B247D604}"/>
+            <a:endParaRPr lang="en-GB" dirty="0"/>
+          </a:p>
+        </p:txBody>
+      </p:sp>
+      <p:sp>
+        <p:nvSpPr>
+          <p:cNvPr id="6" name="Označba mesta številke diapozitiva 5">
+            <a:extLst>
+              <a:ext uri="{FF2B5EF4-FFF2-40B4-BE49-F238E27FC236}">
+                <a16:creationId xmlns:a16="http://schemas.microsoft.com/office/drawing/2014/main" id="{C5F8F66B-3444-43EB-9429-4C9559FD870D}"/>
               </a:ext>
             </a:extLst>
           </p:cNvPr>
@@ -4295,44 +8484,558 @@
           </a:p>
         </p:txBody>
       </p:sp>
-      <p:sp>
-        <p:nvSpPr>
-          <p:cNvPr id="6" name="Označba mesta noge 5">
-            <a:extLst>
-              <a:ext uri="{FF2B5EF4-FFF2-40B4-BE49-F238E27FC236}">
-                <a16:creationId xmlns:a16="http://schemas.microsoft.com/office/drawing/2014/main" id="{C7A0F4CF-E368-4C7B-BC2E-71A5C36470A5}"/>
-              </a:ext>
-            </a:extLst>
-          </p:cNvPr>
-          <p:cNvSpPr>
-            <a:spLocks noGrp="1"/>
-          </p:cNvSpPr>
-          <p:nvPr>
-            <p:ph type="ftr" sz="quarter" idx="11"/>
-          </p:nvPr>
-        </p:nvSpPr>
-        <p:spPr/>
-        <p:txBody>
-          <a:bodyPr/>
-          <a:lstStyle/>
-          <a:p>
-            <a:r>
-              <a:rPr lang="en-GB"/>
-              <a:t>Barbara Kastelic, T4a</a:t>
-            </a:r>
-          </a:p>
-        </p:txBody>
-      </p:sp>
+      <p:pic>
+        <p:nvPicPr>
+          <p:cNvPr id="8" name="Slika 7">
+            <a:extLst>
+              <a:ext uri="{FF2B5EF4-FFF2-40B4-BE49-F238E27FC236}">
+                <a16:creationId xmlns:a16="http://schemas.microsoft.com/office/drawing/2014/main" id="{9F9B0FE6-7567-44B5-9A69-DA081E73CA80}"/>
+              </a:ext>
+            </a:extLst>
+          </p:cNvPr>
+          <p:cNvPicPr>
+            <a:picLocks noChangeAspect="1"/>
+          </p:cNvPicPr>
+          <p:nvPr/>
+        </p:nvPicPr>
+        <p:blipFill>
+          <a:blip r:embed="rId2"/>
+          <a:stretch>
+            <a:fillRect/>
+          </a:stretch>
+        </p:blipFill>
+        <p:spPr>
+          <a:xfrm>
+            <a:off x="3161077" y="365125"/>
+            <a:ext cx="5316173" cy="5919729"/>
+          </a:xfrm>
+          <a:prstGeom prst="rect">
+            <a:avLst/>
+          </a:prstGeom>
+        </p:spPr>
+      </p:pic>
+      <p:sp>
+        <p:nvSpPr>
+          <p:cNvPr id="13" name="Pravokotnik: zaokroženi vogali 12">
+            <a:extLst>
+              <a:ext uri="{FF2B5EF4-FFF2-40B4-BE49-F238E27FC236}">
+                <a16:creationId xmlns:a16="http://schemas.microsoft.com/office/drawing/2014/main" id="{B277AAC3-6193-4093-8384-0F8D1A4BD84D}"/>
+              </a:ext>
+            </a:extLst>
+          </p:cNvPr>
+          <p:cNvSpPr/>
+          <p:nvPr/>
+        </p:nvSpPr>
+        <p:spPr>
+          <a:xfrm>
+            <a:off x="3161078" y="365125"/>
+            <a:ext cx="1868124" cy="2016125"/>
+          </a:xfrm>
+          <a:prstGeom prst="roundRect">
+            <a:avLst>
+              <a:gd name="adj" fmla="val 5889"/>
+            </a:avLst>
+          </a:prstGeom>
+          <a:solidFill>
+            <a:schemeClr val="accent4">
+              <a:alpha val="50000"/>
+            </a:schemeClr>
+          </a:solidFill>
+          <a:ln w="76200">
+            <a:solidFill>
+              <a:srgbClr val="FFFF00"/>
+            </a:solidFill>
+          </a:ln>
+        </p:spPr>
+        <p:style>
+          <a:lnRef idx="0">
+            <a:scrgbClr r="0" g="0" b="0"/>
+          </a:lnRef>
+          <a:fillRef idx="0">
+            <a:scrgbClr r="0" g="0" b="0"/>
+          </a:fillRef>
+          <a:effectRef idx="0">
+            <a:scrgbClr r="0" g="0" b="0"/>
+          </a:effectRef>
+          <a:fontRef idx="minor">
+            <a:schemeClr val="lt1"/>
+          </a:fontRef>
+        </p:style>
+        <p:txBody>
+          <a:bodyPr rtlCol="0" anchor="ctr"/>
+          <a:lstStyle/>
+          <a:p>
+            <a:pPr algn="ctr"/>
+            <a:endParaRPr lang="en-GB"/>
+          </a:p>
+        </p:txBody>
+      </p:sp>
+      <p:sp>
+        <p:nvSpPr>
+          <p:cNvPr id="12" name="Pravokotnik: zaokroženi vogali 11">
+            <a:extLst>
+              <a:ext uri="{FF2B5EF4-FFF2-40B4-BE49-F238E27FC236}">
+                <a16:creationId xmlns:a16="http://schemas.microsoft.com/office/drawing/2014/main" id="{A1807AE8-BF34-4B8E-9C2D-A5008B641886}"/>
+              </a:ext>
+            </a:extLst>
+          </p:cNvPr>
+          <p:cNvSpPr/>
+          <p:nvPr/>
+        </p:nvSpPr>
+        <p:spPr>
+          <a:xfrm>
+            <a:off x="4343399" y="365125"/>
+            <a:ext cx="619125" cy="5919729"/>
+          </a:xfrm>
+          <a:prstGeom prst="roundRect">
+            <a:avLst/>
+          </a:prstGeom>
+          <a:solidFill>
+            <a:schemeClr val="accent2">
+              <a:alpha val="50000"/>
+            </a:schemeClr>
+          </a:solidFill>
+          <a:ln w="76200">
+            <a:solidFill>
+              <a:srgbClr val="F4833E"/>
+            </a:solidFill>
+          </a:ln>
+        </p:spPr>
+        <p:style>
+          <a:lnRef idx="0">
+            <a:scrgbClr r="0" g="0" b="0"/>
+          </a:lnRef>
+          <a:fillRef idx="0">
+            <a:scrgbClr r="0" g="0" b="0"/>
+          </a:fillRef>
+          <a:effectRef idx="0">
+            <a:scrgbClr r="0" g="0" b="0"/>
+          </a:effectRef>
+          <a:fontRef idx="minor">
+            <a:schemeClr val="lt1"/>
+          </a:fontRef>
+        </p:style>
+        <p:txBody>
+          <a:bodyPr rtlCol="0" anchor="ctr"/>
+          <a:lstStyle/>
+          <a:p>
+            <a:pPr algn="ctr"/>
+            <a:endParaRPr lang="en-GB"/>
+          </a:p>
+        </p:txBody>
+      </p:sp>
+      <p:sp>
+        <p:nvSpPr>
+          <p:cNvPr id="11" name="Pravokotnik: zaokroženi vogali 10">
+            <a:extLst>
+              <a:ext uri="{FF2B5EF4-FFF2-40B4-BE49-F238E27FC236}">
+                <a16:creationId xmlns:a16="http://schemas.microsoft.com/office/drawing/2014/main" id="{2526783D-0C33-4674-A931-74FC796C506E}"/>
+              </a:ext>
+            </a:extLst>
+          </p:cNvPr>
+          <p:cNvSpPr/>
+          <p:nvPr/>
+        </p:nvSpPr>
+        <p:spPr>
+          <a:xfrm>
+            <a:off x="3161077" y="1066860"/>
+            <a:ext cx="5316173" cy="623828"/>
+          </a:xfrm>
+          <a:prstGeom prst="roundRect">
+            <a:avLst/>
+          </a:prstGeom>
+          <a:solidFill>
+            <a:schemeClr val="accent6">
+              <a:alpha val="50000"/>
+            </a:schemeClr>
+          </a:solidFill>
+          <a:ln w="76200">
+            <a:solidFill>
+              <a:srgbClr val="00B050"/>
+            </a:solidFill>
+          </a:ln>
+        </p:spPr>
+        <p:style>
+          <a:lnRef idx="0">
+            <a:scrgbClr r="0" g="0" b="0"/>
+          </a:lnRef>
+          <a:fillRef idx="0">
+            <a:scrgbClr r="0" g="0" b="0"/>
+          </a:fillRef>
+          <a:effectRef idx="0">
+            <a:scrgbClr r="0" g="0" b="0"/>
+          </a:effectRef>
+          <a:fontRef idx="minor">
+            <a:schemeClr val="lt1"/>
+          </a:fontRef>
+        </p:style>
+        <p:txBody>
+          <a:bodyPr rtlCol="0" anchor="ctr"/>
+          <a:lstStyle/>
+          <a:p>
+            <a:pPr algn="ctr"/>
+            <a:endParaRPr lang="en-GB"/>
+          </a:p>
+        </p:txBody>
+      </p:sp>
+      <p:pic>
+        <p:nvPicPr>
+          <p:cNvPr id="10" name="Označba mesta vsebine 9" descr="Zapri">
+            <a:extLst>
+              <a:ext uri="{FF2B5EF4-FFF2-40B4-BE49-F238E27FC236}">
+                <a16:creationId xmlns:a16="http://schemas.microsoft.com/office/drawing/2014/main" id="{748E1C71-2836-4171-97D6-1182263289E8}"/>
+              </a:ext>
+            </a:extLst>
+          </p:cNvPr>
+          <p:cNvPicPr>
+            <a:picLocks noGrp="1" noChangeAspect="1"/>
+          </p:cNvPicPr>
+          <p:nvPr>
+            <p:ph idx="4294967295"/>
+          </p:nvPr>
+        </p:nvPicPr>
+        <p:blipFill>
+          <a:blip r:embed="rId3">
+            <a:extLst>
+              <a:ext uri="{28A0092B-C50C-407E-A947-70E740481C1C}">
+                <a14:useLocalDpi xmlns:a14="http://schemas.microsoft.com/office/drawing/2010/main" val="0"/>
+              </a:ext>
+              <a:ext uri="{96DAC541-7B7A-43D3-8B79-37D633B846F1}">
+                <asvg:svgBlip xmlns:asvg="http://schemas.microsoft.com/office/drawing/2016/SVG/main" r:embed="rId4"/>
+              </a:ext>
+            </a:extLst>
+          </a:blip>
+          <a:stretch>
+            <a:fillRect/>
+          </a:stretch>
+        </p:blipFill>
+        <p:spPr>
+          <a:xfrm>
+            <a:off x="4305298" y="1025524"/>
+            <a:ext cx="695325" cy="695325"/>
+          </a:xfrm>
+        </p:spPr>
+      </p:pic>
     </p:spTree>
     <p:extLst>
       <p:ext uri="{BB962C8B-B14F-4D97-AF65-F5344CB8AC3E}">
-        <p14:creationId xmlns:p14="http://schemas.microsoft.com/office/powerpoint/2010/main" val="814896489"/>
+        <p14:creationId xmlns:p14="http://schemas.microsoft.com/office/powerpoint/2010/main" val="3515535877"/>
       </p:ext>
     </p:extLst>
   </p:cSld>
   <p:clrMapOvr>
     <a:masterClrMapping/>
   </p:clrMapOvr>
+  <p:timing>
+    <p:tnLst>
+      <p:par>
+        <p:cTn id="1" dur="indefinite" restart="never" nodeType="tmRoot">
+          <p:childTnLst>
+            <p:seq concurrent="1" nextAc="seek">
+              <p:cTn id="2" dur="indefinite" nodeType="mainSeq">
+                <p:childTnLst>
+                  <p:par>
+                    <p:cTn id="3" fill="hold">
+                      <p:stCondLst>
+                        <p:cond delay="indefinite"/>
+                      </p:stCondLst>
+                      <p:childTnLst>
+                        <p:par>
+                          <p:cTn id="4" fill="hold">
+                            <p:stCondLst>
+                              <p:cond delay="0"/>
+                            </p:stCondLst>
+                            <p:childTnLst>
+                              <p:par>
+                                <p:cTn id="5" presetID="22" presetClass="entr" presetSubtype="2" fill="hold" nodeType="clickEffect">
+                                  <p:stCondLst>
+                                    <p:cond delay="0"/>
+                                  </p:stCondLst>
+                                  <p:childTnLst>
+                                    <p:set>
+                                      <p:cBhvr>
+                                        <p:cTn id="6" dur="1" fill="hold">
+                                          <p:stCondLst>
+                                            <p:cond delay="0"/>
+                                          </p:stCondLst>
+                                        </p:cTn>
+                                        <p:tgtEl>
+                                          <p:spTgt spid="8"/>
+                                        </p:tgtEl>
+                                        <p:attrNameLst>
+                                          <p:attrName>style.visibility</p:attrName>
+                                        </p:attrNameLst>
+                                      </p:cBhvr>
+                                      <p:to>
+                                        <p:strVal val="visible"/>
+                                      </p:to>
+                                    </p:set>
+                                    <p:animEffect transition="in" filter="wipe(right)">
+                                      <p:cBhvr>
+                                        <p:cTn id="7" dur="500"/>
+                                        <p:tgtEl>
+                                          <p:spTgt spid="8"/>
+                                        </p:tgtEl>
+                                      </p:cBhvr>
+                                    </p:animEffect>
+                                  </p:childTnLst>
+                                </p:cTn>
+                              </p:par>
+                            </p:childTnLst>
+                          </p:cTn>
+                        </p:par>
+                        <p:par>
+                          <p:cTn id="8" fill="hold">
+                            <p:stCondLst>
+                              <p:cond delay="500"/>
+                            </p:stCondLst>
+                            <p:childTnLst>
+                              <p:par>
+                                <p:cTn id="9" presetID="53" presetClass="entr" presetSubtype="16" fill="hold" nodeType="afterEffect">
+                                  <p:stCondLst>
+                                    <p:cond delay="0"/>
+                                  </p:stCondLst>
+                                  <p:childTnLst>
+                                    <p:set>
+                                      <p:cBhvr>
+                                        <p:cTn id="10" dur="1" fill="hold">
+                                          <p:stCondLst>
+                                            <p:cond delay="0"/>
+                                          </p:stCondLst>
+                                        </p:cTn>
+                                        <p:tgtEl>
+                                          <p:spTgt spid="10"/>
+                                        </p:tgtEl>
+                                        <p:attrNameLst>
+                                          <p:attrName>style.visibility</p:attrName>
+                                        </p:attrNameLst>
+                                      </p:cBhvr>
+                                      <p:to>
+                                        <p:strVal val="visible"/>
+                                      </p:to>
+                                    </p:set>
+                                    <p:anim calcmode="lin" valueType="num">
+                                      <p:cBhvr>
+                                        <p:cTn id="11" dur="500" fill="hold"/>
+                                        <p:tgtEl>
+                                          <p:spTgt spid="10"/>
+                                        </p:tgtEl>
+                                        <p:attrNameLst>
+                                          <p:attrName>ppt_w</p:attrName>
+                                        </p:attrNameLst>
+                                      </p:cBhvr>
+                                      <p:tavLst>
+                                        <p:tav tm="0">
+                                          <p:val>
+                                            <p:fltVal val="0"/>
+                                          </p:val>
+                                        </p:tav>
+                                        <p:tav tm="100000">
+                                          <p:val>
+                                            <p:strVal val="#ppt_w"/>
+                                          </p:val>
+                                        </p:tav>
+                                      </p:tavLst>
+                                    </p:anim>
+                                    <p:anim calcmode="lin" valueType="num">
+                                      <p:cBhvr>
+                                        <p:cTn id="12" dur="500" fill="hold"/>
+                                        <p:tgtEl>
+                                          <p:spTgt spid="10"/>
+                                        </p:tgtEl>
+                                        <p:attrNameLst>
+                                          <p:attrName>ppt_h</p:attrName>
+                                        </p:attrNameLst>
+                                      </p:cBhvr>
+                                      <p:tavLst>
+                                        <p:tav tm="0">
+                                          <p:val>
+                                            <p:fltVal val="0"/>
+                                          </p:val>
+                                        </p:tav>
+                                        <p:tav tm="100000">
+                                          <p:val>
+                                            <p:strVal val="#ppt_h"/>
+                                          </p:val>
+                                        </p:tav>
+                                      </p:tavLst>
+                                    </p:anim>
+                                    <p:animEffect transition="in" filter="fade">
+                                      <p:cBhvr>
+                                        <p:cTn id="13" dur="500"/>
+                                        <p:tgtEl>
+                                          <p:spTgt spid="10"/>
+                                        </p:tgtEl>
+                                      </p:cBhvr>
+                                    </p:animEffect>
+                                  </p:childTnLst>
+                                </p:cTn>
+                              </p:par>
+                            </p:childTnLst>
+                          </p:cTn>
+                        </p:par>
+                        <p:par>
+                          <p:cTn id="14" fill="hold">
+                            <p:stCondLst>
+                              <p:cond delay="1000"/>
+                            </p:stCondLst>
+                            <p:childTnLst>
+                              <p:par>
+                                <p:cTn id="15" presetID="6" presetClass="entr" presetSubtype="16" fill="hold" grpId="0" nodeType="afterEffect">
+                                  <p:stCondLst>
+                                    <p:cond delay="0"/>
+                                  </p:stCondLst>
+                                  <p:childTnLst>
+                                    <p:set>
+                                      <p:cBhvr>
+                                        <p:cTn id="16" dur="1" fill="hold">
+                                          <p:stCondLst>
+                                            <p:cond delay="0"/>
+                                          </p:stCondLst>
+                                        </p:cTn>
+                                        <p:tgtEl>
+                                          <p:spTgt spid="13"/>
+                                        </p:tgtEl>
+                                        <p:attrNameLst>
+                                          <p:attrName>style.visibility</p:attrName>
+                                        </p:attrNameLst>
+                                      </p:cBhvr>
+                                      <p:to>
+                                        <p:strVal val="visible"/>
+                                      </p:to>
+                                    </p:set>
+                                    <p:animEffect transition="in" filter="circle(in)">
+                                      <p:cBhvr>
+                                        <p:cTn id="17" dur="1500"/>
+                                        <p:tgtEl>
+                                          <p:spTgt spid="13"/>
+                                        </p:tgtEl>
+                                      </p:cBhvr>
+                                    </p:animEffect>
+                                  </p:childTnLst>
+                                </p:cTn>
+                              </p:par>
+                            </p:childTnLst>
+                          </p:cTn>
+                        </p:par>
+                        <p:par>
+                          <p:cTn id="18" fill="hold">
+                            <p:stCondLst>
+                              <p:cond delay="2500"/>
+                            </p:stCondLst>
+                            <p:childTnLst>
+                              <p:par>
+                                <p:cTn id="19" presetID="4" presetClass="entr" presetSubtype="32" fill="hold" grpId="0" nodeType="afterEffect">
+                                  <p:stCondLst>
+                                    <p:cond delay="0"/>
+                                  </p:stCondLst>
+                                  <p:childTnLst>
+                                    <p:set>
+                                      <p:cBhvr>
+                                        <p:cTn id="20" dur="1" fill="hold">
+                                          <p:stCondLst>
+                                            <p:cond delay="0"/>
+                                          </p:stCondLst>
+                                        </p:cTn>
+                                        <p:tgtEl>
+                                          <p:spTgt spid="12"/>
+                                        </p:tgtEl>
+                                        <p:attrNameLst>
+                                          <p:attrName>style.visibility</p:attrName>
+                                        </p:attrNameLst>
+                                      </p:cBhvr>
+                                      <p:to>
+                                        <p:strVal val="visible"/>
+                                      </p:to>
+                                    </p:set>
+                                    <p:animEffect transition="in" filter="box(out)">
+                                      <p:cBhvr>
+                                        <p:cTn id="21" dur="1500"/>
+                                        <p:tgtEl>
+                                          <p:spTgt spid="12"/>
+                                        </p:tgtEl>
+                                      </p:cBhvr>
+                                    </p:animEffect>
+                                  </p:childTnLst>
+                                </p:cTn>
+                              </p:par>
+                            </p:childTnLst>
+                          </p:cTn>
+                        </p:par>
+                        <p:par>
+                          <p:cTn id="22" fill="hold">
+                            <p:stCondLst>
+                              <p:cond delay="4000"/>
+                            </p:stCondLst>
+                            <p:childTnLst>
+                              <p:par>
+                                <p:cTn id="23" presetID="4" presetClass="entr" presetSubtype="32" fill="hold" grpId="0" nodeType="afterEffect">
+                                  <p:stCondLst>
+                                    <p:cond delay="0"/>
+                                  </p:stCondLst>
+                                  <p:childTnLst>
+                                    <p:set>
+                                      <p:cBhvr>
+                                        <p:cTn id="24" dur="1" fill="hold">
+                                          <p:stCondLst>
+                                            <p:cond delay="0"/>
+                                          </p:stCondLst>
+                                        </p:cTn>
+                                        <p:tgtEl>
+                                          <p:spTgt spid="11"/>
+                                        </p:tgtEl>
+                                        <p:attrNameLst>
+                                          <p:attrName>style.visibility</p:attrName>
+                                        </p:attrNameLst>
+                                      </p:cBhvr>
+                                      <p:to>
+                                        <p:strVal val="visible"/>
+                                      </p:to>
+                                    </p:set>
+                                    <p:animEffect transition="in" filter="box(out)">
+                                      <p:cBhvr>
+                                        <p:cTn id="25" dur="1500"/>
+                                        <p:tgtEl>
+                                          <p:spTgt spid="11"/>
+                                        </p:tgtEl>
+                                      </p:cBhvr>
+                                    </p:animEffect>
+                                  </p:childTnLst>
+                                </p:cTn>
+                              </p:par>
+                            </p:childTnLst>
+                          </p:cTn>
+                        </p:par>
+                      </p:childTnLst>
+                    </p:cTn>
+                  </p:par>
+                </p:childTnLst>
+              </p:cTn>
+              <p:prevCondLst>
+                <p:cond evt="onPrev" delay="0">
+                  <p:tgtEl>
+                    <p:sldTgt/>
+                  </p:tgtEl>
+                </p:cond>
+              </p:prevCondLst>
+              <p:nextCondLst>
+                <p:cond evt="onNext" delay="0">
+                  <p:tgtEl>
+                    <p:sldTgt/>
+                  </p:tgtEl>
+                </p:cond>
+              </p:nextCondLst>
+            </p:seq>
+          </p:childTnLst>
+        </p:cTn>
+      </p:par>
+    </p:tnLst>
+    <p:bldLst>
+      <p:bldP spid="13" grpId="0" animBg="1"/>
+      <p:bldP spid="12" grpId="0" animBg="1"/>
+      <p:bldP spid="11" grpId="0" animBg="1"/>
+    </p:bldLst>
+  </p:timing>
 </p:sld>
 </file>
 
@@ -4353,12 +9056,42 @@
           <a:chExt cx="0" cy="0"/>
         </a:xfrm>
       </p:grpSpPr>
+      <p:pic>
+        <p:nvPicPr>
+          <p:cNvPr id="8" name="Slika 7">
+            <a:extLst>
+              <a:ext uri="{FF2B5EF4-FFF2-40B4-BE49-F238E27FC236}">
+                <a16:creationId xmlns:a16="http://schemas.microsoft.com/office/drawing/2014/main" id="{7DF9A46D-B934-4AFD-AF45-10FD49DFDC96}"/>
+              </a:ext>
+            </a:extLst>
+          </p:cNvPr>
+          <p:cNvPicPr>
+            <a:picLocks noChangeAspect="1"/>
+          </p:cNvPicPr>
+          <p:nvPr/>
+        </p:nvPicPr>
+        <p:blipFill>
+          <a:blip r:embed="rId2"/>
+          <a:stretch>
+            <a:fillRect/>
+          </a:stretch>
+        </p:blipFill>
+        <p:spPr>
+          <a:xfrm>
+            <a:off x="3160343" y="1690688"/>
+            <a:ext cx="4993057" cy="4523624"/>
+          </a:xfrm>
+          <a:prstGeom prst="rect">
+            <a:avLst/>
+          </a:prstGeom>
+        </p:spPr>
+      </p:pic>
       <p:sp>
         <p:nvSpPr>
           <p:cNvPr id="2" name="Naslov 1">
             <a:extLst>
               <a:ext uri="{FF2B5EF4-FFF2-40B4-BE49-F238E27FC236}">
-                <a16:creationId xmlns:a16="http://schemas.microsoft.com/office/drawing/2014/main" id="{B2DF2FB9-41C7-40BD-9B5F-DB6D8C848782}"/>
+                <a16:creationId xmlns:a16="http://schemas.microsoft.com/office/drawing/2014/main" id="{D712F555-8CF6-4D4A-A66C-02907EED2B94}"/>
               </a:ext>
             </a:extLst>
           </p:cNvPr>
@@ -4374,32 +9107,11 @@
           <a:bodyPr/>
           <a:lstStyle/>
           <a:p>
-            <a:endParaRPr lang="en-GB"/>
-          </a:p>
-        </p:txBody>
-      </p:sp>
-      <p:sp>
-        <p:nvSpPr>
-          <p:cNvPr id="3" name="Označba mesta vsebine 2">
-            <a:extLst>
-              <a:ext uri="{FF2B5EF4-FFF2-40B4-BE49-F238E27FC236}">
-                <a16:creationId xmlns:a16="http://schemas.microsoft.com/office/drawing/2014/main" id="{D63D930D-41BE-418F-9FD8-FE7E9F039718}"/>
-              </a:ext>
-            </a:extLst>
-          </p:cNvPr>
-          <p:cNvSpPr>
-            <a:spLocks noGrp="1"/>
-          </p:cNvSpPr>
-          <p:nvPr>
-            <p:ph idx="1"/>
-          </p:nvPr>
-        </p:nvSpPr>
-        <p:spPr/>
-        <p:txBody>
-          <a:bodyPr/>
-          <a:lstStyle/>
-          <a:p>
-            <a:endParaRPr lang="en-GB"/>
+            <a:r>
+              <a:rPr lang="sl-SI" dirty="0"/>
+              <a:t>PROGRAM SUDOKU</a:t>
+            </a:r>
+            <a:endParaRPr lang="en-GB" dirty="0"/>
           </a:p>
         </p:txBody>
       </p:sp>
@@ -4408,7 +9120,7 @@
           <p:cNvPr id="4" name="Označba mesta datuma 3">
             <a:extLst>
               <a:ext uri="{FF2B5EF4-FFF2-40B4-BE49-F238E27FC236}">
-                <a16:creationId xmlns:a16="http://schemas.microsoft.com/office/drawing/2014/main" id="{A26E8A46-1BCA-45C9-ACA1-438C2607E93C}"/>
+                <a16:creationId xmlns:a16="http://schemas.microsoft.com/office/drawing/2014/main" id="{4A657A5E-EE36-4126-AA0A-8543BA1430D3}"/>
               </a:ext>
             </a:extLst>
           </p:cNvPr>
@@ -4437,7 +9149,7 @@
           <p:cNvPr id="5" name="Označba mesta številke diapozitiva 4">
             <a:extLst>
               <a:ext uri="{FF2B5EF4-FFF2-40B4-BE49-F238E27FC236}">
-                <a16:creationId xmlns:a16="http://schemas.microsoft.com/office/drawing/2014/main" id="{70CCE3B0-5BA4-48DA-9D8B-FC74C1059C2B}"/>
+                <a16:creationId xmlns:a16="http://schemas.microsoft.com/office/drawing/2014/main" id="{A9CA5843-3892-4369-BE92-DF64B247D604}"/>
               </a:ext>
             </a:extLst>
           </p:cNvPr>
@@ -4466,7 +9178,7 @@
           <p:cNvPr id="6" name="Označba mesta noge 5">
             <a:extLst>
               <a:ext uri="{FF2B5EF4-FFF2-40B4-BE49-F238E27FC236}">
-                <a16:creationId xmlns:a16="http://schemas.microsoft.com/office/drawing/2014/main" id="{568B6510-22CE-49D0-A8CF-55475C1A9784}"/>
+                <a16:creationId xmlns:a16="http://schemas.microsoft.com/office/drawing/2014/main" id="{C7A0F4CF-E368-4C7B-BC2E-71A5C36470A5}"/>
               </a:ext>
             </a:extLst>
           </p:cNvPr>
@@ -4486,19 +9198,758 @@
               <a:rPr lang="en-GB"/>
               <a:t>Barbara Kastelic, T4a</a:t>
             </a:r>
+          </a:p>
+        </p:txBody>
+      </p:sp>
+      <p:cxnSp>
+        <p:nvCxnSpPr>
+          <p:cNvPr id="13" name="Raven puščični povezovalnik 12">
+            <a:extLst>
+              <a:ext uri="{FF2B5EF4-FFF2-40B4-BE49-F238E27FC236}">
+                <a16:creationId xmlns:a16="http://schemas.microsoft.com/office/drawing/2014/main" id="{F9187BE3-FBA3-4ABB-AEB1-2FA6D280F5AD}"/>
+              </a:ext>
+            </a:extLst>
+          </p:cNvPr>
+          <p:cNvCxnSpPr>
+            <a:cxnSpLocks/>
+          </p:cNvCxnSpPr>
+          <p:nvPr/>
+        </p:nvCxnSpPr>
+        <p:spPr>
+          <a:xfrm>
+            <a:off x="7966085" y="4143307"/>
+            <a:ext cx="836544" cy="0"/>
+          </a:xfrm>
+          <a:prstGeom prst="straightConnector1">
+            <a:avLst/>
+          </a:prstGeom>
+          <a:ln w="19050">
+            <a:solidFill>
+              <a:srgbClr val="F4833E"/>
+            </a:solidFill>
+            <a:tailEnd type="triangle"/>
+          </a:ln>
+        </p:spPr>
+        <p:style>
+          <a:lnRef idx="1">
+            <a:schemeClr val="accent1"/>
+          </a:lnRef>
+          <a:fillRef idx="0">
+            <a:schemeClr val="accent1"/>
+          </a:fillRef>
+          <a:effectRef idx="0">
+            <a:schemeClr val="accent1"/>
+          </a:effectRef>
+          <a:fontRef idx="minor">
+            <a:schemeClr val="tx1"/>
+          </a:fontRef>
+        </p:style>
+      </p:cxnSp>
+      <p:cxnSp>
+        <p:nvCxnSpPr>
+          <p:cNvPr id="15" name="Raven puščični povezovalnik 14">
+            <a:extLst>
+              <a:ext uri="{FF2B5EF4-FFF2-40B4-BE49-F238E27FC236}">
+                <a16:creationId xmlns:a16="http://schemas.microsoft.com/office/drawing/2014/main" id="{B29292FA-1C1D-457E-AB6C-77620113C1FD}"/>
+              </a:ext>
+            </a:extLst>
+          </p:cNvPr>
+          <p:cNvCxnSpPr>
+            <a:cxnSpLocks/>
+          </p:cNvCxnSpPr>
+          <p:nvPr/>
+        </p:nvCxnSpPr>
+        <p:spPr>
+          <a:xfrm>
+            <a:off x="7966085" y="3477144"/>
+            <a:ext cx="824948" cy="0"/>
+          </a:xfrm>
+          <a:prstGeom prst="straightConnector1">
+            <a:avLst/>
+          </a:prstGeom>
+          <a:ln w="19050">
+            <a:solidFill>
+              <a:srgbClr val="F4833E"/>
+            </a:solidFill>
+            <a:tailEnd type="triangle"/>
+          </a:ln>
+        </p:spPr>
+        <p:style>
+          <a:lnRef idx="1">
+            <a:schemeClr val="accent1"/>
+          </a:lnRef>
+          <a:fillRef idx="0">
+            <a:schemeClr val="accent1"/>
+          </a:fillRef>
+          <a:effectRef idx="0">
+            <a:schemeClr val="accent1"/>
+          </a:effectRef>
+          <a:fontRef idx="minor">
+            <a:schemeClr val="tx1"/>
+          </a:fontRef>
+        </p:style>
+      </p:cxnSp>
+      <p:sp>
+        <p:nvSpPr>
+          <p:cNvPr id="18" name="Pravokotnik: zaokroženi vogali 17">
+            <a:extLst>
+              <a:ext uri="{FF2B5EF4-FFF2-40B4-BE49-F238E27FC236}">
+                <a16:creationId xmlns:a16="http://schemas.microsoft.com/office/drawing/2014/main" id="{A7EB1365-C033-44DF-9426-8A9D1CA355BD}"/>
+              </a:ext>
+            </a:extLst>
+          </p:cNvPr>
+          <p:cNvSpPr/>
+          <p:nvPr/>
+        </p:nvSpPr>
+        <p:spPr>
+          <a:xfrm>
+            <a:off x="3276473" y="4994137"/>
+            <a:ext cx="4770782" cy="1113183"/>
+          </a:xfrm>
+          <a:prstGeom prst="roundRect">
+            <a:avLst/>
+          </a:prstGeom>
+          <a:noFill/>
+          <a:ln w="19050" cap="flat" cmpd="sng" algn="ctr">
+            <a:solidFill>
+              <a:schemeClr val="accent2"/>
+            </a:solidFill>
+            <a:prstDash val="sysDot"/>
+            <a:round/>
+            <a:headEnd type="none" w="med" len="med"/>
+            <a:tailEnd type="none" w="med" len="med"/>
+          </a:ln>
+        </p:spPr>
+        <p:style>
+          <a:lnRef idx="0">
+            <a:scrgbClr r="0" g="0" b="0"/>
+          </a:lnRef>
+          <a:fillRef idx="0">
+            <a:scrgbClr r="0" g="0" b="0"/>
+          </a:fillRef>
+          <a:effectRef idx="0">
+            <a:scrgbClr r="0" g="0" b="0"/>
+          </a:effectRef>
+          <a:fontRef idx="minor">
+            <a:schemeClr val="accent2"/>
+          </a:fontRef>
+        </p:style>
+        <p:txBody>
+          <a:bodyPr rtlCol="0" anchor="ctr"/>
+          <a:lstStyle/>
+          <a:p>
+            <a:pPr algn="ctr"/>
+            <a:endParaRPr lang="en-GB"/>
+          </a:p>
+        </p:txBody>
+      </p:sp>
+      <p:sp>
+        <p:nvSpPr>
+          <p:cNvPr id="19" name="Desni zaviti oklepaj 18">
+            <a:extLst>
+              <a:ext uri="{FF2B5EF4-FFF2-40B4-BE49-F238E27FC236}">
+                <a16:creationId xmlns:a16="http://schemas.microsoft.com/office/drawing/2014/main" id="{6A68E372-1C2A-46E2-88BB-677C4A1B183B}"/>
+              </a:ext>
+            </a:extLst>
+          </p:cNvPr>
+          <p:cNvSpPr/>
+          <p:nvPr/>
+        </p:nvSpPr>
+        <p:spPr>
+          <a:xfrm>
+            <a:off x="8146216" y="4994137"/>
+            <a:ext cx="544200" cy="1103243"/>
+          </a:xfrm>
+          <a:prstGeom prst="rightBrace">
+            <a:avLst>
+              <a:gd name="adj1" fmla="val 87005"/>
+              <a:gd name="adj2" fmla="val 50000"/>
+            </a:avLst>
+          </a:prstGeom>
+          <a:ln w="19050">
+            <a:solidFill>
+              <a:srgbClr val="F4833E"/>
+            </a:solidFill>
+          </a:ln>
+        </p:spPr>
+        <p:style>
+          <a:lnRef idx="1">
+            <a:schemeClr val="accent1"/>
+          </a:lnRef>
+          <a:fillRef idx="0">
+            <a:schemeClr val="accent1"/>
+          </a:fillRef>
+          <a:effectRef idx="0">
+            <a:schemeClr val="accent1"/>
+          </a:effectRef>
+          <a:fontRef idx="minor">
+            <a:schemeClr val="tx1"/>
+          </a:fontRef>
+        </p:style>
+        <p:txBody>
+          <a:bodyPr rtlCol="0" anchor="ctr"/>
+          <a:lstStyle/>
+          <a:p>
+            <a:pPr algn="ctr"/>
+            <a:endParaRPr lang="en-GB"/>
+          </a:p>
+        </p:txBody>
+      </p:sp>
+      <p:sp>
+        <p:nvSpPr>
+          <p:cNvPr id="24" name="PoljeZBesedilom 23">
+            <a:extLst>
+              <a:ext uri="{FF2B5EF4-FFF2-40B4-BE49-F238E27FC236}">
+                <a16:creationId xmlns:a16="http://schemas.microsoft.com/office/drawing/2014/main" id="{236EBF64-625E-4F42-AB16-380E611043F8}"/>
+              </a:ext>
+            </a:extLst>
+          </p:cNvPr>
+          <p:cNvSpPr txBox="1"/>
+          <p:nvPr/>
+        </p:nvSpPr>
+        <p:spPr>
+          <a:xfrm>
+            <a:off x="8802628" y="3952500"/>
+            <a:ext cx="1769165" cy="369332"/>
+          </a:xfrm>
+          <a:prstGeom prst="rect">
+            <a:avLst/>
+          </a:prstGeom>
+          <a:noFill/>
+        </p:spPr>
+        <p:txBody>
+          <a:bodyPr wrap="square" rtlCol="0">
+            <a:spAutoFit/>
+          </a:bodyPr>
+          <a:lstStyle/>
+          <a:p>
+            <a:r>
+              <a:rPr lang="sl-SI" dirty="0" err="1">
+                <a:solidFill>
+                  <a:schemeClr val="bg1"/>
+                </a:solidFill>
+              </a:rPr>
+              <a:t>GUImreza</a:t>
+            </a:r>
+            <a:endParaRPr lang="en-GB" dirty="0">
+              <a:solidFill>
+                <a:schemeClr val="bg1"/>
+              </a:solidFill>
+            </a:endParaRPr>
+          </a:p>
+        </p:txBody>
+      </p:sp>
+      <p:sp>
+        <p:nvSpPr>
+          <p:cNvPr id="25" name="PoljeZBesedilom 24">
+            <a:extLst>
+              <a:ext uri="{FF2B5EF4-FFF2-40B4-BE49-F238E27FC236}">
+                <a16:creationId xmlns:a16="http://schemas.microsoft.com/office/drawing/2014/main" id="{89D5B2B7-F450-4E2B-83D6-CD441702E1E3}"/>
+              </a:ext>
+            </a:extLst>
+          </p:cNvPr>
+          <p:cNvSpPr txBox="1"/>
+          <p:nvPr/>
+        </p:nvSpPr>
+        <p:spPr>
+          <a:xfrm>
+            <a:off x="8802628" y="3292478"/>
+            <a:ext cx="1769165" cy="369332"/>
+          </a:xfrm>
+          <a:prstGeom prst="rect">
+            <a:avLst/>
+          </a:prstGeom>
+          <a:noFill/>
+        </p:spPr>
+        <p:txBody>
+          <a:bodyPr wrap="square" rtlCol="0">
+            <a:spAutoFit/>
+          </a:bodyPr>
+          <a:lstStyle/>
+          <a:p>
+            <a:r>
+              <a:rPr lang="sl-SI" dirty="0">
+                <a:solidFill>
+                  <a:schemeClr val="bg1"/>
+                </a:solidFill>
+              </a:rPr>
+              <a:t>GUI</a:t>
+            </a:r>
+            <a:endParaRPr lang="en-GB" dirty="0">
+              <a:solidFill>
+                <a:schemeClr val="bg1"/>
+              </a:solidFill>
+            </a:endParaRPr>
+          </a:p>
+        </p:txBody>
+      </p:sp>
+      <p:sp>
+        <p:nvSpPr>
+          <p:cNvPr id="26" name="PoljeZBesedilom 25">
+            <a:extLst>
+              <a:ext uri="{FF2B5EF4-FFF2-40B4-BE49-F238E27FC236}">
+                <a16:creationId xmlns:a16="http://schemas.microsoft.com/office/drawing/2014/main" id="{E5969472-EEF3-444E-895A-701B56827FA9}"/>
+              </a:ext>
+            </a:extLst>
+          </p:cNvPr>
+          <p:cNvSpPr txBox="1"/>
+          <p:nvPr/>
+        </p:nvSpPr>
+        <p:spPr>
+          <a:xfrm>
+            <a:off x="8802629" y="5355807"/>
+            <a:ext cx="1769165" cy="369332"/>
+          </a:xfrm>
+          <a:prstGeom prst="rect">
+            <a:avLst/>
+          </a:prstGeom>
+          <a:noFill/>
+        </p:spPr>
+        <p:txBody>
+          <a:bodyPr wrap="square" rtlCol="0">
+            <a:spAutoFit/>
+          </a:bodyPr>
+          <a:lstStyle/>
+          <a:p>
+            <a:r>
+              <a:rPr lang="sl-SI" dirty="0">
+                <a:solidFill>
+                  <a:schemeClr val="bg1"/>
+                </a:solidFill>
+              </a:rPr>
+              <a:t>generiraj</a:t>
+            </a:r>
+            <a:endParaRPr lang="en-GB" dirty="0">
+              <a:solidFill>
+                <a:schemeClr val="bg1"/>
+              </a:solidFill>
+            </a:endParaRPr>
           </a:p>
         </p:txBody>
       </p:sp>
     </p:spTree>
     <p:extLst>
       <p:ext uri="{BB962C8B-B14F-4D97-AF65-F5344CB8AC3E}">
-        <p14:creationId xmlns:p14="http://schemas.microsoft.com/office/powerpoint/2010/main" val="2506860978"/>
+        <p14:creationId xmlns:p14="http://schemas.microsoft.com/office/powerpoint/2010/main" val="814896489"/>
       </p:ext>
     </p:extLst>
   </p:cSld>
   <p:clrMapOvr>
     <a:masterClrMapping/>
   </p:clrMapOvr>
+  <mc:AlternateContent xmlns:mc="http://schemas.openxmlformats.org/markup-compatibility/2006" xmlns:p159="http://schemas.microsoft.com/office/powerpoint/2015/09/main">
+    <mc:Choice Requires="p159">
+      <p:transition xmlns:p14="http://schemas.microsoft.com/office/powerpoint/2010/main" spd="slow" p14:dur="2000">
+        <p159:morph option="byObject"/>
+      </p:transition>
+    </mc:Choice>
+    <mc:Fallback xmlns="">
+      <p:transition spd="slow">
+        <p:fade/>
+      </p:transition>
+    </mc:Fallback>
+  </mc:AlternateContent>
+  <p:timing>
+    <p:tnLst>
+      <p:par>
+        <p:cTn id="1" dur="indefinite" restart="never" nodeType="tmRoot">
+          <p:childTnLst>
+            <p:seq concurrent="1" nextAc="seek">
+              <p:cTn id="2" dur="indefinite" nodeType="mainSeq">
+                <p:childTnLst>
+                  <p:par>
+                    <p:cTn id="3" fill="hold">
+                      <p:stCondLst>
+                        <p:cond delay="indefinite"/>
+                        <p:cond evt="onBegin" delay="0">
+                          <p:tn val="2"/>
+                        </p:cond>
+                      </p:stCondLst>
+                      <p:childTnLst>
+                        <p:par>
+                          <p:cTn id="4" fill="hold">
+                            <p:stCondLst>
+                              <p:cond delay="0"/>
+                            </p:stCondLst>
+                            <p:childTnLst>
+                              <p:par>
+                                <p:cTn id="5" presetID="22" presetClass="entr" presetSubtype="8" fill="hold" nodeType="withEffect">
+                                  <p:stCondLst>
+                                    <p:cond delay="0"/>
+                                  </p:stCondLst>
+                                  <p:childTnLst>
+                                    <p:set>
+                                      <p:cBhvr>
+                                        <p:cTn id="6" dur="1" fill="hold">
+                                          <p:stCondLst>
+                                            <p:cond delay="0"/>
+                                          </p:stCondLst>
+                                        </p:cTn>
+                                        <p:tgtEl>
+                                          <p:spTgt spid="8"/>
+                                        </p:tgtEl>
+                                        <p:attrNameLst>
+                                          <p:attrName>style.visibility</p:attrName>
+                                        </p:attrNameLst>
+                                      </p:cBhvr>
+                                      <p:to>
+                                        <p:strVal val="visible"/>
+                                      </p:to>
+                                    </p:set>
+                                    <p:animEffect transition="in" filter="wipe(left)">
+                                      <p:cBhvr>
+                                        <p:cTn id="7" dur="500"/>
+                                        <p:tgtEl>
+                                          <p:spTgt spid="8"/>
+                                        </p:tgtEl>
+                                      </p:cBhvr>
+                                    </p:animEffect>
+                                  </p:childTnLst>
+                                </p:cTn>
+                              </p:par>
+                            </p:childTnLst>
+                          </p:cTn>
+                        </p:par>
+                        <p:par>
+                          <p:cTn id="8" fill="hold">
+                            <p:stCondLst>
+                              <p:cond delay="500"/>
+                            </p:stCondLst>
+                            <p:childTnLst>
+                              <p:par>
+                                <p:cTn id="9" presetID="10" presetClass="entr" presetSubtype="0" fill="hold" nodeType="afterEffect">
+                                  <p:stCondLst>
+                                    <p:cond delay="0"/>
+                                  </p:stCondLst>
+                                  <p:childTnLst>
+                                    <p:set>
+                                      <p:cBhvr>
+                                        <p:cTn id="10" dur="1" fill="hold">
+                                          <p:stCondLst>
+                                            <p:cond delay="0"/>
+                                          </p:stCondLst>
+                                        </p:cTn>
+                                        <p:tgtEl>
+                                          <p:spTgt spid="15"/>
+                                        </p:tgtEl>
+                                        <p:attrNameLst>
+                                          <p:attrName>style.visibility</p:attrName>
+                                        </p:attrNameLst>
+                                      </p:cBhvr>
+                                      <p:to>
+                                        <p:strVal val="visible"/>
+                                      </p:to>
+                                    </p:set>
+                                    <p:animEffect transition="in" filter="fade">
+                                      <p:cBhvr>
+                                        <p:cTn id="11" dur="500"/>
+                                        <p:tgtEl>
+                                          <p:spTgt spid="15"/>
+                                        </p:tgtEl>
+                                      </p:cBhvr>
+                                    </p:animEffect>
+                                  </p:childTnLst>
+                                </p:cTn>
+                              </p:par>
+                            </p:childTnLst>
+                          </p:cTn>
+                        </p:par>
+                        <p:par>
+                          <p:cTn id="12" fill="hold">
+                            <p:stCondLst>
+                              <p:cond delay="1000"/>
+                            </p:stCondLst>
+                            <p:childTnLst>
+                              <p:par>
+                                <p:cTn id="13" presetID="10" presetClass="entr" presetSubtype="0" fill="hold" grpId="0" nodeType="afterEffect">
+                                  <p:stCondLst>
+                                    <p:cond delay="0"/>
+                                  </p:stCondLst>
+                                  <p:childTnLst>
+                                    <p:set>
+                                      <p:cBhvr>
+                                        <p:cTn id="14" dur="1" fill="hold">
+                                          <p:stCondLst>
+                                            <p:cond delay="0"/>
+                                          </p:stCondLst>
+                                        </p:cTn>
+                                        <p:tgtEl>
+                                          <p:spTgt spid="25"/>
+                                        </p:tgtEl>
+                                        <p:attrNameLst>
+                                          <p:attrName>style.visibility</p:attrName>
+                                        </p:attrNameLst>
+                                      </p:cBhvr>
+                                      <p:to>
+                                        <p:strVal val="visible"/>
+                                      </p:to>
+                                    </p:set>
+                                    <p:animEffect transition="in" filter="fade">
+                                      <p:cBhvr>
+                                        <p:cTn id="15" dur="500"/>
+                                        <p:tgtEl>
+                                          <p:spTgt spid="25"/>
+                                        </p:tgtEl>
+                                      </p:cBhvr>
+                                    </p:animEffect>
+                                  </p:childTnLst>
+                                </p:cTn>
+                              </p:par>
+                            </p:childTnLst>
+                          </p:cTn>
+                        </p:par>
+                        <p:par>
+                          <p:cTn id="16" fill="hold">
+                            <p:stCondLst>
+                              <p:cond delay="1500"/>
+                            </p:stCondLst>
+                            <p:childTnLst>
+                              <p:par>
+                                <p:cTn id="17" presetID="10" presetClass="entr" presetSubtype="0" fill="hold" nodeType="afterEffect">
+                                  <p:stCondLst>
+                                    <p:cond delay="0"/>
+                                  </p:stCondLst>
+                                  <p:childTnLst>
+                                    <p:set>
+                                      <p:cBhvr>
+                                        <p:cTn id="18" dur="1" fill="hold">
+                                          <p:stCondLst>
+                                            <p:cond delay="0"/>
+                                          </p:stCondLst>
+                                        </p:cTn>
+                                        <p:tgtEl>
+                                          <p:spTgt spid="13"/>
+                                        </p:tgtEl>
+                                        <p:attrNameLst>
+                                          <p:attrName>style.visibility</p:attrName>
+                                        </p:attrNameLst>
+                                      </p:cBhvr>
+                                      <p:to>
+                                        <p:strVal val="visible"/>
+                                      </p:to>
+                                    </p:set>
+                                    <p:animEffect transition="in" filter="fade">
+                                      <p:cBhvr>
+                                        <p:cTn id="19" dur="500"/>
+                                        <p:tgtEl>
+                                          <p:spTgt spid="13"/>
+                                        </p:tgtEl>
+                                      </p:cBhvr>
+                                    </p:animEffect>
+                                  </p:childTnLst>
+                                </p:cTn>
+                              </p:par>
+                            </p:childTnLst>
+                          </p:cTn>
+                        </p:par>
+                        <p:par>
+                          <p:cTn id="20" fill="hold">
+                            <p:stCondLst>
+                              <p:cond delay="2000"/>
+                            </p:stCondLst>
+                            <p:childTnLst>
+                              <p:par>
+                                <p:cTn id="21" presetID="10" presetClass="entr" presetSubtype="0" fill="hold" grpId="0" nodeType="afterEffect">
+                                  <p:stCondLst>
+                                    <p:cond delay="0"/>
+                                  </p:stCondLst>
+                                  <p:childTnLst>
+                                    <p:set>
+                                      <p:cBhvr>
+                                        <p:cTn id="22" dur="1" fill="hold">
+                                          <p:stCondLst>
+                                            <p:cond delay="0"/>
+                                          </p:stCondLst>
+                                        </p:cTn>
+                                        <p:tgtEl>
+                                          <p:spTgt spid="24"/>
+                                        </p:tgtEl>
+                                        <p:attrNameLst>
+                                          <p:attrName>style.visibility</p:attrName>
+                                        </p:attrNameLst>
+                                      </p:cBhvr>
+                                      <p:to>
+                                        <p:strVal val="visible"/>
+                                      </p:to>
+                                    </p:set>
+                                    <p:animEffect transition="in" filter="fade">
+                                      <p:cBhvr>
+                                        <p:cTn id="23" dur="500"/>
+                                        <p:tgtEl>
+                                          <p:spTgt spid="24"/>
+                                        </p:tgtEl>
+                                      </p:cBhvr>
+                                    </p:animEffect>
+                                  </p:childTnLst>
+                                </p:cTn>
+                              </p:par>
+                            </p:childTnLst>
+                          </p:cTn>
+                        </p:par>
+                        <p:par>
+                          <p:cTn id="24" fill="hold">
+                            <p:stCondLst>
+                              <p:cond delay="2500"/>
+                            </p:stCondLst>
+                            <p:childTnLst>
+                              <p:par>
+                                <p:cTn id="25" presetID="6" presetClass="entr" presetSubtype="16" fill="hold" grpId="0" nodeType="afterEffect">
+                                  <p:stCondLst>
+                                    <p:cond delay="0"/>
+                                  </p:stCondLst>
+                                  <p:childTnLst>
+                                    <p:set>
+                                      <p:cBhvr>
+                                        <p:cTn id="26" dur="1" fill="hold">
+                                          <p:stCondLst>
+                                            <p:cond delay="0"/>
+                                          </p:stCondLst>
+                                        </p:cTn>
+                                        <p:tgtEl>
+                                          <p:spTgt spid="18"/>
+                                        </p:tgtEl>
+                                        <p:attrNameLst>
+                                          <p:attrName>style.visibility</p:attrName>
+                                        </p:attrNameLst>
+                                      </p:cBhvr>
+                                      <p:to>
+                                        <p:strVal val="visible"/>
+                                      </p:to>
+                                    </p:set>
+                                    <p:animEffect transition="in" filter="circle(in)">
+                                      <p:cBhvr>
+                                        <p:cTn id="27" dur="500"/>
+                                        <p:tgtEl>
+                                          <p:spTgt spid="18"/>
+                                        </p:tgtEl>
+                                      </p:cBhvr>
+                                    </p:animEffect>
+                                  </p:childTnLst>
+                                </p:cTn>
+                              </p:par>
+                            </p:childTnLst>
+                          </p:cTn>
+                        </p:par>
+                        <p:par>
+                          <p:cTn id="28" fill="hold">
+                            <p:stCondLst>
+                              <p:cond delay="3000"/>
+                            </p:stCondLst>
+                            <p:childTnLst>
+                              <p:par>
+                                <p:cTn id="29" presetID="10" presetClass="entr" presetSubtype="0" fill="hold" grpId="0" nodeType="afterEffect">
+                                  <p:stCondLst>
+                                    <p:cond delay="0"/>
+                                  </p:stCondLst>
+                                  <p:childTnLst>
+                                    <p:set>
+                                      <p:cBhvr>
+                                        <p:cTn id="30" dur="1" fill="hold">
+                                          <p:stCondLst>
+                                            <p:cond delay="0"/>
+                                          </p:stCondLst>
+                                        </p:cTn>
+                                        <p:tgtEl>
+                                          <p:spTgt spid="19"/>
+                                        </p:tgtEl>
+                                        <p:attrNameLst>
+                                          <p:attrName>style.visibility</p:attrName>
+                                        </p:attrNameLst>
+                                      </p:cBhvr>
+                                      <p:to>
+                                        <p:strVal val="visible"/>
+                                      </p:to>
+                                    </p:set>
+                                    <p:animEffect transition="in" filter="fade">
+                                      <p:cBhvr>
+                                        <p:cTn id="31" dur="500"/>
+                                        <p:tgtEl>
+                                          <p:spTgt spid="19"/>
+                                        </p:tgtEl>
+                                      </p:cBhvr>
+                                    </p:animEffect>
+                                  </p:childTnLst>
+                                </p:cTn>
+                              </p:par>
+                            </p:childTnLst>
+                          </p:cTn>
+                        </p:par>
+                        <p:par>
+                          <p:cTn id="32" fill="hold">
+                            <p:stCondLst>
+                              <p:cond delay="3500"/>
+                            </p:stCondLst>
+                            <p:childTnLst>
+                              <p:par>
+                                <p:cTn id="33" presetID="10" presetClass="entr" presetSubtype="0" fill="hold" grpId="0" nodeType="afterEffect">
+                                  <p:stCondLst>
+                                    <p:cond delay="0"/>
+                                  </p:stCondLst>
+                                  <p:childTnLst>
+                                    <p:set>
+                                      <p:cBhvr>
+                                        <p:cTn id="34" dur="1" fill="hold">
+                                          <p:stCondLst>
+                                            <p:cond delay="0"/>
+                                          </p:stCondLst>
+                                        </p:cTn>
+                                        <p:tgtEl>
+                                          <p:spTgt spid="26"/>
+                                        </p:tgtEl>
+                                        <p:attrNameLst>
+                                          <p:attrName>style.visibility</p:attrName>
+                                        </p:attrNameLst>
+                                      </p:cBhvr>
+                                      <p:to>
+                                        <p:strVal val="visible"/>
+                                      </p:to>
+                                    </p:set>
+                                    <p:animEffect transition="in" filter="fade">
+                                      <p:cBhvr>
+                                        <p:cTn id="35" dur="500"/>
+                                        <p:tgtEl>
+                                          <p:spTgt spid="26"/>
+                                        </p:tgtEl>
+                                      </p:cBhvr>
+                                    </p:animEffect>
+                                  </p:childTnLst>
+                                </p:cTn>
+                              </p:par>
+                            </p:childTnLst>
+                          </p:cTn>
+                        </p:par>
+                      </p:childTnLst>
+                    </p:cTn>
+                  </p:par>
+                </p:childTnLst>
+              </p:cTn>
+              <p:prevCondLst>
+                <p:cond evt="onPrev" delay="0">
+                  <p:tgtEl>
+                    <p:sldTgt/>
+                  </p:tgtEl>
+                </p:cond>
+              </p:prevCondLst>
+              <p:nextCondLst>
+                <p:cond evt="onNext" delay="0">
+                  <p:tgtEl>
+                    <p:sldTgt/>
+                  </p:tgtEl>
+                </p:cond>
+              </p:nextCondLst>
+            </p:seq>
+          </p:childTnLst>
+        </p:cTn>
+      </p:par>
+    </p:tnLst>
+    <p:bldLst>
+      <p:bldP spid="18" grpId="0" animBg="1"/>
+      <p:bldP spid="19" grpId="0" animBg="1"/>
+      <p:bldP spid="24" grpId="0"/>
+      <p:bldP spid="25" grpId="0"/>
+      <p:bldP spid="26" grpId="0"/>
+    </p:bldLst>
+  </p:timing>
 </p:sld>
 </file>
 
@@ -4524,7 +9975,7 @@
           <p:cNvPr id="2" name="Naslov 1">
             <a:extLst>
               <a:ext uri="{FF2B5EF4-FFF2-40B4-BE49-F238E27FC236}">
-                <a16:creationId xmlns:a16="http://schemas.microsoft.com/office/drawing/2014/main" id="{4AF78947-4991-45D9-9251-AD38BF7B29FB}"/>
+                <a16:creationId xmlns:a16="http://schemas.microsoft.com/office/drawing/2014/main" id="{D712F555-8CF6-4D4A-A66C-02907EED2B94}"/>
               </a:ext>
             </a:extLst>
           </p:cNvPr>
@@ -4542,529 +9993,67 @@
           <a:p>
             <a:r>
               <a:rPr lang="sl-SI" dirty="0"/>
-              <a:t>VIRI</a:t>
-            </a:r>
+              <a:t>Metoda</a:t>
+            </a:r>
+            <a:br>
+              <a:rPr lang="sl-SI" dirty="0"/>
+            </a:br>
+            <a:r>
+              <a:rPr lang="sl-SI" dirty="0"/>
+              <a:t> </a:t>
+            </a:r>
+            <a:r>
+              <a:rPr lang="sl-SI" b="1" dirty="0" err="1">
+                <a:latin typeface="Courier New" panose="02070309020205020404" pitchFamily="49" charset="0"/>
+                <a:cs typeface="Courier New" panose="02070309020205020404" pitchFamily="49" charset="0"/>
+              </a:rPr>
+              <a:t>latinski_kvadrat</a:t>
+            </a:r>
+            <a:r>
+              <a:rPr lang="sl-SI" b="1" dirty="0">
+                <a:latin typeface="Courier New" panose="02070309020205020404" pitchFamily="49" charset="0"/>
+                <a:cs typeface="Courier New" panose="02070309020205020404" pitchFamily="49" charset="0"/>
+              </a:rPr>
+              <a:t>()</a:t>
+            </a:r>
+            <a:endParaRPr lang="en-GB" b="1" dirty="0">
+              <a:latin typeface="Courier New" panose="02070309020205020404" pitchFamily="49" charset="0"/>
+              <a:cs typeface="Courier New" panose="02070309020205020404" pitchFamily="49" charset="0"/>
+            </a:endParaRPr>
+          </a:p>
+        </p:txBody>
+      </p:sp>
+      <p:sp>
+        <p:nvSpPr>
+          <p:cNvPr id="3" name="Označba mesta vsebine 2">
+            <a:extLst>
+              <a:ext uri="{FF2B5EF4-FFF2-40B4-BE49-F238E27FC236}">
+                <a16:creationId xmlns:a16="http://schemas.microsoft.com/office/drawing/2014/main" id="{02A01DCD-F596-4353-89B2-C532030E766D}"/>
+              </a:ext>
+            </a:extLst>
+          </p:cNvPr>
+          <p:cNvSpPr>
+            <a:spLocks noGrp="1"/>
+          </p:cNvSpPr>
+          <p:nvPr>
+            <p:ph idx="1"/>
+          </p:nvPr>
+        </p:nvSpPr>
+        <p:spPr/>
+        <p:txBody>
+          <a:bodyPr/>
+          <a:lstStyle/>
+          <a:p>
             <a:endParaRPr lang="en-GB" dirty="0"/>
           </a:p>
         </p:txBody>
       </p:sp>
       <p:sp>
         <p:nvSpPr>
-          <p:cNvPr id="3" name="Označba mesta vsebine 2">
-            <a:extLst>
-              <a:ext uri="{FF2B5EF4-FFF2-40B4-BE49-F238E27FC236}">
-                <a16:creationId xmlns:a16="http://schemas.microsoft.com/office/drawing/2014/main" id="{EA60A3AD-A950-41B0-BE47-7120019DABC9}"/>
-              </a:ext>
-            </a:extLst>
-          </p:cNvPr>
-          <p:cNvSpPr>
-            <a:spLocks noGrp="1"/>
-          </p:cNvSpPr>
-          <p:nvPr>
-            <p:ph idx="1"/>
-          </p:nvPr>
-        </p:nvSpPr>
-        <p:spPr>
-          <a:xfrm>
-            <a:off x="838200" y="1825624"/>
-            <a:ext cx="10515600" cy="4911605"/>
-          </a:xfrm>
-        </p:spPr>
-        <p:txBody>
-          <a:bodyPr>
-            <a:normAutofit/>
-          </a:bodyPr>
-          <a:lstStyle/>
-          <a:p>
-            <a:r>
-              <a:rPr lang="en-GB" sz="1800" dirty="0"/>
-              <a:t>1. Bellis, Mary. Thoughtco.com. The History of Early Computer and Video Games. [</a:t>
-            </a:r>
-            <a:r>
-              <a:rPr lang="en-GB" sz="1800" dirty="0" err="1"/>
-              <a:t>Elektronski</a:t>
-            </a:r>
-            <a:r>
-              <a:rPr lang="en-GB" sz="1800" dirty="0"/>
-              <a:t>] 16. </a:t>
-            </a:r>
-            <a:r>
-              <a:rPr lang="en-GB" sz="1800" dirty="0" err="1"/>
-              <a:t>februar</a:t>
-            </a:r>
-            <a:r>
-              <a:rPr lang="en-GB" sz="1800" dirty="0"/>
-              <a:t> 2021. https://www.thoughtco.com/history-of-computer-and-video-games-4066246.</a:t>
-            </a:r>
-          </a:p>
-          <a:p>
-            <a:r>
-              <a:rPr lang="en-GB" sz="1800" dirty="0"/>
-              <a:t>2. </a:t>
-            </a:r>
-            <a:r>
-              <a:rPr lang="en-GB" sz="1800" dirty="0" err="1"/>
-              <a:t>Horvat</a:t>
-            </a:r>
-            <a:r>
-              <a:rPr lang="en-GB" sz="1800" dirty="0"/>
-              <a:t>, Luka. </a:t>
-            </a:r>
-            <a:r>
-              <a:rPr lang="en-GB" sz="1800" dirty="0" err="1"/>
-              <a:t>Digitalna</a:t>
-            </a:r>
-            <a:r>
-              <a:rPr lang="en-GB" sz="1800" dirty="0"/>
-              <a:t> </a:t>
-            </a:r>
-            <a:r>
-              <a:rPr lang="en-GB" sz="1800" dirty="0" err="1"/>
-              <a:t>knjižnica</a:t>
-            </a:r>
-            <a:r>
-              <a:rPr lang="en-GB" sz="1800" dirty="0"/>
-              <a:t> </a:t>
-            </a:r>
-            <a:r>
-              <a:rPr lang="en-GB" sz="1800" dirty="0" err="1"/>
-              <a:t>univerze</a:t>
-            </a:r>
-            <a:r>
-              <a:rPr lang="en-GB" sz="1800" dirty="0"/>
-              <a:t> v </a:t>
-            </a:r>
-            <a:r>
-              <a:rPr lang="en-GB" sz="1800" dirty="0" err="1"/>
-              <a:t>Mariboru</a:t>
-            </a:r>
-            <a:r>
-              <a:rPr lang="en-GB" sz="1800" dirty="0"/>
-              <a:t>. </a:t>
-            </a:r>
-            <a:r>
-              <a:rPr lang="en-GB" sz="1800" dirty="0" err="1"/>
-              <a:t>Dobre</a:t>
-            </a:r>
-            <a:r>
-              <a:rPr lang="en-GB" sz="1800" dirty="0"/>
-              <a:t> </a:t>
-            </a:r>
-            <a:r>
-              <a:rPr lang="en-GB" sz="1800" dirty="0" err="1"/>
-              <a:t>prakse</a:t>
-            </a:r>
-            <a:r>
-              <a:rPr lang="en-GB" sz="1800" dirty="0"/>
-              <a:t> </a:t>
-            </a:r>
-            <a:r>
-              <a:rPr lang="en-GB" sz="1800" dirty="0" err="1"/>
-              <a:t>pri</a:t>
-            </a:r>
-            <a:r>
-              <a:rPr lang="en-GB" sz="1800" dirty="0"/>
-              <a:t> </a:t>
-            </a:r>
-            <a:r>
-              <a:rPr lang="en-GB" sz="1800" dirty="0" err="1"/>
-              <a:t>razvoju</a:t>
-            </a:r>
-            <a:r>
-              <a:rPr lang="en-GB" sz="1800" dirty="0"/>
-              <a:t> </a:t>
-            </a:r>
-            <a:r>
-              <a:rPr lang="en-GB" sz="1800" dirty="0" err="1"/>
-              <a:t>računalniških</a:t>
-            </a:r>
-            <a:r>
-              <a:rPr lang="en-GB" sz="1800" dirty="0"/>
-              <a:t> </a:t>
-            </a:r>
-            <a:r>
-              <a:rPr lang="en-GB" sz="1800" dirty="0" err="1"/>
-              <a:t>iger</a:t>
-            </a:r>
-            <a:r>
-              <a:rPr lang="en-GB" sz="1800" dirty="0"/>
-              <a:t>: </a:t>
-            </a:r>
-            <a:r>
-              <a:rPr lang="en-GB" sz="1800" dirty="0" err="1"/>
-              <a:t>Magistersko</a:t>
-            </a:r>
-            <a:r>
-              <a:rPr lang="en-GB" sz="1800" dirty="0"/>
-              <a:t> </a:t>
-            </a:r>
-            <a:r>
-              <a:rPr lang="en-GB" sz="1800" dirty="0" err="1"/>
-              <a:t>delo</a:t>
-            </a:r>
-            <a:r>
-              <a:rPr lang="en-GB" sz="1800" dirty="0"/>
-              <a:t>. [</a:t>
-            </a:r>
-            <a:r>
-              <a:rPr lang="en-GB" sz="1800" dirty="0" err="1"/>
-              <a:t>Elektronski</a:t>
-            </a:r>
-            <a:r>
-              <a:rPr lang="en-GB" sz="1800" dirty="0"/>
-              <a:t>] 2018. https://dk.um.si/IzpisGradiva.php?id=71096&amp;lang=slv&amp;prip=rul:10870889:d2.</a:t>
-            </a:r>
-          </a:p>
-          <a:p>
-            <a:r>
-              <a:rPr lang="en-GB" sz="1800" dirty="0"/>
-              <a:t>3. </a:t>
-            </a:r>
-            <a:r>
-              <a:rPr lang="en-GB" sz="1800" dirty="0" err="1"/>
-              <a:t>Hvasti</a:t>
-            </a:r>
-            <a:r>
-              <a:rPr lang="en-GB" sz="1800" dirty="0"/>
-              <a:t>, </a:t>
-            </a:r>
-            <a:r>
-              <a:rPr lang="en-GB" sz="1800" dirty="0" err="1"/>
-              <a:t>Aleš</a:t>
-            </a:r>
-            <a:r>
-              <a:rPr lang="en-GB" sz="1800" dirty="0"/>
-              <a:t>. </a:t>
-            </a:r>
-            <a:r>
-              <a:rPr lang="en-GB" sz="1800" dirty="0" err="1"/>
-              <a:t>Upravljanje</a:t>
-            </a:r>
-            <a:r>
-              <a:rPr lang="en-GB" sz="1800" dirty="0"/>
-              <a:t> s PROGRAMLJIVIMI NAPRAVAMI 1: </a:t>
-            </a:r>
-            <a:r>
-              <a:rPr lang="en-GB" sz="1800" dirty="0" err="1"/>
-              <a:t>Učbenik</a:t>
-            </a:r>
-            <a:r>
-              <a:rPr lang="en-GB" sz="1800" dirty="0"/>
-              <a:t> </a:t>
-            </a:r>
-            <a:r>
-              <a:rPr lang="en-GB" sz="1800" dirty="0" err="1"/>
-              <a:t>za</a:t>
-            </a:r>
-            <a:r>
-              <a:rPr lang="en-GB" sz="1800" dirty="0"/>
-              <a:t> </a:t>
-            </a:r>
-            <a:r>
-              <a:rPr lang="en-GB" sz="1800" dirty="0" err="1"/>
-              <a:t>modul</a:t>
-            </a:r>
-            <a:r>
-              <a:rPr lang="en-GB" sz="1800" dirty="0"/>
-              <a:t> </a:t>
-            </a:r>
-            <a:r>
-              <a:rPr lang="en-GB" sz="1800" dirty="0" err="1"/>
-              <a:t>Upravljanje</a:t>
-            </a:r>
-            <a:r>
-              <a:rPr lang="en-GB" sz="1800" dirty="0"/>
-              <a:t> s </a:t>
-            </a:r>
-            <a:r>
-              <a:rPr lang="en-GB" sz="1800" dirty="0" err="1"/>
-              <a:t>programljivimi</a:t>
-            </a:r>
-            <a:r>
-              <a:rPr lang="en-GB" sz="1800" dirty="0"/>
-              <a:t> </a:t>
-            </a:r>
-            <a:r>
-              <a:rPr lang="en-GB" sz="1800" dirty="0" err="1"/>
-              <a:t>napravami</a:t>
-            </a:r>
-            <a:r>
-              <a:rPr lang="en-GB" sz="1800" dirty="0"/>
-              <a:t> (</a:t>
-            </a:r>
-            <a:r>
-              <a:rPr lang="en-GB" sz="1800" dirty="0" err="1"/>
-              <a:t>Osnove</a:t>
-            </a:r>
-            <a:r>
-              <a:rPr lang="en-GB" sz="1800" dirty="0"/>
-              <a:t> </a:t>
-            </a:r>
-            <a:r>
-              <a:rPr lang="en-GB" sz="1800" dirty="0" err="1"/>
-              <a:t>programiranja</a:t>
-            </a:r>
-            <a:r>
-              <a:rPr lang="en-GB" sz="1800" dirty="0"/>
-              <a:t>) v </a:t>
-            </a:r>
-            <a:r>
-              <a:rPr lang="en-GB" sz="1800" dirty="0" err="1"/>
-              <a:t>programih</a:t>
-            </a:r>
-            <a:r>
-              <a:rPr lang="en-GB" sz="1800" dirty="0"/>
-              <a:t> </a:t>
-            </a:r>
-            <a:r>
-              <a:rPr lang="en-GB" sz="1800" dirty="0" err="1"/>
-              <a:t>Tehnik</a:t>
-            </a:r>
-            <a:r>
-              <a:rPr lang="en-GB" sz="1800" dirty="0"/>
-              <a:t> </a:t>
-            </a:r>
-            <a:r>
-              <a:rPr lang="en-GB" sz="1800" dirty="0" err="1"/>
-              <a:t>računalništva</a:t>
-            </a:r>
-            <a:r>
-              <a:rPr lang="en-GB" sz="1800" dirty="0"/>
-              <a:t>, </a:t>
-            </a:r>
-            <a:r>
-              <a:rPr lang="en-GB" sz="1800" dirty="0" err="1"/>
-              <a:t>Elektrotehnik</a:t>
-            </a:r>
-            <a:r>
-              <a:rPr lang="en-GB" sz="1800" dirty="0"/>
-              <a:t> in </a:t>
-            </a:r>
-            <a:r>
-              <a:rPr lang="en-GB" sz="1800" dirty="0" err="1"/>
-              <a:t>Tehnik</a:t>
-            </a:r>
-            <a:r>
-              <a:rPr lang="en-GB" sz="1800" dirty="0"/>
-              <a:t> </a:t>
-            </a:r>
-            <a:r>
-              <a:rPr lang="en-GB" sz="1800" dirty="0" err="1"/>
-              <a:t>elektronskih</a:t>
-            </a:r>
-            <a:r>
-              <a:rPr lang="en-GB" sz="1800" dirty="0"/>
-              <a:t> </a:t>
-            </a:r>
-            <a:r>
-              <a:rPr lang="en-GB" sz="1800" dirty="0" err="1"/>
-              <a:t>Komunikacij</a:t>
-            </a:r>
-            <a:r>
-              <a:rPr lang="en-GB" sz="1800" dirty="0"/>
-              <a:t>. </a:t>
-            </a:r>
-            <a:r>
-              <a:rPr lang="en-GB" sz="1800" dirty="0" err="1"/>
-              <a:t>Podsmreka</a:t>
-            </a:r>
-            <a:r>
-              <a:rPr lang="en-GB" sz="1800" dirty="0"/>
-              <a:t> : </a:t>
-            </a:r>
-            <a:r>
-              <a:rPr lang="en-GB" sz="1800" dirty="0" err="1"/>
-              <a:t>Pipova</a:t>
-            </a:r>
-            <a:r>
-              <a:rPr lang="en-GB" sz="1800" dirty="0"/>
-              <a:t> </a:t>
-            </a:r>
-            <a:r>
-              <a:rPr lang="en-GB" sz="1800" dirty="0" err="1"/>
-              <a:t>knjiga</a:t>
-            </a:r>
-            <a:r>
-              <a:rPr lang="en-GB" sz="1800" dirty="0"/>
-              <a:t>, 2017. ISBN 978-961-94079-1-2.</a:t>
-            </a:r>
-          </a:p>
-          <a:p>
-            <a:r>
-              <a:rPr lang="en-GB" sz="1800" dirty="0"/>
-              <a:t>4. Eclipse. Eclipse. Download Eclipse Technology. [</a:t>
-            </a:r>
-            <a:r>
-              <a:rPr lang="en-GB" sz="1800" dirty="0" err="1"/>
-              <a:t>Elektronski</a:t>
-            </a:r>
-            <a:r>
-              <a:rPr lang="en-GB" sz="1800" dirty="0"/>
-              <a:t>] </a:t>
-            </a:r>
-            <a:r>
-              <a:rPr lang="en-GB" sz="1800" dirty="0" err="1"/>
-              <a:t>marec</a:t>
-            </a:r>
-            <a:r>
-              <a:rPr lang="en-GB" sz="1800" dirty="0"/>
-              <a:t> 2021. https://www.eclipse.org/downloads/.</a:t>
-            </a:r>
-          </a:p>
-          <a:p>
-            <a:r>
-              <a:rPr lang="en-GB" sz="1800" dirty="0"/>
-              <a:t>5. Sun, Karl. Lucid Software. Intelligent diagramming for every team. [</a:t>
-            </a:r>
-            <a:r>
-              <a:rPr lang="en-GB" sz="1800" dirty="0" err="1"/>
-              <a:t>Elektronski</a:t>
-            </a:r>
-            <a:r>
-              <a:rPr lang="en-GB" sz="1800" dirty="0"/>
-              <a:t>] 2021. https://www.lucidchart.com/pages/.</a:t>
-            </a:r>
-          </a:p>
-          <a:p>
-            <a:r>
-              <a:rPr lang="en-GB" sz="1800" dirty="0"/>
-              <a:t>6. </a:t>
-            </a:r>
-            <a:r>
-              <a:rPr lang="en-GB" sz="1800" dirty="0" err="1"/>
-              <a:t>Mahnič</a:t>
-            </a:r>
-            <a:r>
-              <a:rPr lang="en-GB" sz="1800" dirty="0"/>
-              <a:t>, </a:t>
-            </a:r>
-            <a:r>
-              <a:rPr lang="en-GB" sz="1800" dirty="0" err="1"/>
-              <a:t>Viljan</a:t>
-            </a:r>
-            <a:r>
-              <a:rPr lang="en-GB" sz="1800" dirty="0"/>
-              <a:t>, </a:t>
-            </a:r>
-            <a:r>
-              <a:rPr lang="en-GB" sz="1800" dirty="0" err="1"/>
-              <a:t>Fürst</a:t>
-            </a:r>
-            <a:r>
-              <a:rPr lang="en-GB" sz="1800" dirty="0"/>
-              <a:t>, Luka in </a:t>
-            </a:r>
-            <a:r>
-              <a:rPr lang="en-GB" sz="1800" dirty="0" err="1"/>
-              <a:t>Rožanc</a:t>
-            </a:r>
-            <a:r>
-              <a:rPr lang="en-GB" sz="1800" dirty="0"/>
-              <a:t>, Igor. Java </a:t>
-            </a:r>
-            <a:r>
-              <a:rPr lang="en-GB" sz="1800" dirty="0" err="1"/>
-              <a:t>skozi</a:t>
-            </a:r>
-            <a:r>
-              <a:rPr lang="en-GB" sz="1800" dirty="0"/>
-              <a:t> </a:t>
-            </a:r>
-            <a:r>
-              <a:rPr lang="en-GB" sz="1800" dirty="0" err="1"/>
-              <a:t>primere</a:t>
-            </a:r>
-            <a:r>
-              <a:rPr lang="en-GB" sz="1800" dirty="0"/>
-              <a:t>. </a:t>
-            </a:r>
-            <a:r>
-              <a:rPr lang="en-GB" sz="1800" dirty="0" err="1"/>
-              <a:t>Šenčur</a:t>
-            </a:r>
-            <a:r>
-              <a:rPr lang="en-GB" sz="1800" dirty="0"/>
-              <a:t> : Bi-Tim, 2008. ISBN 978-061-6046-10-7.</a:t>
-            </a:r>
-          </a:p>
-          <a:p>
-            <a:r>
-              <a:rPr lang="en-GB" sz="1800" dirty="0"/>
-              <a:t>7. </a:t>
-            </a:r>
-            <a:r>
-              <a:rPr lang="en-GB" sz="1800" dirty="0" err="1"/>
-              <a:t>Ferbežar</a:t>
-            </a:r>
-            <a:r>
-              <a:rPr lang="en-GB" sz="1800" dirty="0"/>
-              <a:t>, </a:t>
-            </a:r>
-            <a:r>
-              <a:rPr lang="en-GB" sz="1800" dirty="0" err="1"/>
-              <a:t>Tomaž</a:t>
-            </a:r>
-            <a:r>
-              <a:rPr lang="en-GB" sz="1800" dirty="0"/>
-              <a:t>. </a:t>
-            </a:r>
-            <a:r>
-              <a:rPr lang="en-GB" sz="1800" dirty="0" err="1"/>
-              <a:t>Laboratorijske</a:t>
-            </a:r>
-            <a:r>
-              <a:rPr lang="en-GB" sz="1800" dirty="0"/>
-              <a:t> </a:t>
-            </a:r>
-            <a:r>
-              <a:rPr lang="en-GB" sz="1800" dirty="0" err="1"/>
-              <a:t>vaje</a:t>
-            </a:r>
-            <a:r>
-              <a:rPr lang="en-GB" sz="1800" dirty="0"/>
-              <a:t>: </a:t>
-            </a:r>
-            <a:r>
-              <a:rPr lang="en-GB" sz="1800" dirty="0" err="1"/>
-              <a:t>Interno</a:t>
-            </a:r>
-            <a:r>
-              <a:rPr lang="en-GB" sz="1800" dirty="0"/>
-              <a:t> </a:t>
-            </a:r>
-            <a:r>
-              <a:rPr lang="en-GB" sz="1800" dirty="0" err="1"/>
-              <a:t>gradivo</a:t>
-            </a:r>
-            <a:r>
-              <a:rPr lang="en-GB" sz="1800" dirty="0"/>
-              <a:t>. Novo </a:t>
-            </a:r>
-            <a:r>
-              <a:rPr lang="en-GB" sz="1800" dirty="0" err="1"/>
-              <a:t>mesto</a:t>
-            </a:r>
-            <a:r>
-              <a:rPr lang="en-GB" sz="1800" dirty="0"/>
-              <a:t> : </a:t>
-            </a:r>
-            <a:r>
-              <a:rPr lang="en-GB" sz="1800" dirty="0" err="1"/>
-              <a:t>s.n</a:t>
-            </a:r>
-            <a:r>
-              <a:rPr lang="en-GB" sz="1800" dirty="0"/>
-              <a:t>., 2020.</a:t>
-            </a:r>
-          </a:p>
-        </p:txBody>
-      </p:sp>
-      <p:sp>
-        <p:nvSpPr>
           <p:cNvPr id="4" name="Označba mesta datuma 3">
             <a:extLst>
               <a:ext uri="{FF2B5EF4-FFF2-40B4-BE49-F238E27FC236}">
-                <a16:creationId xmlns:a16="http://schemas.microsoft.com/office/drawing/2014/main" id="{6D91AA5D-9F14-4F0C-9647-6ECED02C14F1}"/>
+                <a16:creationId xmlns:a16="http://schemas.microsoft.com/office/drawing/2014/main" id="{4A657A5E-EE36-4126-AA0A-8543BA1430D3}"/>
               </a:ext>
             </a:extLst>
           </p:cNvPr>
@@ -5093,7 +10082,7 @@
           <p:cNvPr id="5" name="Označba mesta številke diapozitiva 4">
             <a:extLst>
               <a:ext uri="{FF2B5EF4-FFF2-40B4-BE49-F238E27FC236}">
-                <a16:creationId xmlns:a16="http://schemas.microsoft.com/office/drawing/2014/main" id="{EA9CCD7F-375D-4ED6-ADD1-7A0079D2CF20}"/>
+                <a16:creationId xmlns:a16="http://schemas.microsoft.com/office/drawing/2014/main" id="{A9CA5843-3892-4369-BE92-DF64B247D604}"/>
               </a:ext>
             </a:extLst>
           </p:cNvPr>
@@ -5122,7 +10111,7 @@
           <p:cNvPr id="6" name="Označba mesta noge 5">
             <a:extLst>
               <a:ext uri="{FF2B5EF4-FFF2-40B4-BE49-F238E27FC236}">
-                <a16:creationId xmlns:a16="http://schemas.microsoft.com/office/drawing/2014/main" id="{A432C6BE-B5C7-4DBE-9901-6F76AA2AD18A}"/>
+                <a16:creationId xmlns:a16="http://schemas.microsoft.com/office/drawing/2014/main" id="{C7A0F4CF-E368-4C7B-BC2E-71A5C36470A5}"/>
               </a:ext>
             </a:extLst>
           </p:cNvPr>
@@ -5145,16 +10134,208 @@
           </a:p>
         </p:txBody>
       </p:sp>
+      <p:pic>
+        <p:nvPicPr>
+          <p:cNvPr id="7" name="Slika 6">
+            <a:extLst>
+              <a:ext uri="{FF2B5EF4-FFF2-40B4-BE49-F238E27FC236}">
+                <a16:creationId xmlns:a16="http://schemas.microsoft.com/office/drawing/2014/main" id="{6BBE4D15-A083-44D2-9C64-AF64E0245823}"/>
+              </a:ext>
+            </a:extLst>
+          </p:cNvPr>
+          <p:cNvPicPr>
+            <a:picLocks noChangeAspect="1"/>
+          </p:cNvPicPr>
+          <p:nvPr/>
+        </p:nvPicPr>
+        <p:blipFill>
+          <a:blip r:embed="rId2"/>
+          <a:stretch>
+            <a:fillRect/>
+          </a:stretch>
+        </p:blipFill>
+        <p:spPr>
+          <a:xfrm>
+            <a:off x="8342115" y="365125"/>
+            <a:ext cx="3011685" cy="5956308"/>
+          </a:xfrm>
+          <a:prstGeom prst="rect">
+            <a:avLst/>
+          </a:prstGeom>
+        </p:spPr>
+      </p:pic>
+      <p:pic>
+        <p:nvPicPr>
+          <p:cNvPr id="8" name="Slika 7">
+            <a:extLst>
+              <a:ext uri="{FF2B5EF4-FFF2-40B4-BE49-F238E27FC236}">
+                <a16:creationId xmlns:a16="http://schemas.microsoft.com/office/drawing/2014/main" id="{DD0F1AAF-539A-42C6-BCCB-DBE728D68345}"/>
+              </a:ext>
+            </a:extLst>
+          </p:cNvPr>
+          <p:cNvPicPr>
+            <a:picLocks noChangeAspect="1"/>
+          </p:cNvPicPr>
+          <p:nvPr/>
+        </p:nvPicPr>
+        <p:blipFill rotWithShape="1">
+          <a:blip r:embed="rId3"/>
+          <a:srcRect t="-649" r="6407" b="4919"/>
+          <a:stretch/>
+        </p:blipFill>
+        <p:spPr>
+          <a:xfrm>
+            <a:off x="1014654" y="1690688"/>
+            <a:ext cx="6670922" cy="4630745"/>
+          </a:xfrm>
+          <a:prstGeom prst="rect">
+            <a:avLst/>
+          </a:prstGeom>
+        </p:spPr>
+      </p:pic>
     </p:spTree>
     <p:extLst>
       <p:ext uri="{BB962C8B-B14F-4D97-AF65-F5344CB8AC3E}">
-        <p14:creationId xmlns:p14="http://schemas.microsoft.com/office/powerpoint/2010/main" val="3520103159"/>
+        <p14:creationId xmlns:p14="http://schemas.microsoft.com/office/powerpoint/2010/main" val="616452497"/>
       </p:ext>
     </p:extLst>
   </p:cSld>
   <p:clrMapOvr>
     <a:masterClrMapping/>
   </p:clrMapOvr>
+  <mc:AlternateContent xmlns:mc="http://schemas.openxmlformats.org/markup-compatibility/2006" xmlns:p159="http://schemas.microsoft.com/office/powerpoint/2015/09/main">
+    <mc:Choice Requires="p159">
+      <p:transition xmlns:p14="http://schemas.microsoft.com/office/powerpoint/2010/main" spd="slow" p14:dur="2000">
+        <p159:morph option="byObject"/>
+      </p:transition>
+    </mc:Choice>
+    <mc:Fallback xmlns="">
+      <p:transition spd="slow">
+        <p:fade/>
+      </p:transition>
+    </mc:Fallback>
+  </mc:AlternateContent>
+  <p:timing>
+    <p:tnLst>
+      <p:par>
+        <p:cTn id="1" dur="indefinite" restart="never" nodeType="tmRoot">
+          <p:childTnLst>
+            <p:seq concurrent="1" nextAc="seek">
+              <p:cTn id="2" dur="indefinite" nodeType="mainSeq">
+                <p:childTnLst>
+                  <p:par>
+                    <p:cTn id="3" fill="hold">
+                      <p:stCondLst>
+                        <p:cond delay="indefinite"/>
+                      </p:stCondLst>
+                      <p:childTnLst>
+                        <p:par>
+                          <p:cTn id="4" fill="hold">
+                            <p:stCondLst>
+                              <p:cond delay="0"/>
+                            </p:stCondLst>
+                            <p:childTnLst>
+                              <p:par>
+                                <p:cTn id="5" presetID="2" presetClass="entr" presetSubtype="4" fill="hold" nodeType="clickEffect">
+                                  <p:stCondLst>
+                                    <p:cond delay="0"/>
+                                  </p:stCondLst>
+                                  <p:childTnLst>
+                                    <p:set>
+                                      <p:cBhvr>
+                                        <p:cTn id="6" dur="1" fill="hold">
+                                          <p:stCondLst>
+                                            <p:cond delay="0"/>
+                                          </p:stCondLst>
+                                        </p:cTn>
+                                        <p:tgtEl>
+                                          <p:spTgt spid="7"/>
+                                        </p:tgtEl>
+                                        <p:attrNameLst>
+                                          <p:attrName>style.visibility</p:attrName>
+                                        </p:attrNameLst>
+                                      </p:cBhvr>
+                                      <p:to>
+                                        <p:strVal val="visible"/>
+                                      </p:to>
+                                    </p:set>
+                                    <p:anim calcmode="lin" valueType="num">
+                                      <p:cBhvr additive="base">
+                                        <p:cTn id="7" dur="500" fill="hold"/>
+                                        <p:tgtEl>
+                                          <p:spTgt spid="7"/>
+                                        </p:tgtEl>
+                                        <p:attrNameLst>
+                                          <p:attrName>ppt_x</p:attrName>
+                                        </p:attrNameLst>
+                                      </p:cBhvr>
+                                      <p:tavLst>
+                                        <p:tav tm="0">
+                                          <p:val>
+                                            <p:strVal val="#ppt_x"/>
+                                          </p:val>
+                                        </p:tav>
+                                        <p:tav tm="100000">
+                                          <p:val>
+                                            <p:strVal val="#ppt_x"/>
+                                          </p:val>
+                                        </p:tav>
+                                      </p:tavLst>
+                                    </p:anim>
+                                    <p:anim calcmode="lin" valueType="num">
+                                      <p:cBhvr additive="base">
+                                        <p:cTn id="8" dur="500" fill="hold"/>
+                                        <p:tgtEl>
+                                          <p:spTgt spid="7"/>
+                                        </p:tgtEl>
+                                        <p:attrNameLst>
+                                          <p:attrName>ppt_y</p:attrName>
+                                        </p:attrNameLst>
+                                      </p:cBhvr>
+                                      <p:tavLst>
+                                        <p:tav tm="0">
+                                          <p:val>
+                                            <p:strVal val="1+#ppt_h/2"/>
+                                          </p:val>
+                                        </p:tav>
+                                        <p:tav tm="100000">
+                                          <p:val>
+                                            <p:strVal val="#ppt_y"/>
+                                          </p:val>
+                                        </p:tav>
+                                      </p:tavLst>
+                                    </p:anim>
+                                  </p:childTnLst>
+                                </p:cTn>
+                              </p:par>
+                            </p:childTnLst>
+                          </p:cTn>
+                        </p:par>
+                      </p:childTnLst>
+                    </p:cTn>
+                  </p:par>
+                </p:childTnLst>
+              </p:cTn>
+              <p:prevCondLst>
+                <p:cond evt="onPrev" delay="0">
+                  <p:tgtEl>
+                    <p:sldTgt/>
+                  </p:tgtEl>
+                </p:cond>
+              </p:prevCondLst>
+              <p:nextCondLst>
+                <p:cond evt="onNext" delay="0">
+                  <p:tgtEl>
+                    <p:sldTgt/>
+                  </p:tgtEl>
+                </p:cond>
+              </p:nextCondLst>
+            </p:seq>
+          </p:childTnLst>
+        </p:cTn>
+      </p:par>
+    </p:tnLst>
+  </p:timing>
 </p:sld>
 </file>
 
@@ -5177,10 +10358,49 @@
       </p:grpSpPr>
       <p:sp>
         <p:nvSpPr>
+          <p:cNvPr id="2" name="Naslov 1">
+            <a:extLst>
+              <a:ext uri="{FF2B5EF4-FFF2-40B4-BE49-F238E27FC236}">
+                <a16:creationId xmlns:a16="http://schemas.microsoft.com/office/drawing/2014/main" id="{D712F555-8CF6-4D4A-A66C-02907EED2B94}"/>
+              </a:ext>
+            </a:extLst>
+          </p:cNvPr>
+          <p:cNvSpPr>
+            <a:spLocks noGrp="1"/>
+          </p:cNvSpPr>
+          <p:nvPr>
+            <p:ph type="title"/>
+          </p:nvPr>
+        </p:nvSpPr>
+        <p:spPr/>
+        <p:txBody>
+          <a:bodyPr/>
+          <a:lstStyle/>
+          <a:p>
+            <a:r>
+              <a:rPr lang="sl-SI" dirty="0"/>
+              <a:t>Metoda </a:t>
+            </a:r>
+            <a:r>
+              <a:rPr lang="sl-SI" b="1" dirty="0">
+                <a:latin typeface="Courier New" panose="02070309020205020404" pitchFamily="49" charset="0"/>
+                <a:cs typeface="Courier New" panose="02070309020205020404" pitchFamily="49" charset="0"/>
+              </a:rPr>
+              <a:t>zapolni1()</a:t>
+            </a:r>
+            <a:endParaRPr lang="en-GB" b="1" dirty="0">
+              <a:latin typeface="Courier New" panose="02070309020205020404" pitchFamily="49" charset="0"/>
+              <a:cs typeface="Courier New" panose="02070309020205020404" pitchFamily="49" charset="0"/>
+            </a:endParaRPr>
+          </a:p>
+        </p:txBody>
+      </p:sp>
+      <p:sp>
+        <p:nvSpPr>
           <p:cNvPr id="3" name="Označba mesta vsebine 2">
             <a:extLst>
               <a:ext uri="{FF2B5EF4-FFF2-40B4-BE49-F238E27FC236}">
-                <a16:creationId xmlns:a16="http://schemas.microsoft.com/office/drawing/2014/main" id="{822E0A87-6B16-43BE-AA68-4BAA09332B35}"/>
+                <a16:creationId xmlns:a16="http://schemas.microsoft.com/office/drawing/2014/main" id="{02A01DCD-F596-4353-89B2-C532030E766D}"/>
               </a:ext>
             </a:extLst>
           </p:cNvPr>
@@ -5191,559 +10411,13 @@
             <p:ph idx="1"/>
           </p:nvPr>
         </p:nvSpPr>
-        <p:spPr>
-          <a:xfrm>
-            <a:off x="838200" y="365124"/>
-            <a:ext cx="10515600" cy="6492875"/>
-          </a:xfrm>
-        </p:spPr>
-        <p:txBody>
-          <a:bodyPr>
-            <a:normAutofit fontScale="62500" lnSpcReduction="20000"/>
-          </a:bodyPr>
-          <a:lstStyle/>
-          <a:p>
-            <a:r>
-              <a:rPr lang="en-GB" sz="2900" dirty="0"/>
-              <a:t>8. Evans, Benjamin J. in Flanagan, David. Java in a </a:t>
-            </a:r>
-            <a:r>
-              <a:rPr lang="en-GB" sz="2900" dirty="0" err="1"/>
-              <a:t>Nushell</a:t>
-            </a:r>
-            <a:r>
-              <a:rPr lang="en-GB" sz="2900" dirty="0"/>
-              <a:t>: A desktop quick reference. </a:t>
-            </a:r>
-            <a:r>
-              <a:rPr lang="en-GB" sz="2900" dirty="0" err="1"/>
-              <a:t>šesta</a:t>
-            </a:r>
-            <a:r>
-              <a:rPr lang="en-GB" sz="2900" dirty="0"/>
-              <a:t>. Sebastopol : O'Reilly, 2014. ISBN 978-1-449-37082-4.</a:t>
-            </a:r>
-          </a:p>
-          <a:p>
-            <a:r>
-              <a:rPr lang="en-GB" sz="2900" dirty="0"/>
-              <a:t>9. </a:t>
-            </a:r>
-            <a:r>
-              <a:rPr lang="en-GB" sz="2900" dirty="0" err="1"/>
-              <a:t>Finžgar</a:t>
-            </a:r>
-            <a:r>
-              <a:rPr lang="en-GB" sz="2900" dirty="0"/>
-              <a:t>, Petra, in </a:t>
-            </a:r>
-            <a:r>
-              <a:rPr lang="en-GB" sz="2900" dirty="0" err="1"/>
-              <a:t>drugi</a:t>
-            </a:r>
-            <a:r>
-              <a:rPr lang="en-GB" sz="2900" dirty="0"/>
-              <a:t>. </a:t>
-            </a:r>
-            <a:r>
-              <a:rPr lang="en-GB" sz="2900" dirty="0" err="1"/>
-              <a:t>Šolski</a:t>
-            </a:r>
-            <a:r>
-              <a:rPr lang="en-GB" sz="2900" dirty="0"/>
-              <a:t> </a:t>
-            </a:r>
-            <a:r>
-              <a:rPr lang="en-GB" sz="2900" dirty="0" err="1"/>
-              <a:t>slovar</a:t>
-            </a:r>
-            <a:r>
-              <a:rPr lang="en-GB" sz="2900" dirty="0"/>
-              <a:t> </a:t>
-            </a:r>
-            <a:r>
-              <a:rPr lang="en-GB" sz="2900" dirty="0" err="1"/>
-              <a:t>Angleščina:angleško-slovenski</a:t>
-            </a:r>
-            <a:r>
-              <a:rPr lang="en-GB" sz="2900" dirty="0"/>
-              <a:t> in </a:t>
-            </a:r>
-            <a:r>
-              <a:rPr lang="en-GB" sz="2900" dirty="0" err="1"/>
-              <a:t>slovensko-angleški</a:t>
-            </a:r>
-            <a:r>
-              <a:rPr lang="en-GB" sz="2900" dirty="0"/>
-              <a:t>. </a:t>
-            </a:r>
-            <a:r>
-              <a:rPr lang="en-GB" sz="2900" dirty="0" err="1"/>
-              <a:t>prva</a:t>
-            </a:r>
-            <a:r>
-              <a:rPr lang="en-GB" sz="2900" dirty="0"/>
-              <a:t>. Ljubljana : </a:t>
-            </a:r>
-            <a:r>
-              <a:rPr lang="en-GB" sz="2900" dirty="0" err="1"/>
-              <a:t>Založba</a:t>
-            </a:r>
-            <a:r>
-              <a:rPr lang="en-GB" sz="2900" dirty="0"/>
-              <a:t> Rokus </a:t>
-            </a:r>
-            <a:r>
-              <a:rPr lang="en-GB" sz="2900" dirty="0" err="1"/>
-              <a:t>Klett</a:t>
-            </a:r>
-            <a:r>
-              <a:rPr lang="en-GB" sz="2900" dirty="0"/>
-              <a:t>, 2013. str. 68, 102. ISBN 978-961-209-863-6.</a:t>
-            </a:r>
-          </a:p>
-          <a:p>
-            <a:r>
-              <a:rPr lang="en-GB" sz="2900" dirty="0"/>
-              <a:t>10. Oracle. Oracle. Java SE Downloads: Java Platform, Standard Edition. [</a:t>
-            </a:r>
-            <a:r>
-              <a:rPr lang="en-GB" sz="2900" dirty="0" err="1"/>
-              <a:t>Elektronski</a:t>
-            </a:r>
-            <a:r>
-              <a:rPr lang="en-GB" sz="2900" dirty="0"/>
-              <a:t>] 16. </a:t>
-            </a:r>
-            <a:r>
-              <a:rPr lang="en-GB" sz="2900" dirty="0" err="1"/>
-              <a:t>marec</a:t>
-            </a:r>
-            <a:r>
-              <a:rPr lang="en-GB" sz="2900" dirty="0"/>
-              <a:t> 2021. </a:t>
-            </a:r>
-          </a:p>
-          <a:p>
-            <a:r>
-              <a:rPr lang="en-GB" sz="2900" dirty="0"/>
-              <a:t>11. Davison, Andrew. Killer Game Programming in Java. [</a:t>
-            </a:r>
-            <a:r>
-              <a:rPr lang="en-GB" sz="2900" dirty="0" err="1"/>
-              <a:t>ured</a:t>
-            </a:r>
-            <a:r>
-              <a:rPr lang="en-GB" sz="2900" dirty="0"/>
-              <a:t>.] Brett McLaughlin. </a:t>
-            </a:r>
-            <a:r>
-              <a:rPr lang="en-GB" sz="2900" dirty="0" err="1"/>
-              <a:t>prva</a:t>
-            </a:r>
-            <a:r>
-              <a:rPr lang="en-GB" sz="2900" dirty="0"/>
-              <a:t>. Sebastopol : O'Reilly Media, 2005. ISBN 978-0-596-00730-0.</a:t>
-            </a:r>
-          </a:p>
-          <a:p>
-            <a:r>
-              <a:rPr lang="en-GB" sz="2900" dirty="0"/>
-              <a:t>12. </a:t>
-            </a:r>
-            <a:r>
-              <a:rPr lang="en-GB" sz="2900" dirty="0" err="1"/>
-              <a:t>Mesojedec</a:t>
-            </a:r>
-            <a:r>
-              <a:rPr lang="en-GB" sz="2900" dirty="0"/>
-              <a:t>, </a:t>
-            </a:r>
-            <a:r>
-              <a:rPr lang="en-GB" sz="2900" dirty="0" err="1"/>
-              <a:t>Uroš</a:t>
-            </a:r>
-            <a:r>
-              <a:rPr lang="en-GB" sz="2900" dirty="0"/>
-              <a:t> in </a:t>
-            </a:r>
-            <a:r>
-              <a:rPr lang="en-GB" sz="2900" dirty="0" err="1"/>
-              <a:t>Fabjan</a:t>
-            </a:r>
-            <a:r>
-              <a:rPr lang="en-GB" sz="2900" dirty="0"/>
-              <a:t>, </a:t>
-            </a:r>
-            <a:r>
-              <a:rPr lang="en-GB" sz="2900" dirty="0" err="1"/>
-              <a:t>Borut</a:t>
-            </a:r>
-            <a:r>
-              <a:rPr lang="en-GB" sz="2900" dirty="0"/>
-              <a:t>. Java 2: </a:t>
-            </a:r>
-            <a:r>
-              <a:rPr lang="en-GB" sz="2900" dirty="0" err="1"/>
-              <a:t>temelji</a:t>
-            </a:r>
-            <a:r>
-              <a:rPr lang="en-GB" sz="2900" dirty="0"/>
-              <a:t> </a:t>
-            </a:r>
-            <a:r>
-              <a:rPr lang="en-GB" sz="2900" dirty="0" err="1"/>
-              <a:t>programiranja</a:t>
-            </a:r>
-            <a:r>
-              <a:rPr lang="en-GB" sz="2900" dirty="0"/>
-              <a:t>. Ljubljana : Pasadena, 2004. ISBN 961-6361-30-9.</a:t>
-            </a:r>
-          </a:p>
-          <a:p>
-            <a:r>
-              <a:rPr lang="en-GB" sz="2900" dirty="0"/>
-              <a:t>13. Vertex Academy. Vertex computer science academy. What is the Java Library? . [</a:t>
-            </a:r>
-            <a:r>
-              <a:rPr lang="en-GB" sz="2900" dirty="0" err="1"/>
-              <a:t>Elektronski</a:t>
-            </a:r>
-            <a:r>
-              <a:rPr lang="en-GB" sz="2900" dirty="0"/>
-              <a:t>] 5. </a:t>
-            </a:r>
-            <a:r>
-              <a:rPr lang="en-GB" sz="2900" dirty="0" err="1"/>
-              <a:t>avgust</a:t>
-            </a:r>
-            <a:r>
-              <a:rPr lang="en-GB" sz="2900" dirty="0"/>
-              <a:t> 2016. https://vertex-academy.com/tutorials/en/what-is-java-library/.</a:t>
-            </a:r>
-          </a:p>
-          <a:p>
-            <a:r>
-              <a:rPr lang="en-GB" sz="2900" dirty="0"/>
-              <a:t>14. </a:t>
-            </a:r>
-            <a:r>
-              <a:rPr lang="en-GB" sz="2900" dirty="0" err="1"/>
-              <a:t>Zorko</a:t>
-            </a:r>
-            <a:r>
-              <a:rPr lang="en-GB" sz="2900" dirty="0"/>
-              <a:t>, Albert. </a:t>
-            </a:r>
-            <a:r>
-              <a:rPr lang="en-GB" sz="2900" dirty="0" err="1"/>
-              <a:t>Računalništvo</a:t>
-            </a:r>
-            <a:r>
-              <a:rPr lang="en-GB" sz="2900" dirty="0"/>
-              <a:t>: </a:t>
-            </a:r>
-            <a:r>
-              <a:rPr lang="en-GB" sz="2900" dirty="0" err="1"/>
-              <a:t>Interno</a:t>
-            </a:r>
-            <a:r>
-              <a:rPr lang="en-GB" sz="2900" dirty="0"/>
-              <a:t> </a:t>
-            </a:r>
-            <a:r>
-              <a:rPr lang="en-GB" sz="2900" dirty="0" err="1"/>
-              <a:t>gradivo</a:t>
-            </a:r>
-            <a:r>
-              <a:rPr lang="en-GB" sz="2900" dirty="0"/>
-              <a:t>. Novo </a:t>
-            </a:r>
-            <a:r>
-              <a:rPr lang="en-GB" sz="2900" dirty="0" err="1"/>
-              <a:t>mesto</a:t>
-            </a:r>
-            <a:r>
-              <a:rPr lang="en-GB" sz="2900" dirty="0"/>
-              <a:t> : </a:t>
-            </a:r>
-            <a:r>
-              <a:rPr lang="en-GB" sz="2900" dirty="0" err="1"/>
-              <a:t>s.n</a:t>
-            </a:r>
-            <a:r>
-              <a:rPr lang="en-GB" sz="2900" dirty="0"/>
-              <a:t>., 2020.</a:t>
-            </a:r>
-          </a:p>
-          <a:p>
-            <a:r>
-              <a:rPr lang="en-GB" sz="2900" dirty="0"/>
-              <a:t>15. Smith, David. The Guardian. So you thought Sudoku came from the Land of the Rising Sun ... [</a:t>
-            </a:r>
-            <a:r>
-              <a:rPr lang="en-GB" sz="2900" dirty="0" err="1"/>
-              <a:t>Elektronski</a:t>
-            </a:r>
-            <a:r>
-              <a:rPr lang="en-GB" sz="2900" dirty="0"/>
-              <a:t>] 15. </a:t>
-            </a:r>
-            <a:r>
-              <a:rPr lang="en-GB" sz="2900" dirty="0" err="1"/>
-              <a:t>maj</a:t>
-            </a:r>
-            <a:r>
-              <a:rPr lang="en-GB" sz="2900" dirty="0"/>
-              <a:t> 2005. https://www.theguardian.com/media/2005/may/15/pressandpublishing.usnews.</a:t>
-            </a:r>
-          </a:p>
-          <a:p>
-            <a:r>
-              <a:rPr lang="en-GB" sz="2900" dirty="0"/>
-              <a:t>16. </a:t>
-            </a:r>
-            <a:r>
-              <a:rPr lang="en-GB" sz="2900" dirty="0" err="1"/>
-              <a:t>Sporceblog</a:t>
-            </a:r>
-            <a:r>
-              <a:rPr lang="en-GB" sz="2900" dirty="0"/>
-              <a:t> Inc. A Brief History of Sudoku. </a:t>
-            </a:r>
-            <a:r>
-              <a:rPr lang="en-GB" sz="2900" dirty="0" err="1"/>
-              <a:t>Sporcleblog</a:t>
-            </a:r>
-            <a:r>
-              <a:rPr lang="en-GB" sz="2900" dirty="0"/>
-              <a:t>. [</a:t>
-            </a:r>
-            <a:r>
-              <a:rPr lang="en-GB" sz="2900" dirty="0" err="1"/>
-              <a:t>Elektronski</a:t>
-            </a:r>
-            <a:r>
-              <a:rPr lang="en-GB" sz="2900" dirty="0"/>
-              <a:t>] 11. </a:t>
-            </a:r>
-            <a:r>
-              <a:rPr lang="en-GB" sz="2900" dirty="0" err="1"/>
-              <a:t>junij</a:t>
-            </a:r>
-            <a:r>
-              <a:rPr lang="en-GB" sz="2900" dirty="0"/>
-              <a:t> 2019. https://www.sporcle.com/blog/2019/05/history-of-sudoku/.</a:t>
-            </a:r>
-          </a:p>
-          <a:p>
-            <a:r>
-              <a:rPr lang="en-GB" sz="2900" dirty="0"/>
-              <a:t>17. </a:t>
-            </a:r>
-            <a:r>
-              <a:rPr lang="en-GB" sz="2900" dirty="0" err="1"/>
-              <a:t>Dhatwalia</a:t>
-            </a:r>
-            <a:r>
-              <a:rPr lang="en-GB" sz="2900" dirty="0"/>
-              <a:t>, Prajwal, Khan, </a:t>
-            </a:r>
-            <a:r>
-              <a:rPr lang="en-GB" sz="2900" dirty="0" err="1"/>
-              <a:t>Asaad</a:t>
-            </a:r>
-            <a:r>
-              <a:rPr lang="en-GB" sz="2900" dirty="0"/>
-              <a:t> in </a:t>
-            </a:r>
-            <a:r>
-              <a:rPr lang="en-GB" sz="2900" dirty="0" err="1"/>
-              <a:t>Fiaidhi</a:t>
-            </a:r>
-            <a:r>
-              <a:rPr lang="en-GB" sz="2900" dirty="0"/>
-              <a:t>, Jinan. </a:t>
-            </a:r>
-            <a:r>
-              <a:rPr lang="en-GB" sz="2900" dirty="0" err="1"/>
-              <a:t>TechRxiv</a:t>
-            </a:r>
-            <a:r>
-              <a:rPr lang="en-GB" sz="2900" dirty="0"/>
-              <a:t>. Preprint. Online Sudoku Generator and Solver for Competitions using Java Server Faces. [</a:t>
-            </a:r>
-            <a:r>
-              <a:rPr lang="en-GB" sz="2900" dirty="0" err="1"/>
-              <a:t>Elektronski</a:t>
-            </a:r>
-            <a:r>
-              <a:rPr lang="en-GB" sz="2900" dirty="0"/>
-              <a:t>] 2020. https://doi.org/10.36227/techrxiv.12093732.v1 .</a:t>
-            </a:r>
-          </a:p>
-          <a:p>
-            <a:r>
-              <a:rPr lang="en-GB" sz="2900" dirty="0"/>
-              <a:t>18. </a:t>
-            </a:r>
-            <a:r>
-              <a:rPr lang="en-GB" sz="2900" dirty="0" err="1"/>
-              <a:t>Gligić</a:t>
-            </a:r>
-            <a:r>
-              <a:rPr lang="en-GB" sz="2900" dirty="0"/>
-              <a:t>, </a:t>
-            </a:r>
-            <a:r>
-              <a:rPr lang="en-GB" sz="2900" dirty="0" err="1"/>
-              <a:t>Alja</a:t>
-            </a:r>
-            <a:r>
-              <a:rPr lang="en-GB" sz="2900" dirty="0"/>
-              <a:t>. </a:t>
-            </a:r>
-            <a:r>
-              <a:rPr lang="en-GB" sz="2900" dirty="0" err="1"/>
-              <a:t>MaFiRa</a:t>
-            </a:r>
-            <a:r>
-              <a:rPr lang="en-GB" sz="2900" dirty="0"/>
-              <a:t>-Wiki. Index of /images/8/80. [</a:t>
-            </a:r>
-            <a:r>
-              <a:rPr lang="en-GB" sz="2900" dirty="0" err="1"/>
-              <a:t>Elektronski</a:t>
-            </a:r>
-            <a:r>
-              <a:rPr lang="en-GB" sz="2900" dirty="0"/>
-              <a:t>] 23. </a:t>
-            </a:r>
-            <a:r>
-              <a:rPr lang="en-GB" sz="2900" dirty="0" err="1"/>
-              <a:t>maj</a:t>
-            </a:r>
-            <a:r>
-              <a:rPr lang="en-GB" sz="2900" dirty="0"/>
-              <a:t> 2011. http://wiki.fmf.uni-lj.si/images/8/80/Predstavitev-Sudoku.pdf.</a:t>
-            </a:r>
-          </a:p>
-          <a:p>
-            <a:r>
-              <a:rPr lang="en-GB" sz="2900" dirty="0"/>
-              <a:t>19. </a:t>
-            </a:r>
-            <a:r>
-              <a:rPr lang="en-GB" sz="2900" dirty="0" err="1"/>
-              <a:t>Skrekovski</a:t>
-            </a:r>
-            <a:r>
-              <a:rPr lang="en-GB" sz="2900" dirty="0"/>
-              <a:t>, </a:t>
-            </a:r>
-            <a:r>
-              <a:rPr lang="en-GB" sz="2900" dirty="0" err="1"/>
-              <a:t>Riste</a:t>
-            </a:r>
-            <a:r>
-              <a:rPr lang="en-GB" sz="2900" dirty="0"/>
-              <a:t>. </a:t>
-            </a:r>
-            <a:r>
-              <a:rPr lang="en-GB" sz="2900" dirty="0" err="1"/>
-              <a:t>Univerza</a:t>
-            </a:r>
-            <a:r>
-              <a:rPr lang="en-GB" sz="2900" dirty="0"/>
-              <a:t> v </a:t>
-            </a:r>
-            <a:r>
-              <a:rPr lang="en-GB" sz="2900" dirty="0" err="1"/>
-              <a:t>Ljubljani</a:t>
-            </a:r>
-            <a:r>
-              <a:rPr lang="en-GB" sz="2900" dirty="0"/>
-              <a:t> </a:t>
-            </a:r>
-            <a:r>
-              <a:rPr lang="en-GB" sz="2900" dirty="0" err="1"/>
-              <a:t>Fakulteta</a:t>
-            </a:r>
-            <a:r>
-              <a:rPr lang="en-GB" sz="2900" dirty="0"/>
-              <a:t> </a:t>
-            </a:r>
-            <a:r>
-              <a:rPr lang="en-GB" sz="2900" dirty="0" err="1"/>
-              <a:t>za</a:t>
-            </a:r>
-            <a:r>
-              <a:rPr lang="en-GB" sz="2900" dirty="0"/>
-              <a:t> </a:t>
-            </a:r>
-            <a:r>
-              <a:rPr lang="en-GB" sz="2900" dirty="0" err="1"/>
-              <a:t>matematiko</a:t>
-            </a:r>
-            <a:r>
-              <a:rPr lang="en-GB" sz="2900" dirty="0"/>
-              <a:t> in </a:t>
-            </a:r>
-            <a:r>
-              <a:rPr lang="en-GB" sz="2900" dirty="0" err="1"/>
-              <a:t>fiziko</a:t>
-            </a:r>
-            <a:r>
-              <a:rPr lang="en-GB" sz="2900" dirty="0"/>
-              <a:t>. Index of /~</a:t>
-            </a:r>
-            <a:r>
-              <a:rPr lang="en-GB" sz="2900" dirty="0" err="1"/>
-              <a:t>skreko</a:t>
-            </a:r>
-            <a:r>
-              <a:rPr lang="en-GB" sz="2900" dirty="0"/>
-              <a:t>/Pouk/dm2/2006-7/</a:t>
-            </a:r>
-            <a:r>
-              <a:rPr lang="en-GB" sz="2900" dirty="0" err="1"/>
-              <a:t>Predavanja</a:t>
-            </a:r>
-            <a:r>
-              <a:rPr lang="en-GB" sz="2900" dirty="0"/>
-              <a:t>/</a:t>
-            </a:r>
-            <a:r>
-              <a:rPr lang="en-GB" sz="2900" dirty="0" err="1"/>
-              <a:t>Seminarske</a:t>
-            </a:r>
-            <a:r>
-              <a:rPr lang="en-GB" sz="2900" dirty="0"/>
-              <a:t>. [</a:t>
-            </a:r>
-            <a:r>
-              <a:rPr lang="en-GB" sz="2900" dirty="0" err="1"/>
-              <a:t>Elektronski</a:t>
-            </a:r>
-            <a:r>
-              <a:rPr lang="en-GB" sz="2900" dirty="0"/>
-              <a:t>] 23. </a:t>
-            </a:r>
-            <a:r>
-              <a:rPr lang="en-GB" sz="2900" dirty="0" err="1"/>
-              <a:t>maj</a:t>
-            </a:r>
-            <a:r>
-              <a:rPr lang="en-GB" sz="2900" dirty="0"/>
-              <a:t> 2007. https://www.fmf.uni-lj.si/~skreko/Pouk/dm2/2006-7/Predavanja/Seminarske/Latinski_kvadrati.pdf.</a:t>
-            </a:r>
-          </a:p>
+        <p:spPr/>
+        <p:txBody>
+          <a:bodyPr/>
+          <a:lstStyle/>
           <a:p>
             <a:endParaRPr lang="en-GB" dirty="0"/>
           </a:p>
-          <a:p>
-            <a:endParaRPr lang="en-GB" dirty="0"/>
-          </a:p>
         </p:txBody>
       </p:sp>
       <p:sp>
@@ -5751,7 +10425,7 @@
           <p:cNvPr id="4" name="Označba mesta datuma 3">
             <a:extLst>
               <a:ext uri="{FF2B5EF4-FFF2-40B4-BE49-F238E27FC236}">
-                <a16:creationId xmlns:a16="http://schemas.microsoft.com/office/drawing/2014/main" id="{2D964ECC-1492-4407-9234-F84A7C279D3F}"/>
+                <a16:creationId xmlns:a16="http://schemas.microsoft.com/office/drawing/2014/main" id="{4A657A5E-EE36-4126-AA0A-8543BA1430D3}"/>
               </a:ext>
             </a:extLst>
           </p:cNvPr>
@@ -5780,7 +10454,7 @@
           <p:cNvPr id="5" name="Označba mesta številke diapozitiva 4">
             <a:extLst>
               <a:ext uri="{FF2B5EF4-FFF2-40B4-BE49-F238E27FC236}">
-                <a16:creationId xmlns:a16="http://schemas.microsoft.com/office/drawing/2014/main" id="{1077109F-51CB-4661-AE70-44BF183434D0}"/>
+                <a16:creationId xmlns:a16="http://schemas.microsoft.com/office/drawing/2014/main" id="{A9CA5843-3892-4369-BE92-DF64B247D604}"/>
               </a:ext>
             </a:extLst>
           </p:cNvPr>
@@ -5809,7 +10483,7 @@
           <p:cNvPr id="6" name="Označba mesta noge 5">
             <a:extLst>
               <a:ext uri="{FF2B5EF4-FFF2-40B4-BE49-F238E27FC236}">
-                <a16:creationId xmlns:a16="http://schemas.microsoft.com/office/drawing/2014/main" id="{F53BA2DB-D872-4BEA-B67F-FE00DE0095C2}"/>
+                <a16:creationId xmlns:a16="http://schemas.microsoft.com/office/drawing/2014/main" id="{C7A0F4CF-E368-4C7B-BC2E-71A5C36470A5}"/>
               </a:ext>
             </a:extLst>
           </p:cNvPr>
@@ -5832,16 +10506,64 @@
           </a:p>
         </p:txBody>
       </p:sp>
+      <p:pic>
+        <p:nvPicPr>
+          <p:cNvPr id="7" name="Slika 6">
+            <a:extLst>
+              <a:ext uri="{FF2B5EF4-FFF2-40B4-BE49-F238E27FC236}">
+                <a16:creationId xmlns:a16="http://schemas.microsoft.com/office/drawing/2014/main" id="{AAEEDF0D-23F2-45F8-BA1B-A95C3D350D3B}"/>
+              </a:ext>
+            </a:extLst>
+          </p:cNvPr>
+          <p:cNvPicPr>
+            <a:picLocks noChangeAspect="1"/>
+          </p:cNvPicPr>
+          <p:nvPr/>
+        </p:nvPicPr>
+        <p:blipFill>
+          <a:blip r:embed="rId2" cstate="print">
+            <a:extLst>
+              <a:ext uri="{28A0092B-C50C-407E-A947-70E740481C1C}">
+                <a14:useLocalDpi xmlns:a14="http://schemas.microsoft.com/office/drawing/2010/main" val="0"/>
+              </a:ext>
+            </a:extLst>
+          </a:blip>
+          <a:stretch>
+            <a:fillRect/>
+          </a:stretch>
+        </p:blipFill>
+        <p:spPr>
+          <a:xfrm>
+            <a:off x="6324600" y="441949"/>
+            <a:ext cx="2982051" cy="5914401"/>
+          </a:xfrm>
+          <a:prstGeom prst="rect">
+            <a:avLst/>
+          </a:prstGeom>
+        </p:spPr>
+      </p:pic>
     </p:spTree>
     <p:extLst>
       <p:ext uri="{BB962C8B-B14F-4D97-AF65-F5344CB8AC3E}">
-        <p14:creationId xmlns:p14="http://schemas.microsoft.com/office/powerpoint/2010/main" val="2275864891"/>
+        <p14:creationId xmlns:p14="http://schemas.microsoft.com/office/powerpoint/2010/main" val="4240335917"/>
       </p:ext>
     </p:extLst>
   </p:cSld>
   <p:clrMapOvr>
     <a:masterClrMapping/>
   </p:clrMapOvr>
+  <mc:AlternateContent xmlns:mc="http://schemas.openxmlformats.org/markup-compatibility/2006" xmlns:p159="http://schemas.microsoft.com/office/powerpoint/2015/09/main">
+    <mc:Choice Requires="p159">
+      <p:transition xmlns:p14="http://schemas.microsoft.com/office/powerpoint/2010/main" spd="slow" p14:dur="2000">
+        <p159:morph option="byObject"/>
+      </p:transition>
+    </mc:Choice>
+    <mc:Fallback xmlns="">
+      <p:transition spd="slow">
+        <p:fade/>
+      </p:transition>
+    </mc:Fallback>
+  </mc:AlternateContent>
 </p:sld>
 </file>
 
@@ -5864,10 +10586,49 @@
       </p:grpSpPr>
       <p:sp>
         <p:nvSpPr>
+          <p:cNvPr id="2" name="Naslov 1">
+            <a:extLst>
+              <a:ext uri="{FF2B5EF4-FFF2-40B4-BE49-F238E27FC236}">
+                <a16:creationId xmlns:a16="http://schemas.microsoft.com/office/drawing/2014/main" id="{D712F555-8CF6-4D4A-A66C-02907EED2B94}"/>
+              </a:ext>
+            </a:extLst>
+          </p:cNvPr>
+          <p:cNvSpPr>
+            <a:spLocks noGrp="1"/>
+          </p:cNvSpPr>
+          <p:nvPr>
+            <p:ph type="title"/>
+          </p:nvPr>
+        </p:nvSpPr>
+        <p:spPr/>
+        <p:txBody>
+          <a:bodyPr/>
+          <a:lstStyle/>
+          <a:p>
+            <a:r>
+              <a:rPr lang="sl-SI" dirty="0"/>
+              <a:t>Metoda </a:t>
+            </a:r>
+            <a:r>
+              <a:rPr lang="sl-SI" b="1" dirty="0">
+                <a:latin typeface="Courier New" panose="02070309020205020404" pitchFamily="49" charset="0"/>
+                <a:cs typeface="Courier New" panose="02070309020205020404" pitchFamily="49" charset="0"/>
+              </a:rPr>
+              <a:t>zapolni1()</a:t>
+            </a:r>
+            <a:endParaRPr lang="en-GB" b="1" dirty="0">
+              <a:latin typeface="Courier New" panose="02070309020205020404" pitchFamily="49" charset="0"/>
+              <a:cs typeface="Courier New" panose="02070309020205020404" pitchFamily="49" charset="0"/>
+            </a:endParaRPr>
+          </a:p>
+        </p:txBody>
+      </p:sp>
+      <p:sp>
+        <p:nvSpPr>
           <p:cNvPr id="3" name="Označba mesta vsebine 2">
             <a:extLst>
               <a:ext uri="{FF2B5EF4-FFF2-40B4-BE49-F238E27FC236}">
-                <a16:creationId xmlns:a16="http://schemas.microsoft.com/office/drawing/2014/main" id="{C1959299-D1DA-4CE6-BD03-8039E30DE843}"/>
+                <a16:creationId xmlns:a16="http://schemas.microsoft.com/office/drawing/2014/main" id="{02A01DCD-F596-4353-89B2-C532030E766D}"/>
               </a:ext>
             </a:extLst>
           </p:cNvPr>
@@ -5878,749 +10639,13 @@
             <p:ph idx="1"/>
           </p:nvPr>
         </p:nvSpPr>
-        <p:spPr>
-          <a:xfrm>
-            <a:off x="838200" y="365124"/>
-            <a:ext cx="10515600" cy="6492875"/>
-          </a:xfrm>
-        </p:spPr>
-        <p:txBody>
-          <a:bodyPr>
-            <a:normAutofit fontScale="70000" lnSpcReduction="20000"/>
-          </a:bodyPr>
-          <a:lstStyle/>
-          <a:p>
-            <a:r>
-              <a:rPr lang="en-GB" dirty="0"/>
-              <a:t>20. </a:t>
-            </a:r>
-            <a:r>
-              <a:rPr lang="en-GB" dirty="0" err="1"/>
-              <a:t>Konvalinka</a:t>
-            </a:r>
-            <a:r>
-              <a:rPr lang="en-GB" dirty="0"/>
-              <a:t>, </a:t>
-            </a:r>
-            <a:r>
-              <a:rPr lang="en-GB" dirty="0" err="1"/>
-              <a:t>Matjaž</a:t>
-            </a:r>
-            <a:r>
-              <a:rPr lang="en-GB" dirty="0"/>
-              <a:t>. </a:t>
-            </a:r>
-            <a:r>
-              <a:rPr lang="en-GB" dirty="0" err="1"/>
-              <a:t>Univerza</a:t>
-            </a:r>
-            <a:r>
-              <a:rPr lang="en-GB" dirty="0"/>
-              <a:t> v </a:t>
-            </a:r>
-            <a:r>
-              <a:rPr lang="en-GB" dirty="0" err="1"/>
-              <a:t>Ljubljani</a:t>
-            </a:r>
-            <a:r>
-              <a:rPr lang="en-GB" dirty="0"/>
-              <a:t> </a:t>
-            </a:r>
-            <a:r>
-              <a:rPr lang="en-GB" dirty="0" err="1"/>
-              <a:t>Fakulteta</a:t>
-            </a:r>
-            <a:r>
-              <a:rPr lang="en-GB" dirty="0"/>
-              <a:t> </a:t>
-            </a:r>
-            <a:r>
-              <a:rPr lang="en-GB" dirty="0" err="1"/>
-              <a:t>za</a:t>
-            </a:r>
-            <a:r>
-              <a:rPr lang="en-GB" dirty="0"/>
-              <a:t> </a:t>
-            </a:r>
-            <a:r>
-              <a:rPr lang="en-GB" dirty="0" err="1"/>
-              <a:t>matematiko</a:t>
-            </a:r>
-            <a:r>
-              <a:rPr lang="en-GB" dirty="0"/>
-              <a:t> in </a:t>
-            </a:r>
-            <a:r>
-              <a:rPr lang="en-GB" dirty="0" err="1"/>
-              <a:t>fiziko</a:t>
-            </a:r>
-            <a:r>
-              <a:rPr lang="en-GB" dirty="0"/>
-              <a:t>. </a:t>
-            </a:r>
-            <a:r>
-              <a:rPr lang="en-GB" dirty="0" err="1"/>
-              <a:t>Matjaž</a:t>
-            </a:r>
-            <a:r>
-              <a:rPr lang="en-GB" dirty="0"/>
-              <a:t> </a:t>
-            </a:r>
-            <a:r>
-              <a:rPr lang="en-GB" dirty="0" err="1"/>
-              <a:t>Konvalinka</a:t>
-            </a:r>
-            <a:r>
-              <a:rPr lang="en-GB" dirty="0"/>
-              <a:t> Home Page. [</a:t>
-            </a:r>
-            <a:r>
-              <a:rPr lang="en-GB" dirty="0" err="1"/>
-              <a:t>Elektronski</a:t>
-            </a:r>
-            <a:r>
-              <a:rPr lang="en-GB" dirty="0"/>
-              <a:t>] 2004. https://www.fmf.uni-lj.si/~konvalinka/latin.pdf.</a:t>
-            </a:r>
-          </a:p>
-          <a:p>
-            <a:r>
-              <a:rPr lang="en-GB" dirty="0"/>
-              <a:t>21. </a:t>
-            </a:r>
-            <a:r>
-              <a:rPr lang="en-GB" dirty="0" err="1"/>
-              <a:t>Tuma</a:t>
-            </a:r>
-            <a:r>
-              <a:rPr lang="en-GB" dirty="0"/>
-              <a:t>, Katja. </a:t>
-            </a:r>
-            <a:r>
-              <a:rPr lang="en-GB" dirty="0" err="1"/>
-              <a:t>Repozitorij</a:t>
-            </a:r>
-            <a:r>
-              <a:rPr lang="en-GB" dirty="0"/>
-              <a:t> </a:t>
-            </a:r>
-            <a:r>
-              <a:rPr lang="en-GB" dirty="0" err="1"/>
-              <a:t>univerze</a:t>
-            </a:r>
-            <a:r>
-              <a:rPr lang="en-GB" dirty="0"/>
-              <a:t> v </a:t>
-            </a:r>
-            <a:r>
-              <a:rPr lang="en-GB" dirty="0" err="1"/>
-              <a:t>Ljubljani</a:t>
-            </a:r>
-            <a:r>
-              <a:rPr lang="en-GB" dirty="0"/>
-              <a:t>. </a:t>
-            </a:r>
-            <a:r>
-              <a:rPr lang="en-GB" dirty="0" err="1"/>
-              <a:t>Generiranje</a:t>
-            </a:r>
-            <a:r>
-              <a:rPr lang="en-GB" dirty="0"/>
-              <a:t> in </a:t>
-            </a:r>
-            <a:r>
-              <a:rPr lang="en-GB" dirty="0" err="1"/>
-              <a:t>reševanje</a:t>
-            </a:r>
-            <a:r>
-              <a:rPr lang="en-GB" dirty="0"/>
-              <a:t> </a:t>
-            </a:r>
-            <a:r>
-              <a:rPr lang="en-GB" dirty="0" err="1"/>
-              <a:t>sudokuja</a:t>
-            </a:r>
-            <a:r>
-              <a:rPr lang="en-GB" dirty="0"/>
-              <a:t>. [</a:t>
-            </a:r>
-            <a:r>
-              <a:rPr lang="en-GB" dirty="0" err="1"/>
-              <a:t>Elektronski</a:t>
-            </a:r>
-            <a:r>
-              <a:rPr lang="en-GB" dirty="0"/>
-              <a:t>] 2014. https://repozitorij.uni-lj.si/Dokument.php?id=29461&amp;lang=slv.</a:t>
-            </a:r>
-          </a:p>
-          <a:p>
-            <a:r>
-              <a:rPr lang="en-GB" dirty="0"/>
-              <a:t>22. </a:t>
-            </a:r>
-            <a:r>
-              <a:rPr lang="en-GB" dirty="0" err="1"/>
-              <a:t>Forstnerič</a:t>
-            </a:r>
-            <a:r>
-              <a:rPr lang="en-GB" dirty="0"/>
-              <a:t>, France. </a:t>
-            </a:r>
-            <a:r>
-              <a:rPr lang="en-GB" dirty="0" err="1"/>
-              <a:t>Laboratorij</a:t>
-            </a:r>
-            <a:r>
-              <a:rPr lang="en-GB" dirty="0"/>
-              <a:t> </a:t>
-            </a:r>
-            <a:r>
-              <a:rPr lang="en-GB" dirty="0" err="1"/>
-              <a:t>za</a:t>
-            </a:r>
-            <a:r>
-              <a:rPr lang="en-GB" dirty="0"/>
-              <a:t> </a:t>
-            </a:r>
-            <a:r>
-              <a:rPr lang="en-GB" dirty="0" err="1"/>
-              <a:t>kriptografijo</a:t>
-            </a:r>
-            <a:r>
-              <a:rPr lang="en-GB" dirty="0"/>
-              <a:t> in </a:t>
-            </a:r>
-            <a:r>
-              <a:rPr lang="en-GB" dirty="0" err="1"/>
-              <a:t>računalniško</a:t>
-            </a:r>
-            <a:r>
-              <a:rPr lang="en-GB" dirty="0"/>
-              <a:t> </a:t>
-            </a:r>
-            <a:r>
-              <a:rPr lang="en-GB" dirty="0" err="1"/>
-              <a:t>varnost</a:t>
-            </a:r>
-            <a:r>
-              <a:rPr lang="en-GB" dirty="0"/>
-              <a:t>. </a:t>
-            </a:r>
-            <a:r>
-              <a:rPr lang="en-GB" dirty="0" err="1"/>
-              <a:t>Matematika</a:t>
-            </a:r>
-            <a:r>
-              <a:rPr lang="en-GB" dirty="0"/>
-              <a:t>: O </a:t>
-            </a:r>
-            <a:r>
-              <a:rPr lang="en-GB" dirty="0" err="1"/>
-              <a:t>kongruencah</a:t>
-            </a:r>
-            <a:r>
-              <a:rPr lang="en-GB" dirty="0"/>
-              <a:t>. [</a:t>
-            </a:r>
-            <a:r>
-              <a:rPr lang="en-GB" dirty="0" err="1"/>
-              <a:t>Elektronski</a:t>
-            </a:r>
-            <a:r>
-              <a:rPr lang="en-GB" dirty="0"/>
-              <a:t>] 1979. http://lkrv.fri.uni-lj.si/peter/presek/Forstenic_O_Kongruencah.pdf.</a:t>
-            </a:r>
-          </a:p>
-          <a:p>
-            <a:r>
-              <a:rPr lang="en-GB" dirty="0"/>
-              <a:t>23. Team2280. </a:t>
-            </a:r>
-            <a:r>
-              <a:rPr lang="en-GB" dirty="0" err="1"/>
-              <a:t>CiteSeerX</a:t>
-            </a:r>
-            <a:r>
-              <a:rPr lang="en-GB" dirty="0"/>
-              <a:t>. Sudoku: Bagging a Difficulty Metric &amp; Building Up Puzzles. [</a:t>
-            </a:r>
-            <a:r>
-              <a:rPr lang="en-GB" dirty="0" err="1"/>
-              <a:t>Elektronski</a:t>
-            </a:r>
-            <a:r>
-              <a:rPr lang="en-GB" dirty="0"/>
-              <a:t>] 18. </a:t>
-            </a:r>
-            <a:r>
-              <a:rPr lang="en-GB" dirty="0" err="1"/>
-              <a:t>februar</a:t>
-            </a:r>
-            <a:r>
-              <a:rPr lang="en-GB" dirty="0"/>
-              <a:t> 2008. http://citeseerx.ist.psu.edu/viewdoc/download?doi=10.1.1.142.9486&amp;rep=rep1&amp;type=pdf.</a:t>
-            </a:r>
-          </a:p>
-          <a:p>
-            <a:r>
-              <a:rPr lang="en-GB" dirty="0"/>
-              <a:t>24. </a:t>
-            </a:r>
-            <a:r>
-              <a:rPr lang="en-GB" dirty="0" err="1"/>
-              <a:t>Tepeš</a:t>
-            </a:r>
-            <a:r>
-              <a:rPr lang="en-GB" dirty="0"/>
-              <a:t>, </a:t>
-            </a:r>
-            <a:r>
-              <a:rPr lang="en-GB" dirty="0" err="1"/>
-              <a:t>Nejc</a:t>
-            </a:r>
-            <a:r>
-              <a:rPr lang="en-GB" dirty="0"/>
-              <a:t>. </a:t>
-            </a:r>
-            <a:r>
-              <a:rPr lang="en-GB" dirty="0" err="1"/>
-              <a:t>Univerza</a:t>
-            </a:r>
-            <a:r>
-              <a:rPr lang="en-GB" dirty="0"/>
-              <a:t> v </a:t>
-            </a:r>
-            <a:r>
-              <a:rPr lang="en-GB" dirty="0" err="1"/>
-              <a:t>Mariboru</a:t>
-            </a:r>
-            <a:r>
-              <a:rPr lang="en-GB" dirty="0"/>
-              <a:t>. </a:t>
-            </a:r>
-            <a:r>
-              <a:rPr lang="en-GB" dirty="0" err="1"/>
-              <a:t>Sestavljanje</a:t>
-            </a:r>
-            <a:r>
-              <a:rPr lang="en-GB" dirty="0"/>
-              <a:t> in </a:t>
-            </a:r>
-            <a:r>
-              <a:rPr lang="en-GB" dirty="0" err="1"/>
-              <a:t>reševanje</a:t>
-            </a:r>
-            <a:r>
-              <a:rPr lang="en-GB" dirty="0"/>
-              <a:t> </a:t>
-            </a:r>
-            <a:r>
-              <a:rPr lang="en-GB" dirty="0" err="1"/>
-              <a:t>kombinatorčine</a:t>
-            </a:r>
-            <a:r>
-              <a:rPr lang="en-GB" dirty="0"/>
-              <a:t> </a:t>
-            </a:r>
-            <a:r>
-              <a:rPr lang="en-GB" dirty="0" err="1"/>
-              <a:t>igre</a:t>
-            </a:r>
-            <a:r>
-              <a:rPr lang="en-GB" dirty="0"/>
-              <a:t> s </a:t>
-            </a:r>
-            <a:r>
-              <a:rPr lang="en-GB" dirty="0" err="1"/>
-              <a:t>programiranjem</a:t>
-            </a:r>
-            <a:r>
-              <a:rPr lang="en-GB" dirty="0"/>
-              <a:t>. [</a:t>
-            </a:r>
-            <a:r>
-              <a:rPr lang="en-GB" dirty="0" err="1"/>
-              <a:t>Elektronski</a:t>
-            </a:r>
-            <a:r>
-              <a:rPr lang="en-GB" dirty="0"/>
-              <a:t>] </a:t>
-            </a:r>
-            <a:r>
-              <a:rPr lang="en-GB" dirty="0" err="1"/>
-              <a:t>september</a:t>
-            </a:r>
-            <a:r>
-              <a:rPr lang="en-GB" dirty="0"/>
-              <a:t> 2014. https://dk.um.si/IzpisGradiva.php?id=46258&amp;lang=slv.</a:t>
-            </a:r>
-          </a:p>
-          <a:p>
-            <a:r>
-              <a:rPr lang="en-GB" dirty="0"/>
-              <a:t>25. </a:t>
-            </a:r>
-            <a:r>
-              <a:rPr lang="en-GB" dirty="0" err="1"/>
-              <a:t>Živković</a:t>
-            </a:r>
-            <a:r>
-              <a:rPr lang="en-GB" dirty="0"/>
-              <a:t>, </a:t>
-            </a:r>
-            <a:r>
-              <a:rPr lang="en-GB" dirty="0" err="1"/>
-              <a:t>Dejan</a:t>
-            </a:r>
-            <a:r>
-              <a:rPr lang="en-GB" dirty="0"/>
-              <a:t>. </a:t>
-            </a:r>
-            <a:r>
-              <a:rPr lang="en-GB" dirty="0" err="1"/>
-              <a:t>Singipedia</a:t>
-            </a:r>
-            <a:r>
-              <a:rPr lang="en-GB" dirty="0"/>
-              <a:t>. Java </a:t>
-            </a:r>
-            <a:r>
-              <a:rPr lang="en-GB" dirty="0" err="1"/>
-              <a:t>programiranje</a:t>
-            </a:r>
-            <a:r>
-              <a:rPr lang="en-GB" dirty="0"/>
-              <a:t>. [</a:t>
-            </a:r>
-            <a:r>
-              <a:rPr lang="en-GB" dirty="0" err="1"/>
-              <a:t>Elektronski</a:t>
-            </a:r>
-            <a:r>
-              <a:rPr lang="en-GB" dirty="0"/>
-              <a:t>] 2019. https://singipedia.singidunum.ac.rs/izdanje/43019-java-programiranje. ISBN 978-86-7912-521-7.</a:t>
-            </a:r>
-          </a:p>
-          <a:p>
-            <a:r>
-              <a:rPr lang="en-GB" dirty="0"/>
-              <a:t>26. Oracle. </a:t>
-            </a:r>
-            <a:r>
-              <a:rPr lang="en-GB" dirty="0" err="1"/>
-              <a:t>Oracle:Documentation</a:t>
-            </a:r>
-            <a:r>
-              <a:rPr lang="en-GB" dirty="0"/>
-              <a:t>. Class </a:t>
-            </a:r>
-            <a:r>
-              <a:rPr lang="en-GB" dirty="0" err="1"/>
-              <a:t>MouseEvent</a:t>
-            </a:r>
-            <a:r>
-              <a:rPr lang="en-GB" dirty="0"/>
-              <a:t>. [</a:t>
-            </a:r>
-            <a:r>
-              <a:rPr lang="en-GB" dirty="0" err="1"/>
-              <a:t>Elektronski</a:t>
-            </a:r>
-            <a:r>
-              <a:rPr lang="en-GB" dirty="0"/>
-              <a:t>] 2021. https://docs.oracle.com/javase/7/docs/api/java/awt/event/MouseEvent.html.</a:t>
-            </a:r>
-          </a:p>
-          <a:p>
-            <a:r>
-              <a:rPr lang="en-GB" dirty="0"/>
-              <a:t>27. </a:t>
-            </a:r>
-            <a:r>
-              <a:rPr lang="en-GB" dirty="0" err="1"/>
-              <a:t>Slovenska</a:t>
-            </a:r>
-            <a:r>
-              <a:rPr lang="en-GB" dirty="0"/>
-              <a:t> </a:t>
-            </a:r>
-            <a:r>
-              <a:rPr lang="en-GB" dirty="0" err="1"/>
-              <a:t>akademija</a:t>
-            </a:r>
-            <a:r>
-              <a:rPr lang="en-GB" dirty="0"/>
-              <a:t> </a:t>
-            </a:r>
-            <a:r>
-              <a:rPr lang="en-GB" dirty="0" err="1"/>
-              <a:t>za</a:t>
-            </a:r>
-            <a:r>
-              <a:rPr lang="en-GB" dirty="0"/>
-              <a:t> </a:t>
-            </a:r>
-            <a:r>
-              <a:rPr lang="en-GB" dirty="0" err="1"/>
-              <a:t>znanost</a:t>
-            </a:r>
-            <a:r>
-              <a:rPr lang="en-GB" dirty="0"/>
-              <a:t> in </a:t>
-            </a:r>
-            <a:r>
-              <a:rPr lang="en-GB" dirty="0" err="1"/>
-              <a:t>umetnost</a:t>
-            </a:r>
-            <a:r>
-              <a:rPr lang="en-GB" dirty="0"/>
-              <a:t> in </a:t>
-            </a:r>
-            <a:r>
-              <a:rPr lang="en-GB" dirty="0" err="1"/>
-              <a:t>Znanstveno</a:t>
-            </a:r>
-            <a:r>
-              <a:rPr lang="en-GB" dirty="0"/>
-              <a:t> </a:t>
-            </a:r>
-            <a:r>
-              <a:rPr lang="en-GB" dirty="0" err="1"/>
-              <a:t>raziskovalni</a:t>
-            </a:r>
-            <a:r>
-              <a:rPr lang="en-GB" dirty="0"/>
-              <a:t> </a:t>
-            </a:r>
-            <a:r>
-              <a:rPr lang="en-GB" dirty="0" err="1"/>
-              <a:t>center</a:t>
-            </a:r>
-            <a:r>
-              <a:rPr lang="en-GB" dirty="0"/>
-              <a:t> </a:t>
-            </a:r>
-            <a:r>
-              <a:rPr lang="en-GB" dirty="0" err="1"/>
-              <a:t>Slovenske</a:t>
-            </a:r>
-            <a:r>
-              <a:rPr lang="en-GB" dirty="0"/>
-              <a:t> </a:t>
-            </a:r>
-            <a:r>
-              <a:rPr lang="en-GB" dirty="0" err="1"/>
-              <a:t>akademije</a:t>
-            </a:r>
-            <a:r>
-              <a:rPr lang="en-GB" dirty="0"/>
-              <a:t> </a:t>
-            </a:r>
-            <a:r>
-              <a:rPr lang="en-GB" dirty="0" err="1"/>
-              <a:t>znanosti</a:t>
-            </a:r>
-            <a:r>
-              <a:rPr lang="en-GB" dirty="0"/>
-              <a:t> in </a:t>
-            </a:r>
-            <a:r>
-              <a:rPr lang="en-GB" dirty="0" err="1"/>
-              <a:t>umetnosti</a:t>
-            </a:r>
-            <a:r>
-              <a:rPr lang="en-GB" dirty="0"/>
-              <a:t> </a:t>
-            </a:r>
-            <a:r>
-              <a:rPr lang="en-GB" dirty="0" err="1"/>
-              <a:t>Inštitut</a:t>
-            </a:r>
-            <a:r>
-              <a:rPr lang="en-GB" dirty="0"/>
-              <a:t> </a:t>
-            </a:r>
-            <a:r>
-              <a:rPr lang="en-GB" dirty="0" err="1"/>
-              <a:t>za</a:t>
-            </a:r>
-            <a:r>
-              <a:rPr lang="en-GB" dirty="0"/>
-              <a:t> </a:t>
-            </a:r>
-            <a:r>
-              <a:rPr lang="en-GB" dirty="0" err="1"/>
-              <a:t>slovenski</a:t>
-            </a:r>
-            <a:r>
-              <a:rPr lang="en-GB" dirty="0"/>
-              <a:t> </a:t>
-            </a:r>
-            <a:r>
-              <a:rPr lang="en-GB" dirty="0" err="1"/>
-              <a:t>jezik</a:t>
-            </a:r>
-            <a:r>
-              <a:rPr lang="en-GB" dirty="0"/>
-              <a:t> </a:t>
-            </a:r>
-            <a:r>
-              <a:rPr lang="en-GB" dirty="0" err="1"/>
-              <a:t>Frana</a:t>
-            </a:r>
-            <a:r>
-              <a:rPr lang="en-GB" dirty="0"/>
-              <a:t> </a:t>
-            </a:r>
-            <a:r>
-              <a:rPr lang="en-GB" dirty="0" err="1"/>
-              <a:t>Ramovška</a:t>
-            </a:r>
-            <a:r>
-              <a:rPr lang="en-GB" dirty="0"/>
-              <a:t> in </a:t>
-            </a:r>
-            <a:r>
-              <a:rPr lang="en-GB" dirty="0" err="1"/>
-              <a:t>avtorji</a:t>
-            </a:r>
-            <a:r>
-              <a:rPr lang="en-GB" dirty="0"/>
-              <a:t>. </a:t>
-            </a:r>
-            <a:r>
-              <a:rPr lang="en-GB" dirty="0" err="1"/>
-              <a:t>Slovar</a:t>
-            </a:r>
-            <a:r>
-              <a:rPr lang="en-GB" dirty="0"/>
-              <a:t> </a:t>
-            </a:r>
-            <a:r>
-              <a:rPr lang="en-GB" dirty="0" err="1"/>
-              <a:t>slovenskega</a:t>
-            </a:r>
-            <a:r>
-              <a:rPr lang="en-GB" dirty="0"/>
-              <a:t> </a:t>
-            </a:r>
-            <a:r>
-              <a:rPr lang="en-GB" dirty="0" err="1"/>
-              <a:t>knjižnega</a:t>
-            </a:r>
-            <a:r>
-              <a:rPr lang="en-GB" dirty="0"/>
-              <a:t> </a:t>
-            </a:r>
-            <a:r>
-              <a:rPr lang="en-GB" dirty="0" err="1"/>
-              <a:t>jezika</a:t>
-            </a:r>
-            <a:r>
-              <a:rPr lang="en-GB" dirty="0"/>
-              <a:t> 2. </a:t>
-            </a:r>
-            <a:r>
-              <a:rPr lang="en-GB" dirty="0" err="1"/>
-              <a:t>druga</a:t>
-            </a:r>
-            <a:r>
-              <a:rPr lang="en-GB" dirty="0"/>
-              <a:t> </a:t>
-            </a:r>
-            <a:r>
-              <a:rPr lang="en-GB" dirty="0" err="1"/>
-              <a:t>dopoljena</a:t>
-            </a:r>
-            <a:r>
-              <a:rPr lang="en-GB" dirty="0"/>
-              <a:t> in </a:t>
-            </a:r>
-            <a:r>
-              <a:rPr lang="en-GB" dirty="0" err="1"/>
-              <a:t>deloma</a:t>
-            </a:r>
-            <a:r>
-              <a:rPr lang="en-GB" dirty="0"/>
-              <a:t> </a:t>
-            </a:r>
-            <a:r>
-              <a:rPr lang="en-GB" dirty="0" err="1"/>
-              <a:t>prenoljena</a:t>
-            </a:r>
-            <a:r>
-              <a:rPr lang="en-GB" dirty="0"/>
-              <a:t> </a:t>
-            </a:r>
-            <a:r>
-              <a:rPr lang="en-GB" dirty="0" err="1"/>
-              <a:t>izdaja</a:t>
-            </a:r>
-            <a:r>
-              <a:rPr lang="en-GB" dirty="0"/>
-              <a:t>. Ljubljana : </a:t>
-            </a:r>
-            <a:r>
-              <a:rPr lang="en-GB" dirty="0" err="1"/>
-              <a:t>Cankarjeva</a:t>
-            </a:r>
-            <a:r>
-              <a:rPr lang="en-GB" dirty="0"/>
-              <a:t> </a:t>
-            </a:r>
-            <a:r>
-              <a:rPr lang="en-GB" dirty="0" err="1"/>
-              <a:t>založba</a:t>
-            </a:r>
-            <a:r>
-              <a:rPr lang="en-GB" dirty="0"/>
-              <a:t>, 2015. ISBN 978-961-282-010-7.</a:t>
-            </a:r>
-          </a:p>
-          <a:p>
-            <a:r>
-              <a:rPr lang="en-GB" dirty="0"/>
-              <a:t>28. </a:t>
-            </a:r>
-            <a:r>
-              <a:rPr lang="en-GB" dirty="0" err="1"/>
-              <a:t>GeeksforGeeks</a:t>
-            </a:r>
-            <a:r>
-              <a:rPr lang="en-GB" dirty="0"/>
-              <a:t>. </a:t>
-            </a:r>
-            <a:r>
-              <a:rPr lang="en-GB" dirty="0" err="1"/>
-              <a:t>GeeksforGeeks</a:t>
-            </a:r>
-            <a:r>
-              <a:rPr lang="en-GB" dirty="0"/>
-              <a:t>. Differences between JDK, JRE and JVM. [</a:t>
-            </a:r>
-            <a:r>
-              <a:rPr lang="en-GB" dirty="0" err="1"/>
-              <a:t>Elektronski</a:t>
-            </a:r>
-            <a:r>
-              <a:rPr lang="en-GB" dirty="0"/>
-              <a:t>] 10. </a:t>
-            </a:r>
-            <a:r>
-              <a:rPr lang="en-GB" dirty="0" err="1"/>
-              <a:t>avgust</a:t>
-            </a:r>
-            <a:r>
-              <a:rPr lang="en-GB" dirty="0"/>
-              <a:t> 2018. https://www.geeksforgeeks.org/differences-jdk-jre-jvm/.</a:t>
-            </a:r>
-          </a:p>
+        <p:spPr/>
+        <p:txBody>
+          <a:bodyPr/>
+          <a:lstStyle/>
           <a:p>
             <a:endParaRPr lang="en-GB" dirty="0"/>
           </a:p>
-          <a:p>
-            <a:endParaRPr lang="en-GB" dirty="0"/>
-          </a:p>
         </p:txBody>
       </p:sp>
       <p:sp>
@@ -6628,7 +10653,7 @@
           <p:cNvPr id="4" name="Označba mesta datuma 3">
             <a:extLst>
               <a:ext uri="{FF2B5EF4-FFF2-40B4-BE49-F238E27FC236}">
-                <a16:creationId xmlns:a16="http://schemas.microsoft.com/office/drawing/2014/main" id="{430B12AA-053B-41EF-B156-18D119AF490C}"/>
+                <a16:creationId xmlns:a16="http://schemas.microsoft.com/office/drawing/2014/main" id="{4A657A5E-EE36-4126-AA0A-8543BA1430D3}"/>
               </a:ext>
             </a:extLst>
           </p:cNvPr>
@@ -6657,7 +10682,7 @@
           <p:cNvPr id="5" name="Označba mesta številke diapozitiva 4">
             <a:extLst>
               <a:ext uri="{FF2B5EF4-FFF2-40B4-BE49-F238E27FC236}">
-                <a16:creationId xmlns:a16="http://schemas.microsoft.com/office/drawing/2014/main" id="{541BE5B0-2FDE-4555-B6BE-8380D6BF5ADE}"/>
+                <a16:creationId xmlns:a16="http://schemas.microsoft.com/office/drawing/2014/main" id="{A9CA5843-3892-4369-BE92-DF64B247D604}"/>
               </a:ext>
             </a:extLst>
           </p:cNvPr>
@@ -6686,7 +10711,7 @@
           <p:cNvPr id="6" name="Označba mesta noge 5">
             <a:extLst>
               <a:ext uri="{FF2B5EF4-FFF2-40B4-BE49-F238E27FC236}">
-                <a16:creationId xmlns:a16="http://schemas.microsoft.com/office/drawing/2014/main" id="{93FFB4AA-D379-4659-B1A8-FFBD53481F94}"/>
+                <a16:creationId xmlns:a16="http://schemas.microsoft.com/office/drawing/2014/main" id="{C7A0F4CF-E368-4C7B-BC2E-71A5C36470A5}"/>
               </a:ext>
             </a:extLst>
           </p:cNvPr>
@@ -6709,16 +10734,602 @@
           </a:p>
         </p:txBody>
       </p:sp>
+      <p:pic>
+        <p:nvPicPr>
+          <p:cNvPr id="8" name="Slika 7">
+            <a:extLst>
+              <a:ext uri="{FF2B5EF4-FFF2-40B4-BE49-F238E27FC236}">
+                <a16:creationId xmlns:a16="http://schemas.microsoft.com/office/drawing/2014/main" id="{5E859E83-EC19-45D8-AF0B-E26852334FCB}"/>
+              </a:ext>
+            </a:extLst>
+          </p:cNvPr>
+          <p:cNvPicPr>
+            <a:picLocks noChangeAspect="1"/>
+          </p:cNvPicPr>
+          <p:nvPr/>
+        </p:nvPicPr>
+        <p:blipFill rotWithShape="1">
+          <a:blip r:embed="rId2"/>
+          <a:srcRect r="7022" b="50725"/>
+          <a:stretch/>
+        </p:blipFill>
+        <p:spPr>
+          <a:xfrm>
+            <a:off x="0" y="1690688"/>
+            <a:ext cx="6158948" cy="4533154"/>
+          </a:xfrm>
+          <a:prstGeom prst="rect">
+            <a:avLst/>
+          </a:prstGeom>
+        </p:spPr>
+      </p:pic>
+      <p:pic>
+        <p:nvPicPr>
+          <p:cNvPr id="9" name="Slika 8">
+            <a:extLst>
+              <a:ext uri="{FF2B5EF4-FFF2-40B4-BE49-F238E27FC236}">
+                <a16:creationId xmlns:a16="http://schemas.microsoft.com/office/drawing/2014/main" id="{BA1AEF0C-3F31-4134-9872-20A3B1DBA160}"/>
+              </a:ext>
+            </a:extLst>
+          </p:cNvPr>
+          <p:cNvPicPr>
+            <a:picLocks noChangeAspect="1"/>
+          </p:cNvPicPr>
+          <p:nvPr/>
+        </p:nvPicPr>
+        <p:blipFill rotWithShape="1">
+          <a:blip r:embed="rId3"/>
+          <a:srcRect t="49131" r="6709" b="3188"/>
+          <a:stretch/>
+        </p:blipFill>
+        <p:spPr>
+          <a:xfrm>
+            <a:off x="6158948" y="1870075"/>
+            <a:ext cx="6159543" cy="4372182"/>
+          </a:xfrm>
+          <a:prstGeom prst="rect">
+            <a:avLst/>
+          </a:prstGeom>
+        </p:spPr>
+      </p:pic>
     </p:spTree>
     <p:extLst>
       <p:ext uri="{BB962C8B-B14F-4D97-AF65-F5344CB8AC3E}">
-        <p14:creationId xmlns:p14="http://schemas.microsoft.com/office/powerpoint/2010/main" val="490933959"/>
+        <p14:creationId xmlns:p14="http://schemas.microsoft.com/office/powerpoint/2010/main" val="2645679482"/>
       </p:ext>
     </p:extLst>
   </p:cSld>
   <p:clrMapOvr>
     <a:masterClrMapping/>
   </p:clrMapOvr>
+  <mc:AlternateContent xmlns:mc="http://schemas.openxmlformats.org/markup-compatibility/2006" xmlns:p159="http://schemas.microsoft.com/office/powerpoint/2015/09/main">
+    <mc:Choice Requires="p159">
+      <p:transition xmlns:p14="http://schemas.microsoft.com/office/powerpoint/2010/main" spd="slow" p14:dur="2000">
+        <p159:morph option="byObject"/>
+      </p:transition>
+    </mc:Choice>
+    <mc:Fallback xmlns="">
+      <p:transition spd="slow">
+        <p:fade/>
+      </p:transition>
+    </mc:Fallback>
+  </mc:AlternateContent>
+</p:sld>
+</file>
+
+<file path=ppt/slides/slide8.xml><?xml version="1.0" encoding="utf-8"?>
+<p:sld xmlns:a="http://schemas.openxmlformats.org/drawingml/2006/main" xmlns:r="http://schemas.openxmlformats.org/officeDocument/2006/relationships" xmlns:p="http://schemas.openxmlformats.org/presentationml/2006/main">
+  <p:cSld>
+    <p:spTree>
+      <p:nvGrpSpPr>
+        <p:cNvPr id="1" name=""/>
+        <p:cNvGrpSpPr/>
+        <p:nvPr/>
+      </p:nvGrpSpPr>
+      <p:grpSpPr>
+        <a:xfrm>
+          <a:off x="0" y="0"/>
+          <a:ext cx="0" cy="0"/>
+          <a:chOff x="0" y="0"/>
+          <a:chExt cx="0" cy="0"/>
+        </a:xfrm>
+      </p:grpSpPr>
+      <p:sp>
+        <p:nvSpPr>
+          <p:cNvPr id="2" name="Naslov 1">
+            <a:extLst>
+              <a:ext uri="{FF2B5EF4-FFF2-40B4-BE49-F238E27FC236}">
+                <a16:creationId xmlns:a16="http://schemas.microsoft.com/office/drawing/2014/main" id="{B2DF2FB9-41C7-40BD-9B5F-DB6D8C848782}"/>
+              </a:ext>
+            </a:extLst>
+          </p:cNvPr>
+          <p:cNvSpPr>
+            <a:spLocks noGrp="1"/>
+          </p:cNvSpPr>
+          <p:nvPr>
+            <p:ph type="title"/>
+          </p:nvPr>
+        </p:nvSpPr>
+        <p:spPr/>
+        <p:txBody>
+          <a:bodyPr/>
+          <a:lstStyle/>
+          <a:p>
+            <a:r>
+              <a:rPr lang="sl-SI" dirty="0"/>
+              <a:t>Razred GUI</a:t>
+            </a:r>
+            <a:endParaRPr lang="en-GB" dirty="0"/>
+          </a:p>
+        </p:txBody>
+      </p:sp>
+      <p:sp>
+        <p:nvSpPr>
+          <p:cNvPr id="3" name="Označba mesta vsebine 2">
+            <a:extLst>
+              <a:ext uri="{FF2B5EF4-FFF2-40B4-BE49-F238E27FC236}">
+                <a16:creationId xmlns:a16="http://schemas.microsoft.com/office/drawing/2014/main" id="{D63D930D-41BE-418F-9FD8-FE7E9F039718}"/>
+              </a:ext>
+            </a:extLst>
+          </p:cNvPr>
+          <p:cNvSpPr>
+            <a:spLocks noGrp="1"/>
+          </p:cNvSpPr>
+          <p:nvPr>
+            <p:ph idx="1"/>
+          </p:nvPr>
+        </p:nvSpPr>
+        <p:spPr/>
+        <p:txBody>
+          <a:bodyPr/>
+          <a:lstStyle/>
+          <a:p>
+            <a:endParaRPr lang="en-GB" dirty="0"/>
+          </a:p>
+        </p:txBody>
+      </p:sp>
+      <p:sp>
+        <p:nvSpPr>
+          <p:cNvPr id="4" name="Označba mesta datuma 3">
+            <a:extLst>
+              <a:ext uri="{FF2B5EF4-FFF2-40B4-BE49-F238E27FC236}">
+                <a16:creationId xmlns:a16="http://schemas.microsoft.com/office/drawing/2014/main" id="{A26E8A46-1BCA-45C9-ACA1-438C2607E93C}"/>
+              </a:ext>
+            </a:extLst>
+          </p:cNvPr>
+          <p:cNvSpPr>
+            <a:spLocks noGrp="1"/>
+          </p:cNvSpPr>
+          <p:nvPr>
+            <p:ph type="dt" sz="half" idx="10"/>
+          </p:nvPr>
+        </p:nvSpPr>
+        <p:spPr/>
+        <p:txBody>
+          <a:bodyPr/>
+          <a:lstStyle/>
+          <a:p>
+            <a:r>
+              <a:rPr lang="sl-SI"/>
+              <a:t>april 2021</a:t>
+            </a:r>
+            <a:endParaRPr lang="en-GB"/>
+          </a:p>
+        </p:txBody>
+      </p:sp>
+      <p:sp>
+        <p:nvSpPr>
+          <p:cNvPr id="5" name="Označba mesta številke diapozitiva 4">
+            <a:extLst>
+              <a:ext uri="{FF2B5EF4-FFF2-40B4-BE49-F238E27FC236}">
+                <a16:creationId xmlns:a16="http://schemas.microsoft.com/office/drawing/2014/main" id="{70CCE3B0-5BA4-48DA-9D8B-FC74C1059C2B}"/>
+              </a:ext>
+            </a:extLst>
+          </p:cNvPr>
+          <p:cNvSpPr>
+            <a:spLocks noGrp="1"/>
+          </p:cNvSpPr>
+          <p:nvPr>
+            <p:ph type="sldNum" sz="quarter" idx="12"/>
+          </p:nvPr>
+        </p:nvSpPr>
+        <p:spPr/>
+        <p:txBody>
+          <a:bodyPr/>
+          <a:lstStyle/>
+          <a:p>
+            <a:fld id="{F8D99867-FBE4-4848-83CC-9A906A3AD9B7}" type="slidenum">
+              <a:rPr lang="en-GB" smtClean="0"/>
+              <a:t>8</a:t>
+            </a:fld>
+            <a:endParaRPr lang="en-GB"/>
+          </a:p>
+        </p:txBody>
+      </p:sp>
+      <p:sp>
+        <p:nvSpPr>
+          <p:cNvPr id="6" name="Označba mesta noge 5">
+            <a:extLst>
+              <a:ext uri="{FF2B5EF4-FFF2-40B4-BE49-F238E27FC236}">
+                <a16:creationId xmlns:a16="http://schemas.microsoft.com/office/drawing/2014/main" id="{568B6510-22CE-49D0-A8CF-55475C1A9784}"/>
+              </a:ext>
+            </a:extLst>
+          </p:cNvPr>
+          <p:cNvSpPr>
+            <a:spLocks noGrp="1"/>
+          </p:cNvSpPr>
+          <p:nvPr>
+            <p:ph type="ftr" sz="quarter" idx="11"/>
+          </p:nvPr>
+        </p:nvSpPr>
+        <p:spPr/>
+        <p:txBody>
+          <a:bodyPr/>
+          <a:lstStyle/>
+          <a:p>
+            <a:r>
+              <a:rPr lang="en-GB"/>
+              <a:t>Barbara Kastelic, T4a</a:t>
+            </a:r>
+          </a:p>
+        </p:txBody>
+      </p:sp>
+      <p:pic>
+        <p:nvPicPr>
+          <p:cNvPr id="9" name="Slika 8">
+            <a:extLst>
+              <a:ext uri="{FF2B5EF4-FFF2-40B4-BE49-F238E27FC236}">
+                <a16:creationId xmlns:a16="http://schemas.microsoft.com/office/drawing/2014/main" id="{DC30DCB6-D58C-44C7-B287-90679DE88970}"/>
+              </a:ext>
+            </a:extLst>
+          </p:cNvPr>
+          <p:cNvPicPr>
+            <a:picLocks noChangeAspect="1"/>
+          </p:cNvPicPr>
+          <p:nvPr/>
+        </p:nvPicPr>
+        <p:blipFill rotWithShape="1">
+          <a:blip r:embed="rId2"/>
+          <a:srcRect l="1" r="38002" b="23910"/>
+          <a:stretch/>
+        </p:blipFill>
+        <p:spPr>
+          <a:xfrm>
+            <a:off x="6082748" y="365125"/>
+            <a:ext cx="5271052" cy="1152961"/>
+          </a:xfrm>
+          <a:prstGeom prst="rect">
+            <a:avLst/>
+          </a:prstGeom>
+        </p:spPr>
+      </p:pic>
+      <p:pic>
+        <p:nvPicPr>
+          <p:cNvPr id="10" name="Slika 9">
+            <a:extLst>
+              <a:ext uri="{FF2B5EF4-FFF2-40B4-BE49-F238E27FC236}">
+                <a16:creationId xmlns:a16="http://schemas.microsoft.com/office/drawing/2014/main" id="{59C55C2C-682F-44C5-8E7A-A6A1BA38E449}"/>
+              </a:ext>
+            </a:extLst>
+          </p:cNvPr>
+          <p:cNvPicPr>
+            <a:picLocks noChangeAspect="1"/>
+          </p:cNvPicPr>
+          <p:nvPr/>
+        </p:nvPicPr>
+        <p:blipFill>
+          <a:blip r:embed="rId3"/>
+          <a:stretch>
+            <a:fillRect/>
+          </a:stretch>
+        </p:blipFill>
+        <p:spPr>
+          <a:xfrm>
+            <a:off x="838200" y="1329319"/>
+            <a:ext cx="5029624" cy="4937338"/>
+          </a:xfrm>
+          <a:prstGeom prst="rect">
+            <a:avLst/>
+          </a:prstGeom>
+        </p:spPr>
+      </p:pic>
+      <p:pic>
+        <p:nvPicPr>
+          <p:cNvPr id="11" name="Slika 10">
+            <a:extLst>
+              <a:ext uri="{FF2B5EF4-FFF2-40B4-BE49-F238E27FC236}">
+                <a16:creationId xmlns:a16="http://schemas.microsoft.com/office/drawing/2014/main" id="{49034A67-AAF6-4EB4-9603-D99A085D61DE}"/>
+              </a:ext>
+            </a:extLst>
+          </p:cNvPr>
+          <p:cNvPicPr>
+            <a:picLocks noChangeAspect="1"/>
+          </p:cNvPicPr>
+          <p:nvPr/>
+        </p:nvPicPr>
+        <p:blipFill>
+          <a:blip r:embed="rId4"/>
+          <a:stretch>
+            <a:fillRect/>
+          </a:stretch>
+        </p:blipFill>
+        <p:spPr>
+          <a:xfrm>
+            <a:off x="6096000" y="1607779"/>
+            <a:ext cx="4877223" cy="4724809"/>
+          </a:xfrm>
+          <a:prstGeom prst="rect">
+            <a:avLst/>
+          </a:prstGeom>
+        </p:spPr>
+      </p:pic>
+    </p:spTree>
+    <p:extLst>
+      <p:ext uri="{BB962C8B-B14F-4D97-AF65-F5344CB8AC3E}">
+        <p14:creationId xmlns:p14="http://schemas.microsoft.com/office/powerpoint/2010/main" val="2506860978"/>
+      </p:ext>
+    </p:extLst>
+  </p:cSld>
+  <p:clrMapOvr>
+    <a:masterClrMapping/>
+  </p:clrMapOvr>
+  <mc:AlternateContent xmlns:mc="http://schemas.openxmlformats.org/markup-compatibility/2006" xmlns:p159="http://schemas.microsoft.com/office/powerpoint/2015/09/main">
+    <mc:Choice Requires="p159">
+      <p:transition xmlns:p14="http://schemas.microsoft.com/office/powerpoint/2010/main" spd="slow" p14:dur="2000">
+        <p159:morph option="byObject"/>
+      </p:transition>
+    </mc:Choice>
+    <mc:Fallback xmlns="">
+      <p:transition spd="slow">
+        <p:fade/>
+      </p:transition>
+    </mc:Fallback>
+  </mc:AlternateContent>
+</p:sld>
+</file>
+
+<file path=ppt/slides/slide9.xml><?xml version="1.0" encoding="utf-8"?>
+<p:sld xmlns:a="http://schemas.openxmlformats.org/drawingml/2006/main" xmlns:r="http://schemas.openxmlformats.org/officeDocument/2006/relationships" xmlns:p="http://schemas.openxmlformats.org/presentationml/2006/main">
+  <p:cSld>
+    <p:spTree>
+      <p:nvGrpSpPr>
+        <p:cNvPr id="1" name=""/>
+        <p:cNvGrpSpPr/>
+        <p:nvPr/>
+      </p:nvGrpSpPr>
+      <p:grpSpPr>
+        <a:xfrm>
+          <a:off x="0" y="0"/>
+          <a:ext cx="0" cy="0"/>
+          <a:chOff x="0" y="0"/>
+          <a:chExt cx="0" cy="0"/>
+        </a:xfrm>
+      </p:grpSpPr>
+      <p:sp>
+        <p:nvSpPr>
+          <p:cNvPr id="2" name="Naslov 1">
+            <a:extLst>
+              <a:ext uri="{FF2B5EF4-FFF2-40B4-BE49-F238E27FC236}">
+                <a16:creationId xmlns:a16="http://schemas.microsoft.com/office/drawing/2014/main" id="{B2DF2FB9-41C7-40BD-9B5F-DB6D8C848782}"/>
+              </a:ext>
+            </a:extLst>
+          </p:cNvPr>
+          <p:cNvSpPr>
+            <a:spLocks noGrp="1"/>
+          </p:cNvSpPr>
+          <p:nvPr>
+            <p:ph type="title"/>
+          </p:nvPr>
+        </p:nvSpPr>
+        <p:spPr/>
+        <p:txBody>
+          <a:bodyPr/>
+          <a:lstStyle/>
+          <a:p>
+            <a:r>
+              <a:rPr lang="sl-SI" dirty="0"/>
+              <a:t>Razred </a:t>
+            </a:r>
+            <a:r>
+              <a:rPr lang="sl-SI" dirty="0" err="1"/>
+              <a:t>GUImreza</a:t>
+            </a:r>
+            <a:endParaRPr lang="en-GB" dirty="0"/>
+          </a:p>
+        </p:txBody>
+      </p:sp>
+      <p:sp>
+        <p:nvSpPr>
+          <p:cNvPr id="3" name="Označba mesta vsebine 2">
+            <a:extLst>
+              <a:ext uri="{FF2B5EF4-FFF2-40B4-BE49-F238E27FC236}">
+                <a16:creationId xmlns:a16="http://schemas.microsoft.com/office/drawing/2014/main" id="{D63D930D-41BE-418F-9FD8-FE7E9F039718}"/>
+              </a:ext>
+            </a:extLst>
+          </p:cNvPr>
+          <p:cNvSpPr>
+            <a:spLocks noGrp="1"/>
+          </p:cNvSpPr>
+          <p:nvPr>
+            <p:ph idx="1"/>
+          </p:nvPr>
+        </p:nvSpPr>
+        <p:spPr/>
+        <p:txBody>
+          <a:bodyPr/>
+          <a:lstStyle/>
+          <a:p>
+            <a:endParaRPr lang="en-GB" dirty="0"/>
+          </a:p>
+        </p:txBody>
+      </p:sp>
+      <p:sp>
+        <p:nvSpPr>
+          <p:cNvPr id="4" name="Označba mesta datuma 3">
+            <a:extLst>
+              <a:ext uri="{FF2B5EF4-FFF2-40B4-BE49-F238E27FC236}">
+                <a16:creationId xmlns:a16="http://schemas.microsoft.com/office/drawing/2014/main" id="{A26E8A46-1BCA-45C9-ACA1-438C2607E93C}"/>
+              </a:ext>
+            </a:extLst>
+          </p:cNvPr>
+          <p:cNvSpPr>
+            <a:spLocks noGrp="1"/>
+          </p:cNvSpPr>
+          <p:nvPr>
+            <p:ph type="dt" sz="half" idx="10"/>
+          </p:nvPr>
+        </p:nvSpPr>
+        <p:spPr/>
+        <p:txBody>
+          <a:bodyPr/>
+          <a:lstStyle/>
+          <a:p>
+            <a:r>
+              <a:rPr lang="sl-SI"/>
+              <a:t>april 2021</a:t>
+            </a:r>
+            <a:endParaRPr lang="en-GB"/>
+          </a:p>
+        </p:txBody>
+      </p:sp>
+      <p:sp>
+        <p:nvSpPr>
+          <p:cNvPr id="5" name="Označba mesta številke diapozitiva 4">
+            <a:extLst>
+              <a:ext uri="{FF2B5EF4-FFF2-40B4-BE49-F238E27FC236}">
+                <a16:creationId xmlns:a16="http://schemas.microsoft.com/office/drawing/2014/main" id="{70CCE3B0-5BA4-48DA-9D8B-FC74C1059C2B}"/>
+              </a:ext>
+            </a:extLst>
+          </p:cNvPr>
+          <p:cNvSpPr>
+            <a:spLocks noGrp="1"/>
+          </p:cNvSpPr>
+          <p:nvPr>
+            <p:ph type="sldNum" sz="quarter" idx="12"/>
+          </p:nvPr>
+        </p:nvSpPr>
+        <p:spPr/>
+        <p:txBody>
+          <a:bodyPr/>
+          <a:lstStyle/>
+          <a:p>
+            <a:fld id="{F8D99867-FBE4-4848-83CC-9A906A3AD9B7}" type="slidenum">
+              <a:rPr lang="en-GB" smtClean="0"/>
+              <a:t>9</a:t>
+            </a:fld>
+            <a:endParaRPr lang="en-GB"/>
+          </a:p>
+        </p:txBody>
+      </p:sp>
+      <p:sp>
+        <p:nvSpPr>
+          <p:cNvPr id="6" name="Označba mesta noge 5">
+            <a:extLst>
+              <a:ext uri="{FF2B5EF4-FFF2-40B4-BE49-F238E27FC236}">
+                <a16:creationId xmlns:a16="http://schemas.microsoft.com/office/drawing/2014/main" id="{568B6510-22CE-49D0-A8CF-55475C1A9784}"/>
+              </a:ext>
+            </a:extLst>
+          </p:cNvPr>
+          <p:cNvSpPr>
+            <a:spLocks noGrp="1"/>
+          </p:cNvSpPr>
+          <p:nvPr>
+            <p:ph type="ftr" sz="quarter" idx="11"/>
+          </p:nvPr>
+        </p:nvSpPr>
+        <p:spPr/>
+        <p:txBody>
+          <a:bodyPr/>
+          <a:lstStyle/>
+          <a:p>
+            <a:r>
+              <a:rPr lang="en-GB"/>
+              <a:t>Barbara Kastelic, T4a</a:t>
+            </a:r>
+          </a:p>
+        </p:txBody>
+      </p:sp>
+      <p:pic>
+        <p:nvPicPr>
+          <p:cNvPr id="8" name="Slika 7">
+            <a:extLst>
+              <a:ext uri="{FF2B5EF4-FFF2-40B4-BE49-F238E27FC236}">
+                <a16:creationId xmlns:a16="http://schemas.microsoft.com/office/drawing/2014/main" id="{BA0F20D7-AA51-4339-9106-A0AC616A00CB}"/>
+              </a:ext>
+            </a:extLst>
+          </p:cNvPr>
+          <p:cNvPicPr>
+            <a:picLocks noChangeAspect="1"/>
+          </p:cNvPicPr>
+          <p:nvPr/>
+        </p:nvPicPr>
+        <p:blipFill>
+          <a:blip r:embed="rId2"/>
+          <a:stretch>
+            <a:fillRect/>
+          </a:stretch>
+        </p:blipFill>
+        <p:spPr>
+          <a:xfrm>
+            <a:off x="494838" y="1707896"/>
+            <a:ext cx="6630325" cy="4725059"/>
+          </a:xfrm>
+          <a:prstGeom prst="rect">
+            <a:avLst/>
+          </a:prstGeom>
+        </p:spPr>
+      </p:pic>
+      <p:pic>
+        <p:nvPicPr>
+          <p:cNvPr id="7" name="Slika 6">
+            <a:extLst>
+              <a:ext uri="{FF2B5EF4-FFF2-40B4-BE49-F238E27FC236}">
+                <a16:creationId xmlns:a16="http://schemas.microsoft.com/office/drawing/2014/main" id="{6292E44B-1E7C-444E-8C1B-933C2C7117C0}"/>
+              </a:ext>
+            </a:extLst>
+          </p:cNvPr>
+          <p:cNvPicPr>
+            <a:picLocks noChangeAspect="1"/>
+          </p:cNvPicPr>
+          <p:nvPr/>
+        </p:nvPicPr>
+        <p:blipFill rotWithShape="1">
+          <a:blip r:embed="rId3"/>
+          <a:srcRect r="32664" b="16976"/>
+          <a:stretch/>
+        </p:blipFill>
+        <p:spPr>
+          <a:xfrm>
+            <a:off x="6380836" y="365125"/>
+            <a:ext cx="4972964" cy="1598763"/>
+          </a:xfrm>
+          <a:prstGeom prst="rect">
+            <a:avLst/>
+          </a:prstGeom>
+        </p:spPr>
+      </p:pic>
+    </p:spTree>
+    <p:extLst>
+      <p:ext uri="{BB962C8B-B14F-4D97-AF65-F5344CB8AC3E}">
+        <p14:creationId xmlns:p14="http://schemas.microsoft.com/office/powerpoint/2010/main" val="4218077620"/>
+      </p:ext>
+    </p:extLst>
+  </p:cSld>
+  <p:clrMapOvr>
+    <a:masterClrMapping/>
+  </p:clrMapOvr>
+  <mc:AlternateContent xmlns:mc="http://schemas.openxmlformats.org/markup-compatibility/2006" xmlns:p159="http://schemas.microsoft.com/office/powerpoint/2015/09/main">
+    <mc:Choice Requires="p159">
+      <p:transition xmlns:p14="http://schemas.microsoft.com/office/powerpoint/2010/main" spd="slow" p14:dur="2000">
+        <p159:morph option="byObject"/>
+      </p:transition>
+    </mc:Choice>
+    <mc:Fallback xmlns="">
+      <p:transition spd="slow">
+        <p:fade/>
+      </p:transition>
+    </mc:Fallback>
+  </mc:AlternateContent>
 </p:sld>
 </file>
 
